--- a/Notes/Day2_26_07_2022.pptx
+++ b/Notes/Day2_26_07_2022.pptx
@@ -5,9 +5,16 @@
     <p:sldMasterId id="2147483732" r:id="rId1"/>
   </p:sldMasterIdLst>
   <p:sldIdLst>
-    <p:sldId id="259" r:id="rId2"/>
-    <p:sldId id="260" r:id="rId3"/>
-    <p:sldId id="261" r:id="rId4"/>
+    <p:sldId id="256" r:id="rId2"/>
+    <p:sldId id="257" r:id="rId3"/>
+    <p:sldId id="258" r:id="rId4"/>
+    <p:sldId id="262" r:id="rId5"/>
+    <p:sldId id="263" r:id="rId6"/>
+    <p:sldId id="264" r:id="rId7"/>
+    <p:sldId id="265" r:id="rId8"/>
+    <p:sldId id="259" r:id="rId9"/>
+    <p:sldId id="260" r:id="rId10"/>
+    <p:sldId id="261" r:id="rId11"/>
   </p:sldIdLst>
   <p:sldSz cx="12192000" cy="6858000"/>
   <p:notesSz cx="6858000" cy="9144000"/>
@@ -307,7 +314,7 @@
           <a:p>
             <a:fld id="{4AAD347D-5ACD-4C99-B74B-A9C85AD731AF}" type="datetimeFigureOut">
               <a:rPr lang="en-US" dirty="0"/>
-              <a:t>7/25/2022</a:t>
+              <a:t>7/27/2022</a:t>
             </a:fld>
             <a:endParaRPr lang="en-US" dirty="0"/>
           </a:p>
@@ -577,7 +584,7 @@
           <a:p>
             <a:fld id="{4509A250-FF31-4206-8172-F9D3106AACB1}" type="datetimeFigureOut">
               <a:rPr lang="en-US" dirty="0"/>
-              <a:t>7/25/2022</a:t>
+              <a:t>7/27/2022</a:t>
             </a:fld>
             <a:endParaRPr lang="en-US" dirty="0"/>
           </a:p>
@@ -770,7 +777,7 @@
           <a:p>
             <a:fld id="{4509A250-FF31-4206-8172-F9D3106AACB1}" type="datetimeFigureOut">
               <a:rPr lang="en-US" dirty="0"/>
-              <a:t>7/25/2022</a:t>
+              <a:t>7/27/2022</a:t>
             </a:fld>
             <a:endParaRPr lang="en-US" dirty="0"/>
           </a:p>
@@ -1042,7 +1049,7 @@
           <a:p>
             <a:fld id="{4509A250-FF31-4206-8172-F9D3106AACB1}" type="datetimeFigureOut">
               <a:rPr lang="en-US" dirty="0"/>
-              <a:t>7/25/2022</a:t>
+              <a:t>7/27/2022</a:t>
             </a:fld>
             <a:endParaRPr lang="en-US" dirty="0"/>
           </a:p>
@@ -1382,7 +1389,7 @@
           <a:p>
             <a:fld id="{4509A250-FF31-4206-8172-F9D3106AACB1}" type="datetimeFigureOut">
               <a:rPr lang="en-US" dirty="0"/>
-              <a:t>7/25/2022</a:t>
+              <a:t>7/27/2022</a:t>
             </a:fld>
             <a:endParaRPr lang="en-US" dirty="0"/>
           </a:p>
@@ -2004,7 +2011,7 @@
           <a:p>
             <a:fld id="{4509A250-FF31-4206-8172-F9D3106AACB1}" type="datetimeFigureOut">
               <a:rPr lang="en-US" dirty="0"/>
-              <a:t>7/25/2022</a:t>
+              <a:t>7/27/2022</a:t>
             </a:fld>
             <a:endParaRPr lang="en-US" dirty="0"/>
           </a:p>
@@ -2851,7 +2858,7 @@
           <a:p>
             <a:fld id="{4509A250-FF31-4206-8172-F9D3106AACB1}" type="datetimeFigureOut">
               <a:rPr lang="en-US" dirty="0"/>
-              <a:t>7/25/2022</a:t>
+              <a:t>7/27/2022</a:t>
             </a:fld>
             <a:endParaRPr lang="en-US" dirty="0"/>
           </a:p>
@@ -3019,7 +3026,7 @@
           <a:p>
             <a:fld id="{4509A250-FF31-4206-8172-F9D3106AACB1}" type="datetimeFigureOut">
               <a:rPr lang="en-US" dirty="0"/>
-              <a:t>7/25/2022</a:t>
+              <a:t>7/27/2022</a:t>
             </a:fld>
             <a:endParaRPr lang="en-US" dirty="0"/>
           </a:p>
@@ -3197,7 +3204,7 @@
           <a:p>
             <a:fld id="{4509A250-FF31-4206-8172-F9D3106AACB1}" type="datetimeFigureOut">
               <a:rPr lang="en-US" dirty="0"/>
-              <a:t>7/25/2022</a:t>
+              <a:t>7/27/2022</a:t>
             </a:fld>
             <a:endParaRPr lang="en-US" dirty="0"/>
           </a:p>
@@ -3365,7 +3372,7 @@
           <a:p>
             <a:fld id="{4509A250-FF31-4206-8172-F9D3106AACB1}" type="datetimeFigureOut">
               <a:rPr lang="en-US" dirty="0"/>
-              <a:t>7/25/2022</a:t>
+              <a:t>7/27/2022</a:t>
             </a:fld>
             <a:endParaRPr lang="en-US" dirty="0"/>
           </a:p>
@@ -3611,7 +3618,7 @@
           <a:p>
             <a:fld id="{9796027F-7875-4030-9381-8BD8C4F21935}" type="datetimeFigureOut">
               <a:rPr lang="en-US" dirty="0"/>
-              <a:t>7/25/2022</a:t>
+              <a:t>7/27/2022</a:t>
             </a:fld>
             <a:endParaRPr lang="en-US" dirty="0"/>
           </a:p>
@@ -3900,7 +3907,7 @@
           <a:p>
             <a:fld id="{9796027F-7875-4030-9381-8BD8C4F21935}" type="datetimeFigureOut">
               <a:rPr lang="en-US" dirty="0"/>
-              <a:t>7/25/2022</a:t>
+              <a:t>7/27/2022</a:t>
             </a:fld>
             <a:endParaRPr lang="en-US" dirty="0"/>
           </a:p>
@@ -4341,7 +4348,7 @@
           <a:p>
             <a:fld id="{9796027F-7875-4030-9381-8BD8C4F21935}" type="datetimeFigureOut">
               <a:rPr lang="en-US" dirty="0"/>
-              <a:t>7/25/2022</a:t>
+              <a:t>7/27/2022</a:t>
             </a:fld>
             <a:endParaRPr lang="en-US" dirty="0"/>
           </a:p>
@@ -4458,7 +4465,7 @@
           <a:p>
             <a:fld id="{4509A250-FF31-4206-8172-F9D3106AACB1}" type="datetimeFigureOut">
               <a:rPr lang="en-US" dirty="0"/>
-              <a:t>7/25/2022</a:t>
+              <a:t>7/27/2022</a:t>
             </a:fld>
             <a:endParaRPr lang="en-US" dirty="0"/>
           </a:p>
@@ -4553,7 +4560,7 @@
           <a:p>
             <a:fld id="{4509A250-FF31-4206-8172-F9D3106AACB1}" type="datetimeFigureOut">
               <a:rPr lang="en-US" dirty="0"/>
-              <a:t>7/25/2022</a:t>
+              <a:t>7/27/2022</a:t>
             </a:fld>
             <a:endParaRPr lang="en-US" dirty="0"/>
           </a:p>
@@ -4830,7 +4837,7 @@
           <a:p>
             <a:fld id="{4509A250-FF31-4206-8172-F9D3106AACB1}" type="datetimeFigureOut">
               <a:rPr lang="en-US" dirty="0"/>
-              <a:t>7/25/2022</a:t>
+              <a:t>7/27/2022</a:t>
             </a:fld>
             <a:endParaRPr lang="en-US" dirty="0"/>
           </a:p>
@@ -5100,7 +5107,7 @@
           <a:p>
             <a:fld id="{4509A250-FF31-4206-8172-F9D3106AACB1}" type="datetimeFigureOut">
               <a:rPr lang="en-US" dirty="0"/>
-              <a:t>7/25/2022</a:t>
+              <a:t>7/27/2022</a:t>
             </a:fld>
             <a:endParaRPr lang="en-US" dirty="0"/>
           </a:p>
@@ -5527,7 +5534,7 @@
           <a:p>
             <a:fld id="{4AAD347D-5ACD-4C99-B74B-A9C85AD731AF}" type="datetimeFigureOut">
               <a:rPr lang="en-US" dirty="0"/>
-              <a:t>7/25/2022</a:t>
+              <a:t>7/27/2022</a:t>
             </a:fld>
             <a:endParaRPr lang="en-US" dirty="0"/>
           </a:p>
@@ -6058,6 +6065,358 @@
       </p:grpSpPr>
       <p:sp>
         <p:nvSpPr>
+          <p:cNvPr id="2" name="Title 1"/>
+          <p:cNvSpPr>
+            <a:spLocks noGrp="1"/>
+          </p:cNvSpPr>
+          <p:nvPr>
+            <p:ph type="ctrTitle"/>
+          </p:nvPr>
+        </p:nvSpPr>
+        <p:spPr>
+          <a:xfrm>
+            <a:off x="988694" y="1063416"/>
+            <a:ext cx="6034406" cy="4811730"/>
+          </a:xfrm>
+        </p:spPr>
+        <p:txBody>
+          <a:bodyPr anchor="ctr">
+            <a:normAutofit/>
+          </a:bodyPr>
+          <a:lstStyle/>
+          <a:p>
+            <a:pPr algn="r"/>
+            <a:r>
+              <a:rPr lang="en-US" sz="6600" dirty="0">
+                <a:ea typeface="+mj-lt"/>
+                <a:cs typeface="+mj-lt"/>
+              </a:rPr>
+              <a:t>Software vs Software Framework</a:t>
+            </a:r>
+            <a:endParaRPr lang="en-US" sz="6600" dirty="0"/>
+          </a:p>
+        </p:txBody>
+      </p:sp>
+      <p:sp>
+        <p:nvSpPr>
+          <p:cNvPr id="3" name="Subtitle 2"/>
+          <p:cNvSpPr>
+            <a:spLocks noGrp="1"/>
+          </p:cNvSpPr>
+          <p:nvPr>
+            <p:ph type="subTitle" idx="1"/>
+          </p:nvPr>
+        </p:nvSpPr>
+        <p:spPr>
+          <a:xfrm>
+            <a:off x="7885882" y="1063416"/>
+            <a:ext cx="2591618" cy="4811730"/>
+          </a:xfrm>
+        </p:spPr>
+        <p:txBody>
+          <a:bodyPr anchor="ctr">
+            <a:normAutofit/>
+          </a:bodyPr>
+          <a:lstStyle/>
+          <a:p>
+            <a:r>
+              <a:rPr lang="en-US" dirty="0" err="1">
+                <a:ea typeface="+mj-lt"/>
+                <a:cs typeface="+mj-lt"/>
+              </a:rPr>
+              <a:t>.Net</a:t>
+            </a:r>
+            <a:r>
+              <a:rPr lang="en-US" dirty="0">
+                <a:ea typeface="+mj-lt"/>
+                <a:cs typeface="+mj-lt"/>
+              </a:rPr>
+              <a:t> and Java</a:t>
+            </a:r>
+            <a:endParaRPr lang="en-US" dirty="0"/>
+          </a:p>
+          <a:p>
+            <a:r>
+              <a:rPr lang="en-US" dirty="0">
+                <a:ea typeface="+mj-lt"/>
+                <a:cs typeface="+mj-lt"/>
+              </a:rPr>
+              <a:t>Desktop Application, Web Application, Database</a:t>
+            </a:r>
+            <a:endParaRPr lang="en-US" dirty="0"/>
+          </a:p>
+        </p:txBody>
+      </p:sp>
+      <p:sp>
+        <p:nvSpPr>
+          <p:cNvPr id="5" name="TextBox 4">
+            <a:extLst>
+              <a:ext uri="{FF2B5EF4-FFF2-40B4-BE49-F238E27FC236}">
+                <a16:creationId xmlns:a16="http://schemas.microsoft.com/office/drawing/2014/main" id="{AD5C0E02-1BA0-66C6-7689-EB7580923E66}"/>
+              </a:ext>
+            </a:extLst>
+          </p:cNvPr>
+          <p:cNvSpPr txBox="1"/>
+          <p:nvPr/>
+        </p:nvSpPr>
+        <p:spPr>
+          <a:xfrm>
+            <a:off x="8162223" y="500514"/>
+            <a:ext cx="1944303" cy="369332"/>
+          </a:xfrm>
+          <a:prstGeom prst="rect">
+            <a:avLst/>
+          </a:prstGeom>
+          <a:noFill/>
+        </p:spPr>
+        <p:txBody>
+          <a:bodyPr wrap="square" rtlCol="0">
+            <a:spAutoFit/>
+          </a:bodyPr>
+          <a:lstStyle/>
+          <a:p>
+            <a:r>
+              <a:rPr lang="en-IN" dirty="0"/>
+              <a:t>25-07-2022</a:t>
+            </a:r>
+          </a:p>
+        </p:txBody>
+      </p:sp>
+    </p:spTree>
+    <p:extLst>
+      <p:ext uri="{BB962C8B-B14F-4D97-AF65-F5344CB8AC3E}">
+        <p14:creationId xmlns:p14="http://schemas.microsoft.com/office/powerpoint/2010/main" val="109857222"/>
+      </p:ext>
+    </p:extLst>
+  </p:cSld>
+  <p:clrMapOvr>
+    <a:masterClrMapping/>
+  </p:clrMapOvr>
+  <p:timing>
+    <p:tnLst>
+      <p:par>
+        <p:cTn id="1" dur="indefinite" restart="never" nodeType="tmRoot">
+          <p:childTnLst>
+            <p:seq concurrent="1" nextAc="seek">
+              <p:cTn id="2" dur="indefinite" nodeType="mainSeq">
+                <p:childTnLst>
+                  <p:par>
+                    <p:cTn id="3" fill="hold">
+                      <p:stCondLst>
+                        <p:cond delay="indefinite"/>
+                        <p:cond evt="onBegin" delay="0">
+                          <p:tn val="2"/>
+                        </p:cond>
+                      </p:stCondLst>
+                      <p:childTnLst>
+                        <p:par>
+                          <p:cTn id="4" fill="hold">
+                            <p:stCondLst>
+                              <p:cond delay="0"/>
+                            </p:stCondLst>
+                            <p:childTnLst>
+                              <p:par>
+                                <p:cTn id="5" presetID="10" presetClass="entr" presetSubtype="0" fill="hold" grpId="0" nodeType="withEffect">
+                                  <p:stCondLst>
+                                    <p:cond delay="2000"/>
+                                  </p:stCondLst>
+                                  <p:iterate type="lt">
+                                    <p:tmPct val="10000"/>
+                                  </p:iterate>
+                                  <p:childTnLst>
+                                    <p:set>
+                                      <p:cBhvr>
+                                        <p:cTn id="6" dur="1" fill="hold">
+                                          <p:stCondLst>
+                                            <p:cond delay="0"/>
+                                          </p:stCondLst>
+                                        </p:cTn>
+                                        <p:tgtEl>
+                                          <p:spTgt spid="3">
+                                            <p:txEl>
+                                              <p:pRg st="0" end="0"/>
+                                            </p:txEl>
+                                          </p:spTgt>
+                                        </p:tgtEl>
+                                        <p:attrNameLst>
+                                          <p:attrName>style.visibility</p:attrName>
+                                        </p:attrNameLst>
+                                      </p:cBhvr>
+                                      <p:to>
+                                        <p:strVal val="visible"/>
+                                      </p:to>
+                                    </p:set>
+                                    <p:animEffect transition="in" filter="fade">
+                                      <p:cBhvr>
+                                        <p:cTn id="7" dur="400"/>
+                                        <p:tgtEl>
+                                          <p:spTgt spid="3">
+                                            <p:txEl>
+                                              <p:pRg st="0" end="0"/>
+                                            </p:txEl>
+                                          </p:spTgt>
+                                        </p:tgtEl>
+                                      </p:cBhvr>
+                                    </p:animEffect>
+                                  </p:childTnLst>
+                                </p:cTn>
+                              </p:par>
+                              <p:par>
+                                <p:cTn id="8" presetID="10" presetClass="entr" presetSubtype="0" fill="hold" grpId="0" nodeType="withEffect">
+                                  <p:stCondLst>
+                                    <p:cond delay="500"/>
+                                  </p:stCondLst>
+                                  <p:iterate type="lt">
+                                    <p:tmPct val="10000"/>
+                                  </p:iterate>
+                                  <p:childTnLst>
+                                    <p:set>
+                                      <p:cBhvr>
+                                        <p:cTn id="9" dur="1" fill="hold">
+                                          <p:stCondLst>
+                                            <p:cond delay="0"/>
+                                          </p:stCondLst>
+                                        </p:cTn>
+                                        <p:tgtEl>
+                                          <p:spTgt spid="2"/>
+                                        </p:tgtEl>
+                                        <p:attrNameLst>
+                                          <p:attrName>style.visibility</p:attrName>
+                                        </p:attrNameLst>
+                                      </p:cBhvr>
+                                      <p:to>
+                                        <p:strVal val="visible"/>
+                                      </p:to>
+                                    </p:set>
+                                    <p:animEffect transition="in" filter="fade">
+                                      <p:cBhvr>
+                                        <p:cTn id="10" dur="400"/>
+                                        <p:tgtEl>
+                                          <p:spTgt spid="2"/>
+                                        </p:tgtEl>
+                                      </p:cBhvr>
+                                    </p:animEffect>
+                                  </p:childTnLst>
+                                </p:cTn>
+                              </p:par>
+                            </p:childTnLst>
+                          </p:cTn>
+                        </p:par>
+                      </p:childTnLst>
+                    </p:cTn>
+                  </p:par>
+                  <p:par>
+                    <p:cTn id="11" fill="hold">
+                      <p:stCondLst>
+                        <p:cond delay="indefinite"/>
+                      </p:stCondLst>
+                      <p:childTnLst>
+                        <p:par>
+                          <p:cTn id="12" fill="hold">
+                            <p:stCondLst>
+                              <p:cond delay="0"/>
+                            </p:stCondLst>
+                            <p:childTnLst>
+                              <p:par>
+                                <p:cTn id="13" presetID="10" presetClass="entr" presetSubtype="0" fill="hold" grpId="0" nodeType="clickEffect">
+                                  <p:stCondLst>
+                                    <p:cond delay="2000"/>
+                                  </p:stCondLst>
+                                  <p:iterate type="lt">
+                                    <p:tmPct val="10000"/>
+                                  </p:iterate>
+                                  <p:childTnLst>
+                                    <p:set>
+                                      <p:cBhvr>
+                                        <p:cTn id="14" dur="1" fill="hold">
+                                          <p:stCondLst>
+                                            <p:cond delay="0"/>
+                                          </p:stCondLst>
+                                        </p:cTn>
+                                        <p:tgtEl>
+                                          <p:spTgt spid="3">
+                                            <p:txEl>
+                                              <p:pRg st="1" end="1"/>
+                                            </p:txEl>
+                                          </p:spTgt>
+                                        </p:tgtEl>
+                                        <p:attrNameLst>
+                                          <p:attrName>style.visibility</p:attrName>
+                                        </p:attrNameLst>
+                                      </p:cBhvr>
+                                      <p:to>
+                                        <p:strVal val="visible"/>
+                                      </p:to>
+                                    </p:set>
+                                    <p:animEffect transition="in" filter="fade">
+                                      <p:cBhvr>
+                                        <p:cTn id="15" dur="400"/>
+                                        <p:tgtEl>
+                                          <p:spTgt spid="3">
+                                            <p:txEl>
+                                              <p:pRg st="1" end="1"/>
+                                            </p:txEl>
+                                          </p:spTgt>
+                                        </p:tgtEl>
+                                      </p:cBhvr>
+                                    </p:animEffect>
+                                  </p:childTnLst>
+                                </p:cTn>
+                              </p:par>
+                            </p:childTnLst>
+                          </p:cTn>
+                        </p:par>
+                      </p:childTnLst>
+                    </p:cTn>
+                  </p:par>
+                </p:childTnLst>
+              </p:cTn>
+              <p:prevCondLst>
+                <p:cond evt="onPrev" delay="0">
+                  <p:tgtEl>
+                    <p:sldTgt/>
+                  </p:tgtEl>
+                </p:cond>
+              </p:prevCondLst>
+              <p:nextCondLst>
+                <p:cond evt="onNext" delay="0">
+                  <p:tgtEl>
+                    <p:sldTgt/>
+                  </p:tgtEl>
+                </p:cond>
+              </p:nextCondLst>
+            </p:seq>
+          </p:childTnLst>
+        </p:cTn>
+      </p:par>
+    </p:tnLst>
+    <p:bldLst>
+      <p:bldP spid="2" grpId="0"/>
+      <p:bldP spid="3" grpId="0" build="p"/>
+    </p:bldLst>
+  </p:timing>
+</p:sld>
+</file>
+
+<file path=ppt/slides/slide10.xml><?xml version="1.0" encoding="utf-8"?>
+<p:sld xmlns:a="http://schemas.openxmlformats.org/drawingml/2006/main" xmlns:r="http://schemas.openxmlformats.org/officeDocument/2006/relationships" xmlns:p="http://schemas.openxmlformats.org/presentationml/2006/main">
+  <p:cSld>
+    <p:spTree>
+      <p:nvGrpSpPr>
+        <p:cNvPr id="1" name=""/>
+        <p:cNvGrpSpPr/>
+        <p:nvPr/>
+      </p:nvGrpSpPr>
+      <p:grpSpPr>
+        <a:xfrm>
+          <a:off x="0" y="0"/>
+          <a:ext cx="0" cy="0"/>
+          <a:chOff x="0" y="0"/>
+          <a:chExt cx="0" cy="0"/>
+        </a:xfrm>
+      </p:grpSpPr>
+      <p:sp>
+        <p:nvSpPr>
           <p:cNvPr id="2" name="Title 1">
             <a:extLst>
               <a:ext uri="{FF2B5EF4-FFF2-40B4-BE49-F238E27FC236}">
@@ -6075,7 +6434,7 @@
         <p:spPr>
           <a:xfrm>
             <a:off x="646111" y="452718"/>
-            <a:ext cx="9404723" cy="6817873"/>
+            <a:ext cx="9404723" cy="5803703"/>
           </a:xfrm>
         </p:spPr>
         <p:txBody>
@@ -6089,33 +6448,12 @@
               </a:rPr>
               <a:t>C#:</a:t>
             </a:r>
-            <a:endParaRPr lang="en-US" b="1" u="sng" dirty="0"/>
-          </a:p>
-          <a:p>
-            <a:pPr marL="514350" indent="-514350">
-              <a:buFont typeface="Arial" panose="020B0604020202020204" pitchFamily="34" charset="0"/>
-              <a:buChar char="•"/>
-            </a:pPr>
-            <a:r>
-              <a:rPr lang="en-US" sz="2600" b="1" dirty="0">
-                <a:ea typeface="+mj-lt"/>
-                <a:cs typeface="+mj-lt"/>
-              </a:rPr>
-              <a:t>Output</a:t>
-            </a:r>
             <a:br>
-              <a:rPr lang="en-US" sz="2600" b="1" dirty="0">
+              <a:rPr lang="en-US" b="1" u="sng" dirty="0">
                 <a:ea typeface="+mj-lt"/>
                 <a:cs typeface="+mj-lt"/>
               </a:rPr>
             </a:br>
-            <a:r>
-              <a:rPr lang="en-US" sz="2600" b="1" dirty="0">
-                <a:ea typeface="+mj-lt"/>
-                <a:cs typeface="+mj-lt"/>
-              </a:rPr>
-              <a:t>Comments</a:t>
-            </a:r>
             <a:br>
               <a:rPr lang="en-US" sz="2600" b="1" dirty="0">
                 <a:ea typeface="+mj-lt"/>
@@ -6127,7 +6465,7 @@
                 <a:ea typeface="+mj-lt"/>
                 <a:cs typeface="+mj-lt"/>
               </a:rPr>
-              <a:t>Variables</a:t>
+              <a:t>OOP</a:t>
             </a:r>
             <a:br>
               <a:rPr lang="en-US" sz="2600" b="1" dirty="0">
@@ -6140,7 +6478,7 @@
                 <a:ea typeface="+mj-lt"/>
                 <a:cs typeface="+mj-lt"/>
               </a:rPr>
-              <a:t>Data Types</a:t>
+              <a:t>Classes/Objects</a:t>
             </a:r>
             <a:br>
               <a:rPr lang="en-US" sz="2600" b="1" dirty="0">
@@ -6153,7 +6491,7 @@
                 <a:ea typeface="+mj-lt"/>
                 <a:cs typeface="+mj-lt"/>
               </a:rPr>
-              <a:t>Type Casting</a:t>
+              <a:t>Class Members</a:t>
             </a:r>
             <a:br>
               <a:rPr lang="en-US" sz="2600" b="1" dirty="0">
@@ -6166,7 +6504,7 @@
                 <a:ea typeface="+mj-lt"/>
                 <a:cs typeface="+mj-lt"/>
               </a:rPr>
-              <a:t>User Input</a:t>
+              <a:t>Constructors</a:t>
             </a:r>
             <a:br>
               <a:rPr lang="en-US" sz="2600" b="1" dirty="0">
@@ -6179,7 +6517,7 @@
                 <a:ea typeface="+mj-lt"/>
                 <a:cs typeface="+mj-lt"/>
               </a:rPr>
-              <a:t>Operators</a:t>
+              <a:t>Access Modifiers</a:t>
             </a:r>
             <a:br>
               <a:rPr lang="en-US" sz="2600" b="1" dirty="0">
@@ -6192,7 +6530,16 @@
                 <a:ea typeface="+mj-lt"/>
                 <a:cs typeface="+mj-lt"/>
               </a:rPr>
-              <a:t>Math</a:t>
+              <a:t>Classes</a:t>
+            </a:r>
+          </a:p>
+          <a:p>
+            <a:r>
+              <a:rPr lang="en-US" sz="2600" b="1" dirty="0">
+                <a:ea typeface="+mj-lt"/>
+                <a:cs typeface="+mj-lt"/>
+              </a:rPr>
+              <a:t>Properties</a:t>
             </a:r>
             <a:br>
               <a:rPr lang="en-US" sz="2600" b="1" dirty="0">
@@ -6205,7 +6552,7 @@
                 <a:ea typeface="+mj-lt"/>
                 <a:cs typeface="+mj-lt"/>
               </a:rPr>
-              <a:t>Strings</a:t>
+              <a:t>Inheritance</a:t>
             </a:r>
             <a:br>
               <a:rPr lang="en-US" sz="2600" b="1" dirty="0">
@@ -6218,7 +6565,7 @@
                 <a:ea typeface="+mj-lt"/>
                 <a:cs typeface="+mj-lt"/>
               </a:rPr>
-              <a:t>Booleans</a:t>
+              <a:t>Polymorphism</a:t>
             </a:r>
             <a:br>
               <a:rPr lang="en-US" sz="2600" b="1" dirty="0">
@@ -6231,7 +6578,7 @@
                 <a:ea typeface="+mj-lt"/>
                 <a:cs typeface="+mj-lt"/>
               </a:rPr>
-              <a:t>If...Else</a:t>
+              <a:t>Abstraction</a:t>
             </a:r>
             <a:br>
               <a:rPr lang="en-US" sz="2600" b="1" dirty="0">
@@ -6244,7 +6591,7 @@
                 <a:ea typeface="+mj-lt"/>
                 <a:cs typeface="+mj-lt"/>
               </a:rPr>
-              <a:t>Switch</a:t>
+              <a:t>Interface</a:t>
             </a:r>
             <a:br>
               <a:rPr lang="en-US" sz="2600" b="1" dirty="0">
@@ -6252,6 +6599,129 @@
                 <a:cs typeface="+mj-lt"/>
               </a:rPr>
             </a:br>
+            <a:r>
+              <a:rPr lang="en-US" sz="2600" b="1" dirty="0">
+                <a:ea typeface="+mj-lt"/>
+                <a:cs typeface="+mj-lt"/>
+              </a:rPr>
+              <a:t>Enums</a:t>
+            </a:r>
+            <a:br>
+              <a:rPr lang="en-US" sz="2600" b="1" dirty="0">
+                <a:ea typeface="+mj-lt"/>
+                <a:cs typeface="+mj-lt"/>
+              </a:rPr>
+            </a:br>
+            <a:r>
+              <a:rPr lang="en-US" sz="2600" b="1" dirty="0">
+                <a:ea typeface="+mj-lt"/>
+                <a:cs typeface="+mj-lt"/>
+              </a:rPr>
+              <a:t>Files</a:t>
+            </a:r>
+            <a:br>
+              <a:rPr lang="en-US" sz="2600" b="1" dirty="0">
+                <a:ea typeface="+mj-lt"/>
+                <a:cs typeface="+mj-lt"/>
+              </a:rPr>
+            </a:br>
+            <a:r>
+              <a:rPr lang="en-US" sz="2600" b="1" dirty="0">
+                <a:ea typeface="+mj-lt"/>
+                <a:cs typeface="+mj-lt"/>
+              </a:rPr>
+              <a:t>Exceptions</a:t>
+            </a:r>
+            <a:br>
+              <a:rPr lang="en-US" sz="2600" b="1" dirty="0">
+                <a:ea typeface="+mj-lt"/>
+                <a:cs typeface="+mj-lt"/>
+              </a:rPr>
+            </a:br>
+            <a:br>
+              <a:rPr lang="en-US" sz="2600" b="1" dirty="0">
+                <a:ea typeface="+mj-lt"/>
+                <a:cs typeface="+mj-lt"/>
+              </a:rPr>
+            </a:br>
+            <a:r>
+              <a:rPr lang="en-US" sz="2600" b="1" dirty="0">
+                <a:ea typeface="+mj-lt"/>
+                <a:cs typeface="+mj-lt"/>
+              </a:rPr>
+              <a:t>Namespace</a:t>
+            </a:r>
+            <a:br>
+              <a:rPr lang="en-US" sz="2600" b="1" dirty="0">
+                <a:ea typeface="+mj-lt"/>
+                <a:cs typeface="+mj-lt"/>
+              </a:rPr>
+            </a:br>
+            <a:r>
+              <a:rPr lang="en-US" sz="2600" b="1" dirty="0">
+                <a:ea typeface="+mj-lt"/>
+                <a:cs typeface="+mj-lt"/>
+              </a:rPr>
+              <a:t>Class</a:t>
+            </a:r>
+            <a:br>
+              <a:rPr lang="en-US" sz="2600" b="1" dirty="0">
+                <a:ea typeface="+mj-lt"/>
+                <a:cs typeface="+mj-lt"/>
+              </a:rPr>
+            </a:br>
+            <a:r>
+              <a:rPr lang="en-US" sz="2600" b="1" dirty="0">
+                <a:ea typeface="+mj-lt"/>
+                <a:cs typeface="+mj-lt"/>
+              </a:rPr>
+              <a:t>Object</a:t>
+            </a:r>
+            <a:br>
+              <a:rPr lang="en-US" sz="2600" b="1" dirty="0">
+                <a:ea typeface="+mj-lt"/>
+                <a:cs typeface="+mj-lt"/>
+              </a:rPr>
+            </a:br>
+            <a:r>
+              <a:rPr lang="en-US" sz="2600" b="1" dirty="0">
+                <a:ea typeface="+mj-lt"/>
+                <a:cs typeface="+mj-lt"/>
+              </a:rPr>
+              <a:t>Method</a:t>
+            </a:r>
+            <a:br>
+              <a:rPr lang="en-US" sz="2600" b="1" dirty="0">
+                <a:ea typeface="+mj-lt"/>
+                <a:cs typeface="+mj-lt"/>
+              </a:rPr>
+            </a:br>
+            <a:r>
+              <a:rPr lang="en-US" sz="2600" b="1" dirty="0">
+                <a:ea typeface="+mj-lt"/>
+                <a:cs typeface="+mj-lt"/>
+              </a:rPr>
+              <a:t>Property { Get; Set; }</a:t>
+            </a:r>
+            <a:br>
+              <a:rPr lang="en-US" sz="2600" b="1" dirty="0">
+                <a:ea typeface="+mj-lt"/>
+                <a:cs typeface="+mj-lt"/>
+              </a:rPr>
+            </a:br>
+            <a:br>
+              <a:rPr lang="en-US" sz="2600" b="1" dirty="0">
+                <a:ea typeface="+mj-lt"/>
+                <a:cs typeface="+mj-lt"/>
+              </a:rPr>
+            </a:br>
+            <a:r>
+              <a:rPr lang="en-US" sz="2600" b="1" dirty="0">
+                <a:ea typeface="+mj-lt"/>
+                <a:cs typeface="+mj-lt"/>
+              </a:rPr>
+              <a:t>https://www.w3schools.com/cs/cs_output.php</a:t>
+            </a:r>
             <a:endParaRPr lang="en-US" sz="2600" dirty="0"/>
           </a:p>
         </p:txBody>
@@ -6259,7 +6729,7 @@
     </p:spTree>
     <p:extLst>
       <p:ext uri="{BB962C8B-B14F-4D97-AF65-F5344CB8AC3E}">
-        <p14:creationId xmlns:p14="http://schemas.microsoft.com/office/powerpoint/2010/main" val="2744554908"/>
+        <p14:creationId xmlns:p14="http://schemas.microsoft.com/office/powerpoint/2010/main" val="31527211"/>
       </p:ext>
     </p:extLst>
   </p:cSld>
@@ -6291,7 +6761,7 @@
           <p:cNvPr id="2" name="Title 1">
             <a:extLst>
               <a:ext uri="{FF2B5EF4-FFF2-40B4-BE49-F238E27FC236}">
-                <a16:creationId xmlns:a16="http://schemas.microsoft.com/office/drawing/2014/main" id="{DB9815BE-7A46-C394-EC06-C43032499840}"/>
+                <a16:creationId xmlns:a16="http://schemas.microsoft.com/office/drawing/2014/main" id="{3E43793D-79B8-68DC-8694-2073AE04CEA1}"/>
               </a:ext>
             </a:extLst>
           </p:cNvPr>
@@ -6304,205 +6774,102 @@
         </p:nvSpPr>
         <p:spPr>
           <a:xfrm>
-            <a:off x="646111" y="452718"/>
-            <a:ext cx="9404723" cy="6817873"/>
+            <a:off x="1154955" y="571500"/>
+            <a:ext cx="6974915" cy="5107581"/>
           </a:xfrm>
         </p:spPr>
         <p:txBody>
-          <a:bodyPr/>
+          <a:bodyPr vert="horz" lIns="91440" tIns="45720" rIns="91440" bIns="45720" rtlCol="0" anchor="b">
+            <a:normAutofit/>
+          </a:bodyPr>
           <a:lstStyle/>
           <a:p>
-            <a:r>
-              <a:rPr lang="en-US" b="1" u="sng" dirty="0">
-                <a:ea typeface="+mj-lt"/>
-                <a:cs typeface="+mj-lt"/>
-              </a:rPr>
-              <a:t>C#:</a:t>
-            </a:r>
-            <a:endParaRPr lang="en-US" b="1" u="sng" dirty="0"/>
-          </a:p>
-          <a:p>
-            <a:pPr marL="457200" indent="-457200">
-              <a:buFont typeface="Arial"/>
-              <a:buChar char="•"/>
+            <a:pPr>
+              <a:lnSpc>
+                <a:spcPct val="90000"/>
+              </a:lnSpc>
             </a:pPr>
             <a:r>
-              <a:rPr lang="en-US" sz="2600" b="1" dirty="0">
-                <a:ea typeface="+mj-lt"/>
-                <a:cs typeface="+mj-lt"/>
-              </a:rPr>
-              <a:t>While Loop</a:t>
+              <a:rPr lang="en-US" sz="4500" b="0" i="0" u="sng" kern="1200" dirty="0">
+                <a:latin typeface="+mj-lt"/>
+                <a:ea typeface="+mj-ea"/>
+                <a:cs typeface="+mj-cs"/>
+              </a:rPr>
+              <a:t>Versions:</a:t>
             </a:r>
             <a:br>
-              <a:rPr lang="en-US" sz="2600" b="1" dirty="0">
-                <a:ea typeface="+mj-lt"/>
-                <a:cs typeface="+mj-lt"/>
+              <a:rPr lang="en-US" sz="4500" b="0" i="0" kern="1200" dirty="0">
+                <a:solidFill>
+                  <a:schemeClr val="tx2"/>
+                </a:solidFill>
+                <a:latin typeface="+mj-lt"/>
+                <a:ea typeface="+mj-ea"/>
+                <a:cs typeface="+mj-cs"/>
               </a:rPr>
             </a:br>
             <a:r>
-              <a:rPr lang="en-US" sz="2600" b="1" dirty="0">
-                <a:ea typeface="+mj-lt"/>
-                <a:cs typeface="+mj-lt"/>
-              </a:rPr>
-              <a:t>For Loop</a:t>
+              <a:rPr lang="en-US" sz="4500" b="0" i="0" kern="1200" dirty="0">
+                <a:latin typeface="+mj-lt"/>
+                <a:ea typeface="+mj-ea"/>
+                <a:cs typeface="+mj-cs"/>
+              </a:rPr>
+              <a:t>.</a:t>
+            </a:r>
+            <a:r>
+              <a:rPr lang="en-US" sz="4500" b="1" i="0" kern="1200" dirty="0">
+                <a:latin typeface="+mj-lt"/>
+                <a:ea typeface="+mj-ea"/>
+                <a:cs typeface="+mj-cs"/>
+              </a:rPr>
+              <a:t>NET Framework</a:t>
+            </a:r>
+            <a:r>
+              <a:rPr lang="en-US" sz="4500" b="0" i="0" kern="1200" dirty="0">
+                <a:latin typeface="+mj-lt"/>
+                <a:ea typeface="+mj-ea"/>
+                <a:cs typeface="+mj-cs"/>
+              </a:rPr>
+              <a:t> -&gt; 1.0 to 4.8 -&gt; Apr, 2019</a:t>
             </a:r>
             <a:br>
-              <a:rPr lang="en-US" sz="2600" b="1" dirty="0">
-                <a:ea typeface="+mj-lt"/>
-                <a:cs typeface="+mj-lt"/>
+              <a:rPr lang="en-US" sz="4500" b="0" i="0" kern="1200" dirty="0">
+                <a:latin typeface="+mj-lt"/>
               </a:rPr>
             </a:br>
-            <a:r>
-              <a:rPr lang="en-US" sz="2600" b="1" dirty="0">
-                <a:ea typeface="+mj-lt"/>
-                <a:cs typeface="+mj-lt"/>
-              </a:rPr>
-              <a:t>Break/Continue</a:t>
-            </a:r>
             <a:br>
-              <a:rPr lang="en-US" sz="2600" b="1" dirty="0">
-                <a:ea typeface="+mj-lt"/>
-                <a:cs typeface="+mj-lt"/>
-              </a:rPr>
+              <a:rPr lang="en-US" sz="4500" dirty="0"/>
             </a:br>
             <a:r>
-              <a:rPr lang="en-US" sz="2600" b="1" dirty="0">
-                <a:ea typeface="+mj-lt"/>
-                <a:cs typeface="+mj-lt"/>
-              </a:rPr>
-              <a:t>Arrays</a:t>
-            </a:r>
-            <a:br>
-              <a:rPr lang="en-US" sz="2600" b="1" dirty="0">
-                <a:ea typeface="+mj-lt"/>
-                <a:cs typeface="+mj-lt"/>
-              </a:rPr>
-            </a:br>
-            <a:r>
-              <a:rPr lang="en-US" sz="2600" b="1" dirty="0">
-                <a:ea typeface="+mj-lt"/>
-                <a:cs typeface="+mj-lt"/>
-              </a:rPr>
-              <a:t>Methods</a:t>
-            </a:r>
-            <a:br>
-              <a:rPr lang="en-US" sz="2600" b="1" dirty="0">
-                <a:ea typeface="+mj-lt"/>
-                <a:cs typeface="+mj-lt"/>
-              </a:rPr>
-            </a:br>
-            <a:r>
-              <a:rPr lang="en-US" sz="2600" b="1" dirty="0">
-                <a:ea typeface="+mj-lt"/>
-                <a:cs typeface="+mj-lt"/>
-              </a:rPr>
-              <a:t>Method Parameters</a:t>
-            </a:r>
-            <a:br>
-              <a:rPr lang="en-US" sz="2600" b="1" dirty="0">
-                <a:ea typeface="+mj-lt"/>
-                <a:cs typeface="+mj-lt"/>
-              </a:rPr>
-            </a:br>
-            <a:r>
-              <a:rPr lang="en-US" sz="2600" b="1" dirty="0">
-                <a:ea typeface="+mj-lt"/>
-                <a:cs typeface="+mj-lt"/>
-              </a:rPr>
-              <a:t>Method Overloading</a:t>
-            </a:r>
-            <a:br>
-              <a:rPr lang="en-US" sz="2600" b="1" dirty="0">
-                <a:ea typeface="+mj-lt"/>
-                <a:cs typeface="+mj-lt"/>
-              </a:rPr>
-            </a:br>
-            <a:r>
-              <a:rPr lang="en-US" sz="2600" b="1" dirty="0">
-                <a:ea typeface="+mj-lt"/>
-                <a:cs typeface="+mj-lt"/>
-              </a:rPr>
-              <a:t>Classes</a:t>
-            </a:r>
-            <a:br>
-              <a:rPr lang="en-US" sz="2600" b="1" dirty="0">
-                <a:ea typeface="+mj-lt"/>
-                <a:cs typeface="+mj-lt"/>
-              </a:rPr>
-            </a:br>
-            <a:r>
-              <a:rPr lang="en-US" sz="2600" b="1" dirty="0">
-                <a:ea typeface="+mj-lt"/>
-                <a:cs typeface="+mj-lt"/>
-              </a:rPr>
-              <a:t>OOP</a:t>
-            </a:r>
-            <a:br>
-              <a:rPr lang="en-US" sz="2600" b="1" dirty="0">
-                <a:ea typeface="+mj-lt"/>
-                <a:cs typeface="+mj-lt"/>
-              </a:rPr>
-            </a:br>
-            <a:r>
-              <a:rPr lang="en-US" sz="2600" b="1" dirty="0">
-                <a:ea typeface="+mj-lt"/>
-                <a:cs typeface="+mj-lt"/>
-              </a:rPr>
-              <a:t>Classes/Objects</a:t>
-            </a:r>
-            <a:br>
-              <a:rPr lang="en-US" sz="2600" b="1" dirty="0">
-                <a:ea typeface="+mj-lt"/>
-                <a:cs typeface="+mj-lt"/>
-              </a:rPr>
-            </a:br>
-            <a:r>
-              <a:rPr lang="en-US" sz="2600" b="1" dirty="0">
-                <a:ea typeface="+mj-lt"/>
-                <a:cs typeface="+mj-lt"/>
-              </a:rPr>
-              <a:t>Class Members</a:t>
-            </a:r>
-            <a:br>
-              <a:rPr lang="en-US" sz="2600" b="1" dirty="0">
-                <a:ea typeface="+mj-lt"/>
-                <a:cs typeface="+mj-lt"/>
-              </a:rPr>
-            </a:br>
-            <a:r>
-              <a:rPr lang="en-US" sz="2600" b="1" dirty="0">
-                <a:ea typeface="+mj-lt"/>
-                <a:cs typeface="+mj-lt"/>
-              </a:rPr>
-              <a:t>Constructors</a:t>
-            </a:r>
-            <a:br>
-              <a:rPr lang="en-US" sz="2600" b="1" dirty="0">
-                <a:ea typeface="+mj-lt"/>
-                <a:cs typeface="+mj-lt"/>
-              </a:rPr>
-            </a:br>
-            <a:r>
-              <a:rPr lang="en-US" sz="2600" b="1" dirty="0">
-                <a:ea typeface="+mj-lt"/>
-                <a:cs typeface="+mj-lt"/>
-              </a:rPr>
-              <a:t>Access Modifiers</a:t>
-            </a:r>
-            <a:br>
-              <a:rPr lang="en-US" sz="2600" b="1" dirty="0">
-                <a:ea typeface="+mj-lt"/>
-                <a:cs typeface="+mj-lt"/>
-              </a:rPr>
-            </a:br>
-            <a:endParaRPr lang="en-US" sz="2600" dirty="0"/>
+              <a:rPr lang="en-US" sz="4500" b="1" i="0" kern="1200" dirty="0" err="1">
+                <a:latin typeface="+mj-lt"/>
+                <a:ea typeface="+mj-ea"/>
+                <a:cs typeface="+mj-cs"/>
+              </a:rPr>
+              <a:t>.Net</a:t>
+            </a:r>
+            <a:r>
+              <a:rPr lang="en-US" sz="4500" b="1" i="0" kern="1200" dirty="0">
+                <a:latin typeface="+mj-lt"/>
+                <a:ea typeface="+mj-ea"/>
+                <a:cs typeface="+mj-cs"/>
+              </a:rPr>
+              <a:t> Core </a:t>
+            </a:r>
+            <a:r>
+              <a:rPr lang="en-US" sz="4500" b="0" i="0" kern="1200" dirty="0">
+                <a:latin typeface="+mj-lt"/>
+                <a:ea typeface="+mj-ea"/>
+                <a:cs typeface="+mj-cs"/>
+              </a:rPr>
+              <a:t>-&gt; 1.0 to 6 -&gt; November, 2021</a:t>
+            </a:r>
           </a:p>
         </p:txBody>
       </p:sp>
     </p:spTree>
     <p:extLst>
       <p:ext uri="{BB962C8B-B14F-4D97-AF65-F5344CB8AC3E}">
-        <p14:creationId xmlns:p14="http://schemas.microsoft.com/office/powerpoint/2010/main" val="1521293297"/>
+        <p14:creationId xmlns:p14="http://schemas.microsoft.com/office/powerpoint/2010/main" val="4045909717"/>
       </p:ext>
     </p:extLst>
   </p:cSld>
@@ -6534,6 +6901,170 @@
           <p:cNvPr id="2" name="Title 1">
             <a:extLst>
               <a:ext uri="{FF2B5EF4-FFF2-40B4-BE49-F238E27FC236}">
+                <a16:creationId xmlns:a16="http://schemas.microsoft.com/office/drawing/2014/main" id="{57E29303-E880-16FD-96B7-FD82EBCD3F3E}"/>
+              </a:ext>
+            </a:extLst>
+          </p:cNvPr>
+          <p:cNvSpPr>
+            <a:spLocks noGrp="1"/>
+          </p:cNvSpPr>
+          <p:nvPr>
+            <p:ph type="title"/>
+          </p:nvPr>
+        </p:nvSpPr>
+        <p:spPr>
+          <a:xfrm>
+            <a:off x="1154955" y="1447800"/>
+            <a:ext cx="6974915" cy="3329581"/>
+          </a:xfrm>
+        </p:spPr>
+        <p:txBody>
+          <a:bodyPr vert="horz" lIns="91440" tIns="45720" rIns="91440" bIns="45720" rtlCol="0" anchor="b">
+            <a:normAutofit fontScale="90000"/>
+          </a:bodyPr>
+          <a:lstStyle/>
+          <a:p>
+            <a:pPr>
+              <a:lnSpc>
+                <a:spcPct val="90000"/>
+              </a:lnSpc>
+            </a:pPr>
+            <a:r>
+              <a:rPr lang="en-US" sz="2900" b="1" i="0" kern="1200" dirty="0">
+                <a:latin typeface="+mj-lt"/>
+                <a:ea typeface="+mj-ea"/>
+                <a:cs typeface="+mj-cs"/>
+              </a:rPr>
+              <a:t>.Net Framework vs .Net Core:</a:t>
+            </a:r>
+          </a:p>
+          <a:p>
+            <a:pPr>
+              <a:lnSpc>
+                <a:spcPct val="90000"/>
+              </a:lnSpc>
+            </a:pPr>
+            <a:r>
+              <a:rPr lang="en-US" sz="2900" b="0" i="0" kern="1200" dirty="0">
+                <a:solidFill>
+                  <a:schemeClr val="tx2"/>
+                </a:solidFill>
+                <a:latin typeface="+mj-lt"/>
+                <a:ea typeface="+mj-ea"/>
+                <a:cs typeface="+mj-cs"/>
+              </a:rPr>
+              <a:t>Open Source    </a:t>
+            </a:r>
+          </a:p>
+          <a:p>
+            <a:pPr>
+              <a:lnSpc>
+                <a:spcPct val="90000"/>
+              </a:lnSpc>
+            </a:pPr>
+            <a:r>
+              <a:rPr lang="en-US" sz="2900" b="0" i="0" kern="1200" dirty="0">
+                <a:solidFill>
+                  <a:schemeClr val="tx2"/>
+                </a:solidFill>
+                <a:latin typeface="+mj-lt"/>
+                <a:ea typeface="+mj-ea"/>
+                <a:cs typeface="+mj-cs"/>
+              </a:rPr>
+              <a:t>Cross-Platform</a:t>
+            </a:r>
+          </a:p>
+          <a:p>
+            <a:pPr>
+              <a:lnSpc>
+                <a:spcPct val="90000"/>
+              </a:lnSpc>
+            </a:pPr>
+            <a:r>
+              <a:rPr lang="en-US" sz="2900" b="0" i="0" kern="1200" dirty="0">
+                <a:solidFill>
+                  <a:schemeClr val="tx2"/>
+                </a:solidFill>
+                <a:latin typeface="+mj-lt"/>
+                <a:ea typeface="+mj-ea"/>
+                <a:cs typeface="+mj-cs"/>
+              </a:rPr>
+              <a:t>Application Models(Core doesn't support windows/desktop applications)</a:t>
+            </a:r>
+          </a:p>
+          <a:p>
+            <a:pPr>
+              <a:lnSpc>
+                <a:spcPct val="90000"/>
+              </a:lnSpc>
+            </a:pPr>
+            <a:r>
+              <a:rPr lang="en-US" sz="2900" b="0" i="0" kern="1200" dirty="0">
+                <a:solidFill>
+                  <a:schemeClr val="tx2"/>
+                </a:solidFill>
+                <a:latin typeface="+mj-lt"/>
+                <a:ea typeface="+mj-ea"/>
+                <a:cs typeface="+mj-cs"/>
+              </a:rPr>
+              <a:t>Support for Micro-Services and REST Services</a:t>
+            </a:r>
+          </a:p>
+          <a:p>
+            <a:pPr>
+              <a:lnSpc>
+                <a:spcPct val="90000"/>
+              </a:lnSpc>
+            </a:pPr>
+            <a:r>
+              <a:rPr lang="en-US" sz="2900" b="0" i="0" kern="1200" dirty="0">
+                <a:solidFill>
+                  <a:schemeClr val="tx2"/>
+                </a:solidFill>
+                <a:latin typeface="+mj-lt"/>
+                <a:ea typeface="+mj-ea"/>
+                <a:cs typeface="+mj-cs"/>
+              </a:rPr>
+              <a:t>Android Development(Xamarin)</a:t>
+            </a:r>
+          </a:p>
+        </p:txBody>
+      </p:sp>
+    </p:spTree>
+    <p:extLst>
+      <p:ext uri="{BB962C8B-B14F-4D97-AF65-F5344CB8AC3E}">
+        <p14:creationId xmlns:p14="http://schemas.microsoft.com/office/powerpoint/2010/main" val="687624832"/>
+      </p:ext>
+    </p:extLst>
+  </p:cSld>
+  <p:clrMapOvr>
+    <a:masterClrMapping/>
+  </p:clrMapOvr>
+</p:sld>
+</file>
+
+<file path=ppt/slides/slide4.xml><?xml version="1.0" encoding="utf-8"?>
+<p:sld xmlns:a="http://schemas.openxmlformats.org/drawingml/2006/main" xmlns:r="http://schemas.openxmlformats.org/officeDocument/2006/relationships" xmlns:p="http://schemas.openxmlformats.org/presentationml/2006/main">
+  <p:cSld>
+    <p:spTree>
+      <p:nvGrpSpPr>
+        <p:cNvPr id="1" name=""/>
+        <p:cNvGrpSpPr/>
+        <p:nvPr/>
+      </p:nvGrpSpPr>
+      <p:grpSpPr>
+        <a:xfrm>
+          <a:off x="0" y="0"/>
+          <a:ext cx="0" cy="0"/>
+          <a:chOff x="0" y="0"/>
+          <a:chExt cx="0" cy="0"/>
+        </a:xfrm>
+      </p:grpSpPr>
+      <p:sp>
+        <p:nvSpPr>
+          <p:cNvPr id="2" name="Title 1">
+            <a:extLst>
+              <a:ext uri="{FF2B5EF4-FFF2-40B4-BE49-F238E27FC236}">
                 <a16:creationId xmlns:a16="http://schemas.microsoft.com/office/drawing/2014/main" id="{DB9815BE-7A46-C394-EC06-C43032499840}"/>
               </a:ext>
             </a:extLst>
@@ -6548,7 +7079,7 @@
         <p:spPr>
           <a:xfrm>
             <a:off x="646111" y="452718"/>
-            <a:ext cx="9404723" cy="5803703"/>
+            <a:ext cx="9404723" cy="6817873"/>
           </a:xfrm>
         </p:spPr>
         <p:txBody>
@@ -6560,7 +7091,21 @@
                 <a:ea typeface="+mj-lt"/>
                 <a:cs typeface="+mj-lt"/>
               </a:rPr>
-              <a:t>C#:</a:t>
+              <a:t>Project Types: - </a:t>
+            </a:r>
+            <a:r>
+              <a:rPr lang="en-US" b="1" u="sng" dirty="0" err="1">
+                <a:ea typeface="+mj-lt"/>
+                <a:cs typeface="+mj-lt"/>
+              </a:rPr>
+              <a:t>.Net</a:t>
+            </a:r>
+            <a:r>
+              <a:rPr lang="en-US" b="1" u="sng" dirty="0">
+                <a:ea typeface="+mj-lt"/>
+                <a:cs typeface="+mj-lt"/>
+              </a:rPr>
+              <a:t> Framework:</a:t>
             </a:r>
             <a:endParaRPr lang="en-US" b="1" u="sng" dirty="0"/>
           </a:p>
@@ -6574,188 +7119,189 @@
                 <a:ea typeface="+mj-lt"/>
                 <a:cs typeface="+mj-lt"/>
               </a:rPr>
-              <a:t>Properties</a:t>
-            </a:r>
-            <a:br>
-              <a:rPr lang="en-US" sz="2600" b="1" dirty="0">
-                <a:ea typeface="+mj-lt"/>
-                <a:cs typeface="+mj-lt"/>
-              </a:rPr>
-            </a:br>
-            <a:r>
-              <a:rPr lang="en-US" sz="2600" b="1" dirty="0">
-                <a:ea typeface="+mj-lt"/>
-                <a:cs typeface="+mj-lt"/>
-              </a:rPr>
-              <a:t>Inheritance</a:t>
-            </a:r>
-            <a:br>
-              <a:rPr lang="en-US" sz="2600" b="1" dirty="0">
-                <a:ea typeface="+mj-lt"/>
-                <a:cs typeface="+mj-lt"/>
-              </a:rPr>
-            </a:br>
-            <a:r>
-              <a:rPr lang="en-US" sz="2600" b="1" dirty="0">
-                <a:ea typeface="+mj-lt"/>
-                <a:cs typeface="+mj-lt"/>
-              </a:rPr>
-              <a:t>Polymorphism</a:t>
-            </a:r>
-            <a:br>
-              <a:rPr lang="en-US" sz="2600" b="1" dirty="0">
-                <a:ea typeface="+mj-lt"/>
-                <a:cs typeface="+mj-lt"/>
-              </a:rPr>
-            </a:br>
-            <a:r>
-              <a:rPr lang="en-US" sz="2600" b="1" dirty="0">
-                <a:ea typeface="+mj-lt"/>
-                <a:cs typeface="+mj-lt"/>
-              </a:rPr>
-              <a:t>Abstraction</a:t>
-            </a:r>
-            <a:br>
-              <a:rPr lang="en-US" sz="2600" b="1" dirty="0">
-                <a:ea typeface="+mj-lt"/>
-                <a:cs typeface="+mj-lt"/>
-              </a:rPr>
-            </a:br>
-            <a:r>
-              <a:rPr lang="en-US" sz="2600" b="1" dirty="0">
-                <a:ea typeface="+mj-lt"/>
-                <a:cs typeface="+mj-lt"/>
-              </a:rPr>
-              <a:t>Interface</a:t>
-            </a:r>
-            <a:br>
-              <a:rPr lang="en-US" sz="2600" b="1" dirty="0">
-                <a:ea typeface="+mj-lt"/>
-                <a:cs typeface="+mj-lt"/>
-              </a:rPr>
-            </a:br>
-            <a:r>
-              <a:rPr lang="en-US" sz="2600" b="1" dirty="0">
-                <a:ea typeface="+mj-lt"/>
-                <a:cs typeface="+mj-lt"/>
-              </a:rPr>
-              <a:t>Enums</a:t>
-            </a:r>
-            <a:br>
-              <a:rPr lang="en-US" sz="2600" b="1" dirty="0">
-                <a:ea typeface="+mj-lt"/>
-                <a:cs typeface="+mj-lt"/>
-              </a:rPr>
-            </a:br>
-            <a:r>
-              <a:rPr lang="en-US" sz="2600" b="1" dirty="0">
-                <a:ea typeface="+mj-lt"/>
-                <a:cs typeface="+mj-lt"/>
-              </a:rPr>
-              <a:t>Files</a:t>
-            </a:r>
-            <a:br>
-              <a:rPr lang="en-US" sz="2600" b="1" dirty="0">
-                <a:ea typeface="+mj-lt"/>
-                <a:cs typeface="+mj-lt"/>
-              </a:rPr>
-            </a:br>
-            <a:r>
-              <a:rPr lang="en-US" sz="2600" b="1" dirty="0">
-                <a:ea typeface="+mj-lt"/>
-                <a:cs typeface="+mj-lt"/>
-              </a:rPr>
-              <a:t>Exceptions</a:t>
-            </a:r>
-            <a:br>
-              <a:rPr lang="en-US" sz="2600" b="1" dirty="0">
-                <a:ea typeface="+mj-lt"/>
-                <a:cs typeface="+mj-lt"/>
-              </a:rPr>
-            </a:br>
-            <a:br>
-              <a:rPr lang="en-US" sz="2600" b="1" dirty="0">
-                <a:ea typeface="+mj-lt"/>
-                <a:cs typeface="+mj-lt"/>
-              </a:rPr>
-            </a:br>
-            <a:r>
-              <a:rPr lang="en-US" sz="2600" b="1" dirty="0">
-                <a:ea typeface="+mj-lt"/>
-                <a:cs typeface="+mj-lt"/>
-              </a:rPr>
-              <a:t>Namespace</a:t>
-            </a:r>
-            <a:br>
-              <a:rPr lang="en-US" sz="2600" b="1" dirty="0">
-                <a:ea typeface="+mj-lt"/>
-                <a:cs typeface="+mj-lt"/>
-              </a:rPr>
-            </a:br>
-            <a:r>
-              <a:rPr lang="en-US" sz="2600" b="1" dirty="0">
-                <a:ea typeface="+mj-lt"/>
-                <a:cs typeface="+mj-lt"/>
-              </a:rPr>
-              <a:t>Class</a:t>
-            </a:r>
-            <a:br>
-              <a:rPr lang="en-US" sz="2600" b="1" dirty="0">
-                <a:ea typeface="+mj-lt"/>
-                <a:cs typeface="+mj-lt"/>
-              </a:rPr>
-            </a:br>
-            <a:r>
-              <a:rPr lang="en-US" sz="2600" b="1" dirty="0">
-                <a:ea typeface="+mj-lt"/>
-                <a:cs typeface="+mj-lt"/>
-              </a:rPr>
-              <a:t>Object</a:t>
-            </a:r>
-            <a:br>
-              <a:rPr lang="en-US" sz="2600" b="1" dirty="0">
-                <a:ea typeface="+mj-lt"/>
-                <a:cs typeface="+mj-lt"/>
-              </a:rPr>
-            </a:br>
-            <a:r>
-              <a:rPr lang="en-US" sz="2600" b="1" dirty="0">
-                <a:ea typeface="+mj-lt"/>
-                <a:cs typeface="+mj-lt"/>
-              </a:rPr>
-              <a:t>Method</a:t>
-            </a:r>
-            <a:br>
-              <a:rPr lang="en-US" sz="2600" b="1" dirty="0">
-                <a:ea typeface="+mj-lt"/>
-                <a:cs typeface="+mj-lt"/>
-              </a:rPr>
-            </a:br>
-            <a:r>
-              <a:rPr lang="en-US" sz="2600" b="1" dirty="0">
-                <a:ea typeface="+mj-lt"/>
-                <a:cs typeface="+mj-lt"/>
-              </a:rPr>
-              <a:t>Property { Get; Set; }</a:t>
-            </a:r>
-            <a:br>
-              <a:rPr lang="en-US" sz="2600" b="1" dirty="0">
-                <a:ea typeface="+mj-lt"/>
-                <a:cs typeface="+mj-lt"/>
-              </a:rPr>
-            </a:br>
-            <a:br>
-              <a:rPr lang="en-US" sz="2600" b="1" dirty="0">
-                <a:ea typeface="+mj-lt"/>
-                <a:cs typeface="+mj-lt"/>
-              </a:rPr>
-            </a:br>
-            <a:r>
-              <a:rPr lang="en-US" sz="2600" b="1" dirty="0">
-                <a:ea typeface="+mj-lt"/>
-                <a:cs typeface="+mj-lt"/>
-              </a:rPr>
-              <a:t>https://www.w3schools.com/cs/cs_output.php</a:t>
+              <a:t>Console Application</a:t>
+            </a:r>
+            <a:r>
+              <a:rPr lang="en-US" sz="2600" dirty="0">
+                <a:ea typeface="+mj-lt"/>
+                <a:cs typeface="+mj-lt"/>
+              </a:rPr>
+              <a:t> - That can be executed and there will be no UI</a:t>
+            </a:r>
+            <a:endParaRPr lang="en-US" sz="2600" dirty="0"/>
+          </a:p>
+          <a:p>
+            <a:pPr marL="457200" indent="-457200">
+              <a:buFont typeface="Arial"/>
+              <a:buChar char="•"/>
+            </a:pPr>
+            <a:r>
+              <a:rPr lang="en-US" sz="2600" b="1" dirty="0">
+                <a:ea typeface="+mj-lt"/>
+                <a:cs typeface="+mj-lt"/>
+              </a:rPr>
+              <a:t>Windows Application</a:t>
+            </a:r>
+            <a:endParaRPr lang="en-US" sz="2600" b="1" dirty="0"/>
+          </a:p>
+          <a:p>
+            <a:pPr marL="457200" indent="-457200">
+              <a:buFont typeface="Arial"/>
+              <a:buChar char="•"/>
+            </a:pPr>
+            <a:r>
+              <a:rPr lang="en-US" sz="2600" b="1" dirty="0">
+                <a:ea typeface="+mj-lt"/>
+                <a:cs typeface="+mj-lt"/>
+              </a:rPr>
+              <a:t>Web Forms</a:t>
+            </a:r>
+            <a:r>
+              <a:rPr lang="en-US" sz="2600" dirty="0">
+                <a:ea typeface="+mj-lt"/>
+                <a:cs typeface="+mj-lt"/>
+              </a:rPr>
+              <a:t> - Web application ends with </a:t>
+            </a:r>
+            <a:r>
+              <a:rPr lang="en-US" sz="2600" dirty="0" err="1">
+                <a:ea typeface="+mj-lt"/>
+                <a:cs typeface="+mj-lt"/>
+              </a:rPr>
+              <a:t>aspx</a:t>
+            </a:r>
+            <a:r>
+              <a:rPr lang="en-US" sz="2600" dirty="0">
+                <a:ea typeface="+mj-lt"/>
+                <a:cs typeface="+mj-lt"/>
+              </a:rPr>
+              <a:t>, </a:t>
+            </a:r>
+            <a:r>
+              <a:rPr lang="en-US" sz="2600" dirty="0" err="1">
+                <a:ea typeface="+mj-lt"/>
+                <a:cs typeface="+mj-lt"/>
+              </a:rPr>
+              <a:t>ascx</a:t>
+            </a:r>
+            <a:r>
+              <a:rPr lang="en-US" sz="2600" dirty="0">
+                <a:ea typeface="+mj-lt"/>
+                <a:cs typeface="+mj-lt"/>
+              </a:rPr>
+              <a:t> and </a:t>
+            </a:r>
+            <a:r>
+              <a:rPr lang="en-US" sz="2600" dirty="0" err="1">
+                <a:ea typeface="+mj-lt"/>
+                <a:cs typeface="+mj-lt"/>
+              </a:rPr>
+              <a:t>asmx</a:t>
+            </a:r>
+            <a:endParaRPr lang="en-US" sz="2600" dirty="0"/>
+          </a:p>
+          <a:p>
+            <a:pPr marL="457200" indent="-457200">
+              <a:buFont typeface="Arial"/>
+              <a:buChar char="•"/>
+            </a:pPr>
+            <a:r>
+              <a:rPr lang="en-US" sz="2600" b="1" dirty="0">
+                <a:ea typeface="+mj-lt"/>
+                <a:cs typeface="+mj-lt"/>
+              </a:rPr>
+              <a:t>Class Library</a:t>
+            </a:r>
+            <a:r>
+              <a:rPr lang="en-US" sz="2600" dirty="0">
+                <a:ea typeface="+mj-lt"/>
+                <a:cs typeface="+mj-lt"/>
+              </a:rPr>
+              <a:t> - Logics are being written and packaged as the </a:t>
+            </a:r>
+            <a:r>
+              <a:rPr lang="en-US" sz="2600" dirty="0" err="1">
+                <a:ea typeface="+mj-lt"/>
+                <a:cs typeface="+mj-lt"/>
+              </a:rPr>
+              <a:t>dll</a:t>
+            </a:r>
+            <a:r>
+              <a:rPr lang="en-US" sz="2600" dirty="0">
+                <a:ea typeface="+mj-lt"/>
+                <a:cs typeface="+mj-lt"/>
+              </a:rPr>
+              <a:t> and it can't run independently. It needs to be integrated with either console, windows, web app </a:t>
+            </a:r>
+            <a:r>
+              <a:rPr lang="en-US" sz="2600" dirty="0" err="1">
+                <a:ea typeface="+mj-lt"/>
+                <a:cs typeface="+mj-lt"/>
+              </a:rPr>
+              <a:t>etc</a:t>
+            </a:r>
+            <a:endParaRPr lang="en-US" sz="2600" dirty="0"/>
+          </a:p>
+          <a:p>
+            <a:pPr marL="457200" indent="-457200">
+              <a:buFont typeface="Arial"/>
+              <a:buChar char="•"/>
+            </a:pPr>
+            <a:r>
+              <a:rPr lang="en-US" sz="2600" b="1" dirty="0">
+                <a:ea typeface="+mj-lt"/>
+                <a:cs typeface="+mj-lt"/>
+              </a:rPr>
+              <a:t>MVC </a:t>
+            </a:r>
+            <a:r>
+              <a:rPr lang="en-US" sz="2600" dirty="0">
+                <a:ea typeface="+mj-lt"/>
+                <a:cs typeface="+mj-lt"/>
+              </a:rPr>
+              <a:t>- Model view controller design pattern for web applications and it has UI</a:t>
+            </a:r>
+            <a:endParaRPr lang="en-US" sz="2600" dirty="0"/>
+          </a:p>
+          <a:p>
+            <a:pPr marL="457200" indent="-457200">
+              <a:buFont typeface="Arial"/>
+              <a:buChar char="•"/>
+            </a:pPr>
+            <a:r>
+              <a:rPr lang="en-US" sz="2600" b="1" dirty="0">
+                <a:ea typeface="+mj-lt"/>
+                <a:cs typeface="+mj-lt"/>
+              </a:rPr>
+              <a:t>Web API JSON/XML</a:t>
+            </a:r>
+            <a:r>
+              <a:rPr lang="en-US" sz="2600" dirty="0">
+                <a:ea typeface="+mj-lt"/>
+                <a:cs typeface="+mj-lt"/>
+              </a:rPr>
+              <a:t>- It returns only data and will not have any UI</a:t>
+            </a:r>
+            <a:endParaRPr lang="en-US" sz="2600" dirty="0"/>
+          </a:p>
+          <a:p>
+            <a:pPr marL="457200" indent="-457200">
+              <a:buFont typeface="Arial"/>
+              <a:buChar char="•"/>
+            </a:pPr>
+            <a:r>
+              <a:rPr lang="en-US" sz="2600" b="1" dirty="0">
+                <a:ea typeface="+mj-lt"/>
+                <a:cs typeface="+mj-lt"/>
+              </a:rPr>
+              <a:t>WCF XML</a:t>
+            </a:r>
+            <a:r>
+              <a:rPr lang="en-US" sz="2600" dirty="0">
+                <a:ea typeface="+mj-lt"/>
+                <a:cs typeface="+mj-lt"/>
+              </a:rPr>
+              <a:t>- Windows communication foundation. SOAP(xml) based service</a:t>
             </a:r>
             <a:endParaRPr lang="en-US" sz="2600" dirty="0"/>
           </a:p>
@@ -6764,7 +7310,1162 @@
     </p:spTree>
     <p:extLst>
       <p:ext uri="{BB962C8B-B14F-4D97-AF65-F5344CB8AC3E}">
-        <p14:creationId xmlns:p14="http://schemas.microsoft.com/office/powerpoint/2010/main" val="31527211"/>
+        <p14:creationId xmlns:p14="http://schemas.microsoft.com/office/powerpoint/2010/main" val="1249566327"/>
+      </p:ext>
+    </p:extLst>
+  </p:cSld>
+  <p:clrMapOvr>
+    <a:masterClrMapping/>
+  </p:clrMapOvr>
+</p:sld>
+</file>
+
+<file path=ppt/slides/slide5.xml><?xml version="1.0" encoding="utf-8"?>
+<p:sld xmlns:a="http://schemas.openxmlformats.org/drawingml/2006/main" xmlns:r="http://schemas.openxmlformats.org/officeDocument/2006/relationships" xmlns:p="http://schemas.openxmlformats.org/presentationml/2006/main" show="0">
+  <p:cSld>
+    <p:spTree>
+      <p:nvGrpSpPr>
+        <p:cNvPr id="1" name=""/>
+        <p:cNvGrpSpPr/>
+        <p:nvPr/>
+      </p:nvGrpSpPr>
+      <p:grpSpPr>
+        <a:xfrm>
+          <a:off x="0" y="0"/>
+          <a:ext cx="0" cy="0"/>
+          <a:chOff x="0" y="0"/>
+          <a:chExt cx="0" cy="0"/>
+        </a:xfrm>
+      </p:grpSpPr>
+      <p:sp>
+        <p:nvSpPr>
+          <p:cNvPr id="2" name="Title 1">
+            <a:extLst>
+              <a:ext uri="{FF2B5EF4-FFF2-40B4-BE49-F238E27FC236}">
+                <a16:creationId xmlns:a16="http://schemas.microsoft.com/office/drawing/2014/main" id="{01FBEC1D-54F6-A6F4-F0EE-C656C74C72DD}"/>
+              </a:ext>
+            </a:extLst>
+          </p:cNvPr>
+          <p:cNvSpPr>
+            <a:spLocks noGrp="1"/>
+          </p:cNvSpPr>
+          <p:nvPr>
+            <p:ph type="title"/>
+          </p:nvPr>
+        </p:nvSpPr>
+        <p:spPr>
+          <a:xfrm>
+            <a:off x="717548" y="281"/>
+            <a:ext cx="9404723" cy="852843"/>
+          </a:xfrm>
+        </p:spPr>
+        <p:txBody>
+          <a:bodyPr/>
+          <a:lstStyle/>
+          <a:p>
+            <a:r>
+              <a:rPr lang="en-US" b="1" dirty="0" err="1"/>
+              <a:t>.Net</a:t>
+            </a:r>
+            <a:r>
+              <a:rPr lang="en-US" b="1" dirty="0"/>
+              <a:t> Framework</a:t>
+            </a:r>
+          </a:p>
+        </p:txBody>
+      </p:sp>
+      <p:pic>
+        <p:nvPicPr>
+          <p:cNvPr id="4" name="Picture 4">
+            <a:extLst>
+              <a:ext uri="{FF2B5EF4-FFF2-40B4-BE49-F238E27FC236}">
+                <a16:creationId xmlns:a16="http://schemas.microsoft.com/office/drawing/2014/main" id="{0EE807DE-86C7-9642-6E6B-8C8D9E422797}"/>
+              </a:ext>
+            </a:extLst>
+          </p:cNvPr>
+          <p:cNvPicPr>
+            <a:picLocks noGrp="1" noChangeAspect="1"/>
+          </p:cNvPicPr>
+          <p:nvPr>
+            <p:ph idx="1"/>
+          </p:nvPr>
+        </p:nvPicPr>
+        <p:blipFill>
+          <a:blip r:embed="rId2"/>
+          <a:stretch>
+            <a:fillRect/>
+          </a:stretch>
+        </p:blipFill>
+        <p:spPr>
+          <a:xfrm>
+            <a:off x="833133" y="695465"/>
+            <a:ext cx="9534524" cy="4398169"/>
+          </a:xfrm>
+        </p:spPr>
+      </p:pic>
+      <p:pic>
+        <p:nvPicPr>
+          <p:cNvPr id="5" name="Picture 5">
+            <a:extLst>
+              <a:ext uri="{FF2B5EF4-FFF2-40B4-BE49-F238E27FC236}">
+                <a16:creationId xmlns:a16="http://schemas.microsoft.com/office/drawing/2014/main" id="{15997F48-602D-BFFC-5EB9-DF109849FFAA}"/>
+              </a:ext>
+            </a:extLst>
+          </p:cNvPr>
+          <p:cNvPicPr>
+            <a:picLocks noChangeAspect="1"/>
+          </p:cNvPicPr>
+          <p:nvPr/>
+        </p:nvPicPr>
+        <p:blipFill>
+          <a:blip r:embed="rId3"/>
+          <a:stretch>
+            <a:fillRect/>
+          </a:stretch>
+        </p:blipFill>
+        <p:spPr>
+          <a:xfrm>
+            <a:off x="807244" y="5191540"/>
+            <a:ext cx="9553574" cy="1546986"/>
+          </a:xfrm>
+          <a:prstGeom prst="rect">
+            <a:avLst/>
+          </a:prstGeom>
+        </p:spPr>
+      </p:pic>
+    </p:spTree>
+    <p:extLst>
+      <p:ext uri="{BB962C8B-B14F-4D97-AF65-F5344CB8AC3E}">
+        <p14:creationId xmlns:p14="http://schemas.microsoft.com/office/powerpoint/2010/main" val="1039983107"/>
+      </p:ext>
+    </p:extLst>
+  </p:cSld>
+  <p:clrMapOvr>
+    <a:masterClrMapping/>
+  </p:clrMapOvr>
+</p:sld>
+</file>
+
+<file path=ppt/slides/slide6.xml><?xml version="1.0" encoding="utf-8"?>
+<p:sld xmlns:a="http://schemas.openxmlformats.org/drawingml/2006/main" xmlns:r="http://schemas.openxmlformats.org/officeDocument/2006/relationships" xmlns:p="http://schemas.openxmlformats.org/presentationml/2006/main">
+  <p:cSld>
+    <p:spTree>
+      <p:nvGrpSpPr>
+        <p:cNvPr id="1" name=""/>
+        <p:cNvGrpSpPr/>
+        <p:nvPr/>
+      </p:nvGrpSpPr>
+      <p:grpSpPr>
+        <a:xfrm>
+          <a:off x="0" y="0"/>
+          <a:ext cx="0" cy="0"/>
+          <a:chOff x="0" y="0"/>
+          <a:chExt cx="0" cy="0"/>
+        </a:xfrm>
+      </p:grpSpPr>
+      <p:sp>
+        <p:nvSpPr>
+          <p:cNvPr id="2" name="Title 1">
+            <a:extLst>
+              <a:ext uri="{FF2B5EF4-FFF2-40B4-BE49-F238E27FC236}">
+                <a16:creationId xmlns:a16="http://schemas.microsoft.com/office/drawing/2014/main" id="{DB9815BE-7A46-C394-EC06-C43032499840}"/>
+              </a:ext>
+            </a:extLst>
+          </p:cNvPr>
+          <p:cNvSpPr>
+            <a:spLocks noGrp="1"/>
+          </p:cNvSpPr>
+          <p:nvPr>
+            <p:ph type="title"/>
+          </p:nvPr>
+        </p:nvSpPr>
+        <p:spPr>
+          <a:xfrm>
+            <a:off x="646111" y="452718"/>
+            <a:ext cx="9404723" cy="6817873"/>
+          </a:xfrm>
+        </p:spPr>
+        <p:txBody>
+          <a:bodyPr/>
+          <a:lstStyle/>
+          <a:p>
+            <a:r>
+              <a:rPr lang="en-US" b="1" u="sng" dirty="0">
+                <a:ea typeface="+mj-lt"/>
+                <a:cs typeface="+mj-lt"/>
+              </a:rPr>
+              <a:t>Project Types: - </a:t>
+            </a:r>
+            <a:r>
+              <a:rPr lang="en-US" b="1" u="sng" dirty="0" err="1">
+                <a:ea typeface="+mj-lt"/>
+                <a:cs typeface="+mj-lt"/>
+              </a:rPr>
+              <a:t>.Net</a:t>
+            </a:r>
+            <a:r>
+              <a:rPr lang="en-US" b="1" u="sng" dirty="0">
+                <a:ea typeface="+mj-lt"/>
+                <a:cs typeface="+mj-lt"/>
+              </a:rPr>
+              <a:t> Core:</a:t>
+            </a:r>
+            <a:endParaRPr lang="en-US" b="1" u="sng" dirty="0"/>
+          </a:p>
+          <a:p>
+            <a:pPr marL="457200" indent="-457200">
+              <a:buFont typeface="Arial"/>
+              <a:buChar char="•"/>
+            </a:pPr>
+            <a:r>
+              <a:rPr lang="en-US" sz="2600" b="1" dirty="0">
+                <a:ea typeface="+mj-lt"/>
+                <a:cs typeface="+mj-lt"/>
+              </a:rPr>
+              <a:t>Console Application</a:t>
+            </a:r>
+            <a:r>
+              <a:rPr lang="en-US" sz="2600" dirty="0">
+                <a:ea typeface="+mj-lt"/>
+                <a:cs typeface="+mj-lt"/>
+              </a:rPr>
+              <a:t> - That can be executed and there will be no UI</a:t>
+            </a:r>
+          </a:p>
+          <a:p>
+            <a:pPr marL="457200" indent="-457200">
+              <a:buFont typeface="Arial"/>
+              <a:buChar char="•"/>
+            </a:pPr>
+            <a:r>
+              <a:rPr lang="en-US" sz="2600" b="1" dirty="0">
+                <a:ea typeface="+mj-lt"/>
+                <a:cs typeface="+mj-lt"/>
+              </a:rPr>
+              <a:t>Core Web App</a:t>
+            </a:r>
+            <a:r>
+              <a:rPr lang="en-US" sz="2600" dirty="0">
+                <a:ea typeface="+mj-lt"/>
+                <a:cs typeface="+mj-lt"/>
+              </a:rPr>
+              <a:t> - Web application ends with </a:t>
+            </a:r>
+            <a:r>
+              <a:rPr lang="en-US" sz="2600" dirty="0" err="1">
+                <a:ea typeface="+mj-lt"/>
+                <a:cs typeface="+mj-lt"/>
+              </a:rPr>
+              <a:t>aspx</a:t>
+            </a:r>
+            <a:r>
+              <a:rPr lang="en-US" sz="2600" dirty="0">
+                <a:ea typeface="+mj-lt"/>
+                <a:cs typeface="+mj-lt"/>
+              </a:rPr>
+              <a:t>, </a:t>
+            </a:r>
+            <a:r>
+              <a:rPr lang="en-US" sz="2600" dirty="0" err="1">
+                <a:ea typeface="+mj-lt"/>
+                <a:cs typeface="+mj-lt"/>
+              </a:rPr>
+              <a:t>ascx</a:t>
+            </a:r>
+            <a:r>
+              <a:rPr lang="en-US" sz="2600" dirty="0">
+                <a:ea typeface="+mj-lt"/>
+                <a:cs typeface="+mj-lt"/>
+              </a:rPr>
+              <a:t> and </a:t>
+            </a:r>
+            <a:r>
+              <a:rPr lang="en-US" sz="2600" dirty="0" err="1">
+                <a:ea typeface="+mj-lt"/>
+                <a:cs typeface="+mj-lt"/>
+              </a:rPr>
+              <a:t>asmx</a:t>
+            </a:r>
+            <a:endParaRPr lang="en-US" dirty="0" err="1">
+              <a:ea typeface="+mj-lt"/>
+              <a:cs typeface="+mj-lt"/>
+            </a:endParaRPr>
+          </a:p>
+          <a:p>
+            <a:pPr marL="457200" indent="-457200">
+              <a:buFont typeface="Arial"/>
+              <a:buChar char="•"/>
+            </a:pPr>
+            <a:r>
+              <a:rPr lang="en-US" sz="2600" b="1" dirty="0">
+                <a:ea typeface="+mj-lt"/>
+                <a:cs typeface="+mj-lt"/>
+              </a:rPr>
+              <a:t>Class Library</a:t>
+            </a:r>
+            <a:r>
+              <a:rPr lang="en-US" sz="2600" dirty="0">
+                <a:ea typeface="+mj-lt"/>
+                <a:cs typeface="+mj-lt"/>
+              </a:rPr>
+              <a:t> - Logics are being written and packaged as the </a:t>
+            </a:r>
+            <a:r>
+              <a:rPr lang="en-US" sz="2600" dirty="0" err="1">
+                <a:ea typeface="+mj-lt"/>
+                <a:cs typeface="+mj-lt"/>
+              </a:rPr>
+              <a:t>dll</a:t>
+            </a:r>
+            <a:r>
+              <a:rPr lang="en-US" sz="2600" dirty="0">
+                <a:ea typeface="+mj-lt"/>
+                <a:cs typeface="+mj-lt"/>
+              </a:rPr>
+              <a:t> and it can't run independently. It needs to be integrated with either console, windows, web app </a:t>
+            </a:r>
+            <a:r>
+              <a:rPr lang="en-US" sz="2600" dirty="0" err="1">
+                <a:ea typeface="+mj-lt"/>
+                <a:cs typeface="+mj-lt"/>
+              </a:rPr>
+              <a:t>etc</a:t>
+            </a:r>
+            <a:endParaRPr lang="en-US" dirty="0" err="1">
+              <a:ea typeface="+mj-lt"/>
+              <a:cs typeface="+mj-lt"/>
+            </a:endParaRPr>
+          </a:p>
+          <a:p>
+            <a:pPr marL="457200" indent="-457200">
+              <a:buFont typeface="Arial"/>
+              <a:buChar char="•"/>
+            </a:pPr>
+            <a:r>
+              <a:rPr lang="en-US" sz="2600" b="1" dirty="0">
+                <a:ea typeface="+mj-lt"/>
+                <a:cs typeface="+mj-lt"/>
+              </a:rPr>
+              <a:t>Core Web MVC </a:t>
+            </a:r>
+            <a:r>
+              <a:rPr lang="en-US" sz="2600" dirty="0">
+                <a:ea typeface="+mj-lt"/>
+                <a:cs typeface="+mj-lt"/>
+              </a:rPr>
+              <a:t>- Model view controller design pattern for web applications and it has UI</a:t>
+            </a:r>
+            <a:endParaRPr lang="en-US" dirty="0">
+              <a:ea typeface="+mj-lt"/>
+              <a:cs typeface="+mj-lt"/>
+            </a:endParaRPr>
+          </a:p>
+          <a:p>
+            <a:pPr marL="457200" indent="-457200">
+              <a:buFont typeface="Arial"/>
+              <a:buChar char="•"/>
+            </a:pPr>
+            <a:r>
+              <a:rPr lang="en-US" sz="2600" b="1" dirty="0">
+                <a:ea typeface="+mj-lt"/>
+                <a:cs typeface="+mj-lt"/>
+              </a:rPr>
+              <a:t>Web API</a:t>
+            </a:r>
+            <a:r>
+              <a:rPr lang="en-US" sz="2600" dirty="0">
+                <a:ea typeface="+mj-lt"/>
+                <a:cs typeface="+mj-lt"/>
+              </a:rPr>
+              <a:t> - It returns only data and will not have any UI</a:t>
+            </a:r>
+            <a:endParaRPr lang="en-US" dirty="0">
+              <a:ea typeface="+mj-lt"/>
+              <a:cs typeface="+mj-lt"/>
+            </a:endParaRPr>
+          </a:p>
+          <a:p>
+            <a:pPr marL="457200" indent="-457200">
+              <a:buFont typeface="Arial"/>
+              <a:buChar char="•"/>
+            </a:pPr>
+            <a:r>
+              <a:rPr lang="en-US" sz="2600" b="1" dirty="0">
+                <a:ea typeface="+mj-lt"/>
+                <a:cs typeface="+mj-lt"/>
+              </a:rPr>
+              <a:t>WCF </a:t>
+            </a:r>
+            <a:r>
+              <a:rPr lang="en-US" sz="2600" dirty="0">
+                <a:ea typeface="+mj-lt"/>
+                <a:cs typeface="+mj-lt"/>
+              </a:rPr>
+              <a:t>- Windows communication foundation. SOAP(xml) based service from .NET Core 3.1</a:t>
+            </a:r>
+            <a:endParaRPr lang="en-US" dirty="0"/>
+          </a:p>
+        </p:txBody>
+      </p:sp>
+    </p:spTree>
+    <p:extLst>
+      <p:ext uri="{BB962C8B-B14F-4D97-AF65-F5344CB8AC3E}">
+        <p14:creationId xmlns:p14="http://schemas.microsoft.com/office/powerpoint/2010/main" val="326897448"/>
+      </p:ext>
+    </p:extLst>
+  </p:cSld>
+  <p:clrMapOvr>
+    <a:masterClrMapping/>
+  </p:clrMapOvr>
+</p:sld>
+</file>
+
+<file path=ppt/slides/slide7.xml><?xml version="1.0" encoding="utf-8"?>
+<p:sld xmlns:a="http://schemas.openxmlformats.org/drawingml/2006/main" xmlns:r="http://schemas.openxmlformats.org/officeDocument/2006/relationships" xmlns:p="http://schemas.openxmlformats.org/presentationml/2006/main">
+  <p:cSld>
+    <p:spTree>
+      <p:nvGrpSpPr>
+        <p:cNvPr id="1" name=""/>
+        <p:cNvGrpSpPr/>
+        <p:nvPr/>
+      </p:nvGrpSpPr>
+      <p:grpSpPr>
+        <a:xfrm>
+          <a:off x="0" y="0"/>
+          <a:ext cx="0" cy="0"/>
+          <a:chOff x="0" y="0"/>
+          <a:chExt cx="0" cy="0"/>
+        </a:xfrm>
+      </p:grpSpPr>
+      <p:sp>
+        <p:nvSpPr>
+          <p:cNvPr id="2" name="Title 1">
+            <a:extLst>
+              <a:ext uri="{FF2B5EF4-FFF2-40B4-BE49-F238E27FC236}">
+                <a16:creationId xmlns:a16="http://schemas.microsoft.com/office/drawing/2014/main" id="{4F179575-228B-C78B-2EA2-F31A4529B385}"/>
+              </a:ext>
+            </a:extLst>
+          </p:cNvPr>
+          <p:cNvSpPr>
+            <a:spLocks noGrp="1"/>
+          </p:cNvSpPr>
+          <p:nvPr>
+            <p:ph type="title"/>
+          </p:nvPr>
+        </p:nvSpPr>
+        <p:spPr>
+          <a:xfrm>
+            <a:off x="988694" y="1063416"/>
+            <a:ext cx="6034406" cy="4811730"/>
+          </a:xfrm>
+        </p:spPr>
+        <p:txBody>
+          <a:bodyPr vert="horz" lIns="91440" tIns="45720" rIns="91440" bIns="45720" rtlCol="0" anchor="ctr">
+            <a:normAutofit/>
+          </a:bodyPr>
+          <a:lstStyle/>
+          <a:p>
+            <a:pPr algn="r">
+              <a:lnSpc>
+                <a:spcPct val="90000"/>
+              </a:lnSpc>
+            </a:pPr>
+            <a:br>
+              <a:rPr lang="en-US" sz="3100" b="0" i="0" u="sng" kern="1200">
+                <a:solidFill>
+                  <a:schemeClr val="tx2"/>
+                </a:solidFill>
+                <a:latin typeface="+mj-lt"/>
+                <a:ea typeface="+mj-ea"/>
+                <a:cs typeface="+mj-cs"/>
+              </a:rPr>
+            </a:br>
+            <a:r>
+              <a:rPr lang="en-US" sz="3100" b="0" i="0" u="sng" kern="1200">
+                <a:solidFill>
+                  <a:schemeClr val="tx2"/>
+                </a:solidFill>
+                <a:latin typeface="+mj-lt"/>
+                <a:ea typeface="+mj-ea"/>
+                <a:cs typeface="+mj-cs"/>
+              </a:rPr>
+              <a:t>Development tools:</a:t>
+            </a:r>
+          </a:p>
+          <a:p>
+            <a:pPr algn="r">
+              <a:lnSpc>
+                <a:spcPct val="90000"/>
+              </a:lnSpc>
+            </a:pPr>
+            <a:r>
+              <a:rPr lang="en-US" sz="3100" b="0" i="0" kern="1200">
+                <a:solidFill>
+                  <a:schemeClr val="tx2"/>
+                </a:solidFill>
+                <a:latin typeface="+mj-lt"/>
+                <a:ea typeface="+mj-ea"/>
+                <a:cs typeface="+mj-cs"/>
+              </a:rPr>
+              <a:t>Microsoft Visual Studio Community 2022 (64-bit) </a:t>
+            </a:r>
+          </a:p>
+          <a:p>
+            <a:pPr algn="r">
+              <a:lnSpc>
+                <a:spcPct val="90000"/>
+              </a:lnSpc>
+            </a:pPr>
+            <a:r>
+              <a:rPr lang="en-US" sz="3100" b="0" i="0" kern="1200">
+                <a:solidFill>
+                  <a:schemeClr val="tx2"/>
+                </a:solidFill>
+                <a:latin typeface="+mj-lt"/>
+                <a:ea typeface="+mj-ea"/>
+                <a:cs typeface="+mj-cs"/>
+                <a:hlinkClick r:id="rId2"/>
+              </a:rPr>
+              <a:t>https://visualstudio.microsoft.com/vs/community/</a:t>
+            </a:r>
+            <a:br>
+              <a:rPr lang="en-US" sz="3100" b="0" i="0" kern="1200">
+                <a:solidFill>
+                  <a:schemeClr val="tx2"/>
+                </a:solidFill>
+                <a:latin typeface="+mj-lt"/>
+                <a:ea typeface="+mj-ea"/>
+                <a:cs typeface="+mj-cs"/>
+              </a:rPr>
+            </a:br>
+            <a:br>
+              <a:rPr lang="en-US" sz="3100" b="0" i="0" kern="1200">
+                <a:solidFill>
+                  <a:schemeClr val="tx2"/>
+                </a:solidFill>
+                <a:latin typeface="+mj-lt"/>
+                <a:ea typeface="+mj-ea"/>
+                <a:cs typeface="+mj-cs"/>
+              </a:rPr>
+            </a:br>
+            <a:br>
+              <a:rPr lang="en-US" sz="3100" b="0" i="0" kern="1200">
+                <a:solidFill>
+                  <a:schemeClr val="tx2"/>
+                </a:solidFill>
+                <a:latin typeface="+mj-lt"/>
+                <a:ea typeface="+mj-ea"/>
+                <a:cs typeface="+mj-cs"/>
+              </a:rPr>
+            </a:br>
+            <a:r>
+              <a:rPr lang="en-US" sz="3100" b="0" i="0" u="sng" kern="1200">
+                <a:solidFill>
+                  <a:schemeClr val="tx2"/>
+                </a:solidFill>
+                <a:latin typeface="+mj-lt"/>
+                <a:ea typeface="+mj-ea"/>
+                <a:cs typeface="+mj-cs"/>
+              </a:rPr>
+              <a:t>Code Repository:</a:t>
+            </a:r>
+          </a:p>
+          <a:p>
+            <a:pPr algn="r">
+              <a:lnSpc>
+                <a:spcPct val="90000"/>
+              </a:lnSpc>
+            </a:pPr>
+            <a:r>
+              <a:rPr lang="en-US" sz="3100" b="0" i="0" kern="1200">
+                <a:solidFill>
+                  <a:schemeClr val="tx2"/>
+                </a:solidFill>
+                <a:latin typeface="+mj-lt"/>
+                <a:ea typeface="+mj-ea"/>
+                <a:cs typeface="+mj-cs"/>
+              </a:rPr>
+              <a:t>https://github.com/Manisoft55/AimorePractice</a:t>
+            </a:r>
+          </a:p>
+        </p:txBody>
+      </p:sp>
+    </p:spTree>
+    <p:extLst>
+      <p:ext uri="{BB962C8B-B14F-4D97-AF65-F5344CB8AC3E}">
+        <p14:creationId xmlns:p14="http://schemas.microsoft.com/office/powerpoint/2010/main" val="3946203044"/>
+      </p:ext>
+    </p:extLst>
+  </p:cSld>
+  <p:clrMapOvr>
+    <a:masterClrMapping/>
+  </p:clrMapOvr>
+</p:sld>
+</file>
+
+<file path=ppt/slides/slide8.xml><?xml version="1.0" encoding="utf-8"?>
+<p:sld xmlns:a="http://schemas.openxmlformats.org/drawingml/2006/main" xmlns:r="http://schemas.openxmlformats.org/officeDocument/2006/relationships" xmlns:p="http://schemas.openxmlformats.org/presentationml/2006/main">
+  <p:cSld>
+    <p:spTree>
+      <p:nvGrpSpPr>
+        <p:cNvPr id="1" name=""/>
+        <p:cNvGrpSpPr/>
+        <p:nvPr/>
+      </p:nvGrpSpPr>
+      <p:grpSpPr>
+        <a:xfrm>
+          <a:off x="0" y="0"/>
+          <a:ext cx="0" cy="0"/>
+          <a:chOff x="0" y="0"/>
+          <a:chExt cx="0" cy="0"/>
+        </a:xfrm>
+      </p:grpSpPr>
+      <p:sp>
+        <p:nvSpPr>
+          <p:cNvPr id="2" name="Title 1">
+            <a:extLst>
+              <a:ext uri="{FF2B5EF4-FFF2-40B4-BE49-F238E27FC236}">
+                <a16:creationId xmlns:a16="http://schemas.microsoft.com/office/drawing/2014/main" id="{DB9815BE-7A46-C394-EC06-C43032499840}"/>
+              </a:ext>
+            </a:extLst>
+          </p:cNvPr>
+          <p:cNvSpPr>
+            <a:spLocks noGrp="1"/>
+          </p:cNvSpPr>
+          <p:nvPr>
+            <p:ph type="title"/>
+          </p:nvPr>
+        </p:nvSpPr>
+        <p:spPr>
+          <a:xfrm>
+            <a:off x="646111" y="452718"/>
+            <a:ext cx="9404723" cy="6817873"/>
+          </a:xfrm>
+        </p:spPr>
+        <p:txBody>
+          <a:bodyPr/>
+          <a:lstStyle/>
+          <a:p>
+            <a:r>
+              <a:rPr lang="en-US" b="1" u="sng" dirty="0">
+                <a:ea typeface="+mj-lt"/>
+                <a:cs typeface="+mj-lt"/>
+              </a:rPr>
+              <a:t>C#:</a:t>
+            </a:r>
+            <a:endParaRPr lang="en-US" b="1" u="sng" dirty="0"/>
+          </a:p>
+          <a:p>
+            <a:pPr marL="514350" indent="-514350">
+              <a:buFont typeface="Arial" panose="020B0604020202020204" pitchFamily="34" charset="0"/>
+              <a:buChar char="•"/>
+            </a:pPr>
+            <a:r>
+              <a:rPr lang="en-US" sz="2600" b="1" dirty="0">
+                <a:ea typeface="+mj-lt"/>
+                <a:cs typeface="+mj-lt"/>
+              </a:rPr>
+              <a:t>Output</a:t>
+            </a:r>
+            <a:br>
+              <a:rPr lang="en-US" sz="2600" b="1" dirty="0">
+                <a:ea typeface="+mj-lt"/>
+                <a:cs typeface="+mj-lt"/>
+              </a:rPr>
+            </a:br>
+            <a:r>
+              <a:rPr lang="en-US" sz="2600" b="1" dirty="0">
+                <a:ea typeface="+mj-lt"/>
+                <a:cs typeface="+mj-lt"/>
+              </a:rPr>
+              <a:t>Comments</a:t>
+            </a:r>
+            <a:br>
+              <a:rPr lang="en-US" sz="2600" b="1" dirty="0">
+                <a:ea typeface="+mj-lt"/>
+                <a:cs typeface="+mj-lt"/>
+              </a:rPr>
+            </a:br>
+            <a:r>
+              <a:rPr lang="en-US" sz="2600" b="1" dirty="0">
+                <a:ea typeface="+mj-lt"/>
+                <a:cs typeface="+mj-lt"/>
+              </a:rPr>
+              <a:t>Variables</a:t>
+            </a:r>
+            <a:br>
+              <a:rPr lang="en-US" sz="2600" b="1" dirty="0">
+                <a:ea typeface="+mj-lt"/>
+                <a:cs typeface="+mj-lt"/>
+              </a:rPr>
+            </a:br>
+            <a:r>
+              <a:rPr lang="en-US" sz="2600" b="1" dirty="0">
+                <a:ea typeface="+mj-lt"/>
+                <a:cs typeface="+mj-lt"/>
+              </a:rPr>
+              <a:t>Data Types</a:t>
+            </a:r>
+            <a:br>
+              <a:rPr lang="en-US" sz="2600" b="1" dirty="0">
+                <a:ea typeface="+mj-lt"/>
+                <a:cs typeface="+mj-lt"/>
+              </a:rPr>
+            </a:br>
+            <a:r>
+              <a:rPr lang="en-US" sz="2600" b="1" dirty="0">
+                <a:ea typeface="+mj-lt"/>
+                <a:cs typeface="+mj-lt"/>
+              </a:rPr>
+              <a:t>Type Casting</a:t>
+            </a:r>
+            <a:br>
+              <a:rPr lang="en-US" sz="2600" b="1" dirty="0">
+                <a:ea typeface="+mj-lt"/>
+                <a:cs typeface="+mj-lt"/>
+              </a:rPr>
+            </a:br>
+            <a:r>
+              <a:rPr lang="en-US" sz="2600" b="1" dirty="0">
+                <a:ea typeface="+mj-lt"/>
+                <a:cs typeface="+mj-lt"/>
+              </a:rPr>
+              <a:t>User Input</a:t>
+            </a:r>
+            <a:br>
+              <a:rPr lang="en-US" sz="2600" b="1" dirty="0">
+                <a:ea typeface="+mj-lt"/>
+                <a:cs typeface="+mj-lt"/>
+              </a:rPr>
+            </a:br>
+            <a:r>
+              <a:rPr lang="en-US" sz="2600" b="1" dirty="0">
+                <a:ea typeface="+mj-lt"/>
+                <a:cs typeface="+mj-lt"/>
+              </a:rPr>
+              <a:t>Operators</a:t>
+            </a:r>
+            <a:br>
+              <a:rPr lang="en-US" sz="2600" b="1" dirty="0">
+                <a:ea typeface="+mj-lt"/>
+                <a:cs typeface="+mj-lt"/>
+              </a:rPr>
+            </a:br>
+            <a:r>
+              <a:rPr lang="en-US" sz="2600" b="1" dirty="0">
+                <a:ea typeface="+mj-lt"/>
+                <a:cs typeface="+mj-lt"/>
+              </a:rPr>
+              <a:t>If...Else</a:t>
+            </a:r>
+            <a:br>
+              <a:rPr lang="en-US" sz="2600" b="1" dirty="0">
+                <a:ea typeface="+mj-lt"/>
+                <a:cs typeface="+mj-lt"/>
+              </a:rPr>
+            </a:br>
+            <a:r>
+              <a:rPr lang="en-US" sz="2600" b="1" dirty="0">
+                <a:ea typeface="+mj-lt"/>
+                <a:cs typeface="+mj-lt"/>
+              </a:rPr>
+              <a:t>Methods</a:t>
+            </a:r>
+            <a:br>
+              <a:rPr lang="en-US" sz="2600" b="1" dirty="0">
+                <a:ea typeface="+mj-lt"/>
+                <a:cs typeface="+mj-lt"/>
+              </a:rPr>
+            </a:br>
+            <a:r>
+              <a:rPr lang="en-US" sz="2600" b="1" dirty="0">
+                <a:ea typeface="+mj-lt"/>
+                <a:cs typeface="+mj-lt"/>
+              </a:rPr>
+              <a:t>Method Parameters</a:t>
+            </a:r>
+            <a:br>
+              <a:rPr lang="en-US" sz="2600" b="1" dirty="0">
+                <a:ea typeface="+mj-lt"/>
+                <a:cs typeface="+mj-lt"/>
+              </a:rPr>
+            </a:br>
+            <a:endParaRPr lang="en-US" sz="2600" dirty="0"/>
+          </a:p>
+        </p:txBody>
+      </p:sp>
+      <p:sp>
+        <p:nvSpPr>
+          <p:cNvPr id="4" name="TextBox 3">
+            <a:extLst>
+              <a:ext uri="{FF2B5EF4-FFF2-40B4-BE49-F238E27FC236}">
+                <a16:creationId xmlns:a16="http://schemas.microsoft.com/office/drawing/2014/main" id="{DC125E3C-57A5-20CE-1994-D46736E4DF7D}"/>
+              </a:ext>
+            </a:extLst>
+          </p:cNvPr>
+          <p:cNvSpPr txBox="1"/>
+          <p:nvPr/>
+        </p:nvSpPr>
+        <p:spPr>
+          <a:xfrm>
+            <a:off x="8162223" y="500514"/>
+            <a:ext cx="1944303" cy="369332"/>
+          </a:xfrm>
+          <a:prstGeom prst="rect">
+            <a:avLst/>
+          </a:prstGeom>
+          <a:noFill/>
+        </p:spPr>
+        <p:txBody>
+          <a:bodyPr wrap="square" rtlCol="0">
+            <a:spAutoFit/>
+          </a:bodyPr>
+          <a:lstStyle/>
+          <a:p>
+            <a:r>
+              <a:rPr lang="en-IN" dirty="0"/>
+              <a:t>28-07-2022</a:t>
+            </a:r>
+          </a:p>
+        </p:txBody>
+      </p:sp>
+    </p:spTree>
+    <p:extLst>
+      <p:ext uri="{BB962C8B-B14F-4D97-AF65-F5344CB8AC3E}">
+        <p14:creationId xmlns:p14="http://schemas.microsoft.com/office/powerpoint/2010/main" val="2744554908"/>
+      </p:ext>
+    </p:extLst>
+  </p:cSld>
+  <p:clrMapOvr>
+    <a:masterClrMapping/>
+  </p:clrMapOvr>
+</p:sld>
+</file>
+
+<file path=ppt/slides/slide9.xml><?xml version="1.0" encoding="utf-8"?>
+<p:sld xmlns:a="http://schemas.openxmlformats.org/drawingml/2006/main" xmlns:r="http://schemas.openxmlformats.org/officeDocument/2006/relationships" xmlns:p="http://schemas.openxmlformats.org/presentationml/2006/main">
+  <p:cSld>
+    <p:spTree>
+      <p:nvGrpSpPr>
+        <p:cNvPr id="1" name=""/>
+        <p:cNvGrpSpPr/>
+        <p:nvPr/>
+      </p:nvGrpSpPr>
+      <p:grpSpPr>
+        <a:xfrm>
+          <a:off x="0" y="0"/>
+          <a:ext cx="0" cy="0"/>
+          <a:chOff x="0" y="0"/>
+          <a:chExt cx="0" cy="0"/>
+        </a:xfrm>
+      </p:grpSpPr>
+      <p:sp>
+        <p:nvSpPr>
+          <p:cNvPr id="2" name="Title 1">
+            <a:extLst>
+              <a:ext uri="{FF2B5EF4-FFF2-40B4-BE49-F238E27FC236}">
+                <a16:creationId xmlns:a16="http://schemas.microsoft.com/office/drawing/2014/main" id="{DB9815BE-7A46-C394-EC06-C43032499840}"/>
+              </a:ext>
+            </a:extLst>
+          </p:cNvPr>
+          <p:cNvSpPr>
+            <a:spLocks noGrp="1"/>
+          </p:cNvSpPr>
+          <p:nvPr>
+            <p:ph type="title"/>
+          </p:nvPr>
+        </p:nvSpPr>
+        <p:spPr>
+          <a:xfrm>
+            <a:off x="646111" y="452718"/>
+            <a:ext cx="9404723" cy="6817873"/>
+          </a:xfrm>
+        </p:spPr>
+        <p:txBody>
+          <a:bodyPr/>
+          <a:lstStyle/>
+          <a:p>
+            <a:r>
+              <a:rPr lang="en-US" b="1" u="sng" dirty="0">
+                <a:ea typeface="+mj-lt"/>
+                <a:cs typeface="+mj-lt"/>
+              </a:rPr>
+              <a:t>C#:</a:t>
+            </a:r>
+            <a:br>
+              <a:rPr lang="en-US" b="1" u="sng" dirty="0">
+                <a:ea typeface="+mj-lt"/>
+                <a:cs typeface="+mj-lt"/>
+              </a:rPr>
+            </a:br>
+            <a:br>
+              <a:rPr lang="en-US" b="1" u="sng" dirty="0">
+                <a:ea typeface="+mj-lt"/>
+                <a:cs typeface="+mj-lt"/>
+              </a:rPr>
+            </a:br>
+            <a:r>
+              <a:rPr lang="en-US" sz="2600" b="1" dirty="0">
+                <a:ea typeface="+mj-lt"/>
+                <a:cs typeface="+mj-lt"/>
+              </a:rPr>
+              <a:t>Strings(Length, Upper, Lower, </a:t>
+            </a:r>
+            <a:r>
+              <a:rPr lang="en-US" sz="2600" b="1" dirty="0" err="1">
+                <a:ea typeface="+mj-lt"/>
+                <a:cs typeface="+mj-lt"/>
+              </a:rPr>
+              <a:t>Concat</a:t>
+            </a:r>
+            <a:r>
+              <a:rPr lang="en-US" sz="2600" b="1" dirty="0">
+                <a:ea typeface="+mj-lt"/>
+                <a:cs typeface="+mj-lt"/>
+              </a:rPr>
+              <a:t>, </a:t>
+            </a:r>
+            <a:r>
+              <a:rPr lang="en-IN" sz="2600" b="1" dirty="0">
+                <a:ea typeface="+mj-lt"/>
+                <a:cs typeface="+mj-lt"/>
+              </a:rPr>
+              <a:t>Interpolation, Substring, </a:t>
+            </a:r>
+            <a:r>
+              <a:rPr lang="en-IN" sz="2600" b="1" dirty="0" err="1">
+                <a:ea typeface="+mj-lt"/>
+                <a:cs typeface="+mj-lt"/>
+              </a:rPr>
+              <a:t>IndexOf</a:t>
+            </a:r>
+            <a:r>
+              <a:rPr lang="en-IN" sz="2600" b="1" dirty="0">
+                <a:ea typeface="+mj-lt"/>
+                <a:cs typeface="+mj-lt"/>
+              </a:rPr>
+              <a:t>, Escape character, +, Replace)</a:t>
+            </a:r>
+            <a:br>
+              <a:rPr lang="en-US" sz="2600" b="1" dirty="0">
+                <a:ea typeface="+mj-lt"/>
+                <a:cs typeface="+mj-lt"/>
+              </a:rPr>
+            </a:br>
+            <a:r>
+              <a:rPr lang="en-US" sz="2600" b="1" dirty="0">
+                <a:ea typeface="+mj-lt"/>
+                <a:cs typeface="+mj-lt"/>
+              </a:rPr>
+              <a:t>Booleans</a:t>
+            </a:r>
+            <a:br>
+              <a:rPr lang="en-US" sz="2600" b="1" dirty="0">
+                <a:ea typeface="+mj-lt"/>
+                <a:cs typeface="+mj-lt"/>
+              </a:rPr>
+            </a:br>
+            <a:r>
+              <a:rPr lang="en-US" sz="2600" b="1" dirty="0">
+                <a:ea typeface="+mj-lt"/>
+                <a:cs typeface="+mj-lt"/>
+              </a:rPr>
+              <a:t>Switch (default, </a:t>
+            </a:r>
+            <a:r>
+              <a:rPr lang="en-US" sz="2600" b="1" dirty="0" err="1">
+                <a:ea typeface="+mj-lt"/>
+                <a:cs typeface="+mj-lt"/>
+              </a:rPr>
+              <a:t>goto</a:t>
+            </a:r>
+            <a:r>
+              <a:rPr lang="en-US" sz="2600" b="1" dirty="0">
+                <a:ea typeface="+mj-lt"/>
+                <a:cs typeface="+mj-lt"/>
+              </a:rPr>
+              <a:t> case)</a:t>
+            </a:r>
+            <a:br>
+              <a:rPr lang="en-US" sz="2600" b="1" dirty="0">
+                <a:ea typeface="+mj-lt"/>
+                <a:cs typeface="+mj-lt"/>
+              </a:rPr>
+            </a:br>
+            <a:r>
+              <a:rPr lang="en-US" sz="2600" b="1" dirty="0">
+                <a:ea typeface="+mj-lt"/>
+                <a:cs typeface="+mj-lt"/>
+              </a:rPr>
+              <a:t>Math(Min, Max, Abs)</a:t>
+            </a:r>
+          </a:p>
+          <a:p>
+            <a:r>
+              <a:rPr lang="en-US" sz="2600" b="1" dirty="0">
+                <a:ea typeface="+mj-lt"/>
+                <a:cs typeface="+mj-lt"/>
+              </a:rPr>
+              <a:t>While/Do Loop</a:t>
+            </a:r>
+            <a:br>
+              <a:rPr lang="en-US" sz="2600" b="1" dirty="0">
+                <a:ea typeface="+mj-lt"/>
+                <a:cs typeface="+mj-lt"/>
+              </a:rPr>
+            </a:br>
+            <a:r>
+              <a:rPr lang="en-US" sz="2600" b="1" dirty="0">
+                <a:ea typeface="+mj-lt"/>
+                <a:cs typeface="+mj-lt"/>
+              </a:rPr>
+              <a:t>For Loop/</a:t>
+            </a:r>
+            <a:r>
+              <a:rPr lang="en-US" sz="2600" b="1" dirty="0" err="1">
+                <a:ea typeface="+mj-lt"/>
+                <a:cs typeface="+mj-lt"/>
+              </a:rPr>
+              <a:t>ForEach</a:t>
+            </a:r>
+            <a:br>
+              <a:rPr lang="en-US" sz="2600" b="1" dirty="0">
+                <a:ea typeface="+mj-lt"/>
+                <a:cs typeface="+mj-lt"/>
+              </a:rPr>
+            </a:br>
+            <a:r>
+              <a:rPr lang="en-US" sz="2600" b="1" dirty="0">
+                <a:ea typeface="+mj-lt"/>
+                <a:cs typeface="+mj-lt"/>
+              </a:rPr>
+              <a:t>Break/Continue</a:t>
+            </a:r>
+            <a:br>
+              <a:rPr lang="en-US" sz="2600" b="1" dirty="0">
+                <a:ea typeface="+mj-lt"/>
+                <a:cs typeface="+mj-lt"/>
+              </a:rPr>
+            </a:br>
+            <a:r>
+              <a:rPr lang="en-US" sz="2600" b="1" dirty="0">
+                <a:ea typeface="+mj-lt"/>
+                <a:cs typeface="+mj-lt"/>
+              </a:rPr>
+              <a:t>Arrays(string </a:t>
+            </a:r>
+            <a:r>
+              <a:rPr lang="en-US" sz="2600" b="1" dirty="0" err="1">
+                <a:ea typeface="+mj-lt"/>
+                <a:cs typeface="+mj-lt"/>
+              </a:rPr>
+              <a:t>arr</a:t>
+            </a:r>
+            <a:r>
+              <a:rPr lang="en-US" sz="2600" b="1" dirty="0">
+                <a:ea typeface="+mj-lt"/>
+                <a:cs typeface="+mj-lt"/>
+              </a:rPr>
+              <a:t>, Int </a:t>
+            </a:r>
+            <a:r>
+              <a:rPr lang="en-US" sz="2600" b="1" dirty="0" err="1">
+                <a:ea typeface="+mj-lt"/>
+                <a:cs typeface="+mj-lt"/>
+              </a:rPr>
+              <a:t>arr</a:t>
+            </a:r>
+            <a:r>
+              <a:rPr lang="en-US" sz="2600" b="1" dirty="0">
+                <a:ea typeface="+mj-lt"/>
+                <a:cs typeface="+mj-lt"/>
+              </a:rPr>
+              <a:t>, foreach, sort, replace </a:t>
+            </a:r>
+            <a:r>
+              <a:rPr lang="en-US" sz="2600" b="1" dirty="0" err="1">
+                <a:ea typeface="+mj-lt"/>
+                <a:cs typeface="+mj-lt"/>
+              </a:rPr>
+              <a:t>arr</a:t>
+            </a:r>
+            <a:r>
+              <a:rPr lang="en-US" sz="2600" b="1" dirty="0">
+                <a:ea typeface="+mj-lt"/>
+                <a:cs typeface="+mj-lt"/>
+              </a:rPr>
+              <a:t> element, </a:t>
+            </a:r>
+            <a:r>
+              <a:rPr lang="en-US" sz="2600" b="1" dirty="0" err="1">
+                <a:ea typeface="+mj-lt"/>
+                <a:cs typeface="+mj-lt"/>
+              </a:rPr>
+              <a:t>Linq</a:t>
+            </a:r>
+            <a:r>
+              <a:rPr lang="en-US" sz="2600" b="1" dirty="0">
+                <a:ea typeface="+mj-lt"/>
+                <a:cs typeface="+mj-lt"/>
+              </a:rPr>
+              <a:t> – Min, max, sum)</a:t>
+            </a:r>
+            <a:br>
+              <a:rPr lang="en-US" sz="2600" b="1" dirty="0">
+                <a:ea typeface="+mj-lt"/>
+                <a:cs typeface="+mj-lt"/>
+              </a:rPr>
+            </a:br>
+            <a:r>
+              <a:rPr lang="en-US" sz="2600" b="1" dirty="0">
+                <a:ea typeface="+mj-lt"/>
+                <a:cs typeface="+mj-lt"/>
+              </a:rPr>
+              <a:t>Method Overloading</a:t>
+            </a:r>
+            <a:endParaRPr lang="en-US" sz="2600" dirty="0"/>
+          </a:p>
+        </p:txBody>
+      </p:sp>
+      <p:sp>
+        <p:nvSpPr>
+          <p:cNvPr id="3" name="TextBox 2">
+            <a:extLst>
+              <a:ext uri="{FF2B5EF4-FFF2-40B4-BE49-F238E27FC236}">
+                <a16:creationId xmlns:a16="http://schemas.microsoft.com/office/drawing/2014/main" id="{019B760A-39CC-1E88-D764-311D08F4A4A0}"/>
+              </a:ext>
+            </a:extLst>
+          </p:cNvPr>
+          <p:cNvSpPr txBox="1"/>
+          <p:nvPr/>
+        </p:nvSpPr>
+        <p:spPr>
+          <a:xfrm>
+            <a:off x="8162223" y="500514"/>
+            <a:ext cx="1944303" cy="369332"/>
+          </a:xfrm>
+          <a:prstGeom prst="rect">
+            <a:avLst/>
+          </a:prstGeom>
+          <a:noFill/>
+        </p:spPr>
+        <p:txBody>
+          <a:bodyPr wrap="square" rtlCol="0">
+            <a:spAutoFit/>
+          </a:bodyPr>
+          <a:lstStyle/>
+          <a:p>
+            <a:r>
+              <a:rPr lang="en-IN" dirty="0"/>
+              <a:t>28-07-2022</a:t>
+            </a:r>
+          </a:p>
+        </p:txBody>
+      </p:sp>
+    </p:spTree>
+    <p:extLst>
+      <p:ext uri="{BB962C8B-B14F-4D97-AF65-F5344CB8AC3E}">
+        <p14:creationId xmlns:p14="http://schemas.microsoft.com/office/powerpoint/2010/main" val="1521293297"/>
       </p:ext>
     </p:extLst>
   </p:cSld>

--- a/Notes/Day2_26_07_2022.pptx
+++ b/Notes/Day2_26_07_2022.pptx
@@ -314,7 +314,7 @@
           <a:p>
             <a:fld id="{4AAD347D-5ACD-4C99-B74B-A9C85AD731AF}" type="datetimeFigureOut">
               <a:rPr lang="en-US" dirty="0"/>
-              <a:t>7/27/2022</a:t>
+              <a:t>7/28/2022</a:t>
             </a:fld>
             <a:endParaRPr lang="en-US" dirty="0"/>
           </a:p>
@@ -584,7 +584,7 @@
           <a:p>
             <a:fld id="{4509A250-FF31-4206-8172-F9D3106AACB1}" type="datetimeFigureOut">
               <a:rPr lang="en-US" dirty="0"/>
-              <a:t>7/27/2022</a:t>
+              <a:t>7/28/2022</a:t>
             </a:fld>
             <a:endParaRPr lang="en-US" dirty="0"/>
           </a:p>
@@ -777,7 +777,7 @@
           <a:p>
             <a:fld id="{4509A250-FF31-4206-8172-F9D3106AACB1}" type="datetimeFigureOut">
               <a:rPr lang="en-US" dirty="0"/>
-              <a:t>7/27/2022</a:t>
+              <a:t>7/28/2022</a:t>
             </a:fld>
             <a:endParaRPr lang="en-US" dirty="0"/>
           </a:p>
@@ -1049,7 +1049,7 @@
           <a:p>
             <a:fld id="{4509A250-FF31-4206-8172-F9D3106AACB1}" type="datetimeFigureOut">
               <a:rPr lang="en-US" dirty="0"/>
-              <a:t>7/27/2022</a:t>
+              <a:t>7/28/2022</a:t>
             </a:fld>
             <a:endParaRPr lang="en-US" dirty="0"/>
           </a:p>
@@ -1389,7 +1389,7 @@
           <a:p>
             <a:fld id="{4509A250-FF31-4206-8172-F9D3106AACB1}" type="datetimeFigureOut">
               <a:rPr lang="en-US" dirty="0"/>
-              <a:t>7/27/2022</a:t>
+              <a:t>7/28/2022</a:t>
             </a:fld>
             <a:endParaRPr lang="en-US" dirty="0"/>
           </a:p>
@@ -2011,7 +2011,7 @@
           <a:p>
             <a:fld id="{4509A250-FF31-4206-8172-F9D3106AACB1}" type="datetimeFigureOut">
               <a:rPr lang="en-US" dirty="0"/>
-              <a:t>7/27/2022</a:t>
+              <a:t>7/28/2022</a:t>
             </a:fld>
             <a:endParaRPr lang="en-US" dirty="0"/>
           </a:p>
@@ -2858,7 +2858,7 @@
           <a:p>
             <a:fld id="{4509A250-FF31-4206-8172-F9D3106AACB1}" type="datetimeFigureOut">
               <a:rPr lang="en-US" dirty="0"/>
-              <a:t>7/27/2022</a:t>
+              <a:t>7/28/2022</a:t>
             </a:fld>
             <a:endParaRPr lang="en-US" dirty="0"/>
           </a:p>
@@ -3026,7 +3026,7 @@
           <a:p>
             <a:fld id="{4509A250-FF31-4206-8172-F9D3106AACB1}" type="datetimeFigureOut">
               <a:rPr lang="en-US" dirty="0"/>
-              <a:t>7/27/2022</a:t>
+              <a:t>7/28/2022</a:t>
             </a:fld>
             <a:endParaRPr lang="en-US" dirty="0"/>
           </a:p>
@@ -3204,7 +3204,7 @@
           <a:p>
             <a:fld id="{4509A250-FF31-4206-8172-F9D3106AACB1}" type="datetimeFigureOut">
               <a:rPr lang="en-US" dirty="0"/>
-              <a:t>7/27/2022</a:t>
+              <a:t>7/28/2022</a:t>
             </a:fld>
             <a:endParaRPr lang="en-US" dirty="0"/>
           </a:p>
@@ -3372,7 +3372,7 @@
           <a:p>
             <a:fld id="{4509A250-FF31-4206-8172-F9D3106AACB1}" type="datetimeFigureOut">
               <a:rPr lang="en-US" dirty="0"/>
-              <a:t>7/27/2022</a:t>
+              <a:t>7/28/2022</a:t>
             </a:fld>
             <a:endParaRPr lang="en-US" dirty="0"/>
           </a:p>
@@ -3618,7 +3618,7 @@
           <a:p>
             <a:fld id="{9796027F-7875-4030-9381-8BD8C4F21935}" type="datetimeFigureOut">
               <a:rPr lang="en-US" dirty="0"/>
-              <a:t>7/27/2022</a:t>
+              <a:t>7/28/2022</a:t>
             </a:fld>
             <a:endParaRPr lang="en-US" dirty="0"/>
           </a:p>
@@ -3907,7 +3907,7 @@
           <a:p>
             <a:fld id="{9796027F-7875-4030-9381-8BD8C4F21935}" type="datetimeFigureOut">
               <a:rPr lang="en-US" dirty="0"/>
-              <a:t>7/27/2022</a:t>
+              <a:t>7/28/2022</a:t>
             </a:fld>
             <a:endParaRPr lang="en-US" dirty="0"/>
           </a:p>
@@ -4348,7 +4348,7 @@
           <a:p>
             <a:fld id="{9796027F-7875-4030-9381-8BD8C4F21935}" type="datetimeFigureOut">
               <a:rPr lang="en-US" dirty="0"/>
-              <a:t>7/27/2022</a:t>
+              <a:t>7/28/2022</a:t>
             </a:fld>
             <a:endParaRPr lang="en-US" dirty="0"/>
           </a:p>
@@ -4465,7 +4465,7 @@
           <a:p>
             <a:fld id="{4509A250-FF31-4206-8172-F9D3106AACB1}" type="datetimeFigureOut">
               <a:rPr lang="en-US" dirty="0"/>
-              <a:t>7/27/2022</a:t>
+              <a:t>7/28/2022</a:t>
             </a:fld>
             <a:endParaRPr lang="en-US" dirty="0"/>
           </a:p>
@@ -4560,7 +4560,7 @@
           <a:p>
             <a:fld id="{4509A250-FF31-4206-8172-F9D3106AACB1}" type="datetimeFigureOut">
               <a:rPr lang="en-US" dirty="0"/>
-              <a:t>7/27/2022</a:t>
+              <a:t>7/28/2022</a:t>
             </a:fld>
             <a:endParaRPr lang="en-US" dirty="0"/>
           </a:p>
@@ -4837,7 +4837,7 @@
           <a:p>
             <a:fld id="{4509A250-FF31-4206-8172-F9D3106AACB1}" type="datetimeFigureOut">
               <a:rPr lang="en-US" dirty="0"/>
-              <a:t>7/27/2022</a:t>
+              <a:t>7/28/2022</a:t>
             </a:fld>
             <a:endParaRPr lang="en-US" dirty="0"/>
           </a:p>
@@ -5107,7 +5107,7 @@
           <a:p>
             <a:fld id="{4509A250-FF31-4206-8172-F9D3106AACB1}" type="datetimeFigureOut">
               <a:rPr lang="en-US" dirty="0"/>
-              <a:t>7/27/2022</a:t>
+              <a:t>7/28/2022</a:t>
             </a:fld>
             <a:endParaRPr lang="en-US" dirty="0"/>
           </a:p>
@@ -5534,7 +5534,7 @@
           <a:p>
             <a:fld id="{4AAD347D-5ACD-4C99-B74B-A9C85AD731AF}" type="datetimeFigureOut">
               <a:rPr lang="en-US" dirty="0"/>
-              <a:t>7/27/2022</a:t>
+              <a:t>7/28/2022</a:t>
             </a:fld>
             <a:endParaRPr lang="en-US" dirty="0"/>
           </a:p>
@@ -6442,91 +6442,91 @@
           <a:lstStyle/>
           <a:p>
             <a:r>
-              <a:rPr lang="en-US" b="1" u="sng" dirty="0">
+              <a:rPr lang="en-US" sz="1400" b="1" u="sng" dirty="0">
                 <a:ea typeface="+mj-lt"/>
                 <a:cs typeface="+mj-lt"/>
               </a:rPr>
               <a:t>C#:</a:t>
             </a:r>
             <a:br>
-              <a:rPr lang="en-US" b="1" u="sng" dirty="0">
+              <a:rPr lang="en-US" sz="1400" b="1" u="sng" dirty="0">
                 <a:ea typeface="+mj-lt"/>
                 <a:cs typeface="+mj-lt"/>
               </a:rPr>
             </a:br>
             <a:br>
-              <a:rPr lang="en-US" sz="2600" b="1" dirty="0">
+              <a:rPr lang="en-US" sz="1400" b="1" dirty="0">
                 <a:ea typeface="+mj-lt"/>
                 <a:cs typeface="+mj-lt"/>
               </a:rPr>
             </a:br>
             <a:r>
-              <a:rPr lang="en-US" sz="2600" b="1" dirty="0">
+              <a:rPr lang="en-US" sz="1400" b="1" dirty="0">
                 <a:ea typeface="+mj-lt"/>
                 <a:cs typeface="+mj-lt"/>
               </a:rPr>
               <a:t>OOP</a:t>
             </a:r>
             <a:br>
-              <a:rPr lang="en-US" sz="2600" b="1" dirty="0">
+              <a:rPr lang="en-US" sz="1400" b="1" dirty="0">
                 <a:ea typeface="+mj-lt"/>
                 <a:cs typeface="+mj-lt"/>
               </a:rPr>
             </a:br>
             <a:r>
-              <a:rPr lang="en-US" sz="2600" b="1" dirty="0">
+              <a:rPr lang="en-US" sz="1400" b="1" dirty="0">
                 <a:ea typeface="+mj-lt"/>
                 <a:cs typeface="+mj-lt"/>
               </a:rPr>
               <a:t>Classes/Objects</a:t>
             </a:r>
             <a:br>
-              <a:rPr lang="en-US" sz="2600" b="1" dirty="0">
+              <a:rPr lang="en-US" sz="1400" b="1" dirty="0">
                 <a:ea typeface="+mj-lt"/>
                 <a:cs typeface="+mj-lt"/>
               </a:rPr>
             </a:br>
             <a:r>
-              <a:rPr lang="en-US" sz="2600" b="1" dirty="0">
+              <a:rPr lang="en-US" sz="1400" b="1" dirty="0">
                 <a:ea typeface="+mj-lt"/>
                 <a:cs typeface="+mj-lt"/>
               </a:rPr>
               <a:t>Class Members</a:t>
             </a:r>
             <a:br>
-              <a:rPr lang="en-US" sz="2600" b="1" dirty="0">
+              <a:rPr lang="en-US" sz="1400" b="1" dirty="0">
                 <a:ea typeface="+mj-lt"/>
                 <a:cs typeface="+mj-lt"/>
               </a:rPr>
             </a:br>
             <a:r>
-              <a:rPr lang="en-US" sz="2600" b="1" dirty="0">
+              <a:rPr lang="en-US" sz="1400" b="1" dirty="0">
                 <a:ea typeface="+mj-lt"/>
                 <a:cs typeface="+mj-lt"/>
               </a:rPr>
               <a:t>Constructors</a:t>
             </a:r>
             <a:br>
-              <a:rPr lang="en-US" sz="2600" b="1" dirty="0">
+              <a:rPr lang="en-US" sz="1400" b="1" dirty="0">
                 <a:ea typeface="+mj-lt"/>
                 <a:cs typeface="+mj-lt"/>
               </a:rPr>
             </a:br>
             <a:r>
-              <a:rPr lang="en-US" sz="2600" b="1" dirty="0">
+              <a:rPr lang="en-US" sz="1400" b="1" dirty="0">
                 <a:ea typeface="+mj-lt"/>
                 <a:cs typeface="+mj-lt"/>
               </a:rPr>
               <a:t>Access Modifiers</a:t>
             </a:r>
             <a:br>
-              <a:rPr lang="en-US" sz="2600" b="1" dirty="0">
+              <a:rPr lang="en-US" sz="1400" b="1" dirty="0">
                 <a:ea typeface="+mj-lt"/>
                 <a:cs typeface="+mj-lt"/>
               </a:rPr>
             </a:br>
             <a:r>
-              <a:rPr lang="en-US" sz="2600" b="1" dirty="0">
+              <a:rPr lang="en-US" sz="1400" b="1" dirty="0">
                 <a:ea typeface="+mj-lt"/>
                 <a:cs typeface="+mj-lt"/>
               </a:rPr>
@@ -6535,194 +6535,194 @@
           </a:p>
           <a:p>
             <a:r>
-              <a:rPr lang="en-US" sz="2600" b="1" dirty="0">
+              <a:rPr lang="en-US" sz="1400" b="1" dirty="0">
                 <a:ea typeface="+mj-lt"/>
                 <a:cs typeface="+mj-lt"/>
               </a:rPr>
               <a:t>Properties</a:t>
             </a:r>
             <a:br>
-              <a:rPr lang="en-US" sz="2600" b="1" dirty="0">
+              <a:rPr lang="en-US" sz="1400" b="1" dirty="0">
                 <a:ea typeface="+mj-lt"/>
                 <a:cs typeface="+mj-lt"/>
               </a:rPr>
             </a:br>
             <a:r>
-              <a:rPr lang="en-US" sz="2600" b="1" dirty="0">
+              <a:rPr lang="en-US" sz="1400" b="1" dirty="0">
                 <a:ea typeface="+mj-lt"/>
                 <a:cs typeface="+mj-lt"/>
               </a:rPr>
               <a:t>Inheritance</a:t>
             </a:r>
             <a:br>
-              <a:rPr lang="en-US" sz="2600" b="1" dirty="0">
+              <a:rPr lang="en-US" sz="1400" b="1" dirty="0">
                 <a:ea typeface="+mj-lt"/>
                 <a:cs typeface="+mj-lt"/>
               </a:rPr>
             </a:br>
             <a:r>
-              <a:rPr lang="en-US" sz="2600" b="1" dirty="0">
+              <a:rPr lang="en-US" sz="1400" b="1" dirty="0">
                 <a:ea typeface="+mj-lt"/>
                 <a:cs typeface="+mj-lt"/>
               </a:rPr>
               <a:t>Polymorphism</a:t>
             </a:r>
             <a:br>
-              <a:rPr lang="en-US" sz="2600" b="1" dirty="0">
+              <a:rPr lang="en-US" sz="1400" b="1" dirty="0">
                 <a:ea typeface="+mj-lt"/>
                 <a:cs typeface="+mj-lt"/>
               </a:rPr>
             </a:br>
             <a:r>
-              <a:rPr lang="en-US" sz="2600" b="1" dirty="0">
+              <a:rPr lang="en-US" sz="1400" b="1" dirty="0">
                 <a:ea typeface="+mj-lt"/>
                 <a:cs typeface="+mj-lt"/>
               </a:rPr>
               <a:t>Abstraction</a:t>
             </a:r>
             <a:br>
-              <a:rPr lang="en-US" sz="2600" b="1" dirty="0">
+              <a:rPr lang="en-US" sz="1400" b="1" dirty="0">
                 <a:ea typeface="+mj-lt"/>
                 <a:cs typeface="+mj-lt"/>
               </a:rPr>
             </a:br>
             <a:r>
-              <a:rPr lang="en-US" sz="2600" b="1" dirty="0">
+              <a:rPr lang="en-US" sz="1400" b="1" dirty="0">
                 <a:ea typeface="+mj-lt"/>
                 <a:cs typeface="+mj-lt"/>
               </a:rPr>
               <a:t>Interface</a:t>
             </a:r>
             <a:br>
-              <a:rPr lang="en-US" sz="2600" b="1" dirty="0">
+              <a:rPr lang="en-US" sz="1400" b="1" dirty="0">
                 <a:ea typeface="+mj-lt"/>
                 <a:cs typeface="+mj-lt"/>
               </a:rPr>
             </a:br>
             <a:r>
-              <a:rPr lang="en-US" sz="2600" b="1" dirty="0">
+              <a:rPr lang="en-US" sz="1400" b="1" dirty="0">
                 <a:ea typeface="+mj-lt"/>
                 <a:cs typeface="+mj-lt"/>
               </a:rPr>
               <a:t>Enums</a:t>
             </a:r>
             <a:br>
-              <a:rPr lang="en-US" sz="2600" b="1" dirty="0">
+              <a:rPr lang="en-US" sz="1400" b="1" dirty="0">
                 <a:ea typeface="+mj-lt"/>
                 <a:cs typeface="+mj-lt"/>
               </a:rPr>
             </a:br>
             <a:r>
-              <a:rPr lang="en-US" sz="2600" b="1" dirty="0">
+              <a:rPr lang="en-US" sz="1400" b="1" dirty="0">
                 <a:ea typeface="+mj-lt"/>
                 <a:cs typeface="+mj-lt"/>
               </a:rPr>
               <a:t>Files</a:t>
             </a:r>
             <a:br>
-              <a:rPr lang="en-US" sz="2600" b="1" dirty="0">
+              <a:rPr lang="en-US" sz="1400" b="1" dirty="0">
                 <a:ea typeface="+mj-lt"/>
                 <a:cs typeface="+mj-lt"/>
               </a:rPr>
             </a:br>
             <a:r>
-              <a:rPr lang="en-US" sz="2600" b="1" dirty="0">
+              <a:rPr lang="en-US" sz="1400" b="1" dirty="0">
                 <a:ea typeface="+mj-lt"/>
                 <a:cs typeface="+mj-lt"/>
               </a:rPr>
               <a:t>Exceptions</a:t>
             </a:r>
             <a:br>
-              <a:rPr lang="en-US" sz="2600" b="1" dirty="0">
+              <a:rPr lang="en-US" sz="1400" b="1" dirty="0">
                 <a:ea typeface="+mj-lt"/>
                 <a:cs typeface="+mj-lt"/>
               </a:rPr>
             </a:br>
             <a:br>
-              <a:rPr lang="en-US" sz="2600" b="1" dirty="0">
+              <a:rPr lang="en-US" sz="1400" b="1" dirty="0">
                 <a:ea typeface="+mj-lt"/>
                 <a:cs typeface="+mj-lt"/>
               </a:rPr>
             </a:br>
             <a:r>
-              <a:rPr lang="en-US" sz="2600" b="1" dirty="0">
+              <a:rPr lang="en-US" sz="1400" b="1" dirty="0">
                 <a:ea typeface="+mj-lt"/>
                 <a:cs typeface="+mj-lt"/>
               </a:rPr>
               <a:t>Namespace</a:t>
             </a:r>
             <a:br>
-              <a:rPr lang="en-US" sz="2600" b="1" dirty="0">
+              <a:rPr lang="en-US" sz="1400" b="1" dirty="0">
                 <a:ea typeface="+mj-lt"/>
                 <a:cs typeface="+mj-lt"/>
               </a:rPr>
             </a:br>
             <a:r>
-              <a:rPr lang="en-US" sz="2600" b="1" dirty="0">
+              <a:rPr lang="en-US" sz="1400" b="1" dirty="0">
                 <a:ea typeface="+mj-lt"/>
                 <a:cs typeface="+mj-lt"/>
               </a:rPr>
               <a:t>Class</a:t>
             </a:r>
             <a:br>
-              <a:rPr lang="en-US" sz="2600" b="1" dirty="0">
+              <a:rPr lang="en-US" sz="1400" b="1" dirty="0">
                 <a:ea typeface="+mj-lt"/>
                 <a:cs typeface="+mj-lt"/>
               </a:rPr>
             </a:br>
             <a:r>
-              <a:rPr lang="en-US" sz="2600" b="1" dirty="0">
+              <a:rPr lang="en-US" sz="1400" b="1" dirty="0">
                 <a:ea typeface="+mj-lt"/>
                 <a:cs typeface="+mj-lt"/>
               </a:rPr>
               <a:t>Object</a:t>
             </a:r>
             <a:br>
-              <a:rPr lang="en-US" sz="2600" b="1" dirty="0">
+              <a:rPr lang="en-US" sz="1400" b="1" dirty="0">
                 <a:ea typeface="+mj-lt"/>
                 <a:cs typeface="+mj-lt"/>
               </a:rPr>
             </a:br>
             <a:r>
-              <a:rPr lang="en-US" sz="2600" b="1" dirty="0">
+              <a:rPr lang="en-US" sz="1400" b="1" dirty="0">
                 <a:ea typeface="+mj-lt"/>
                 <a:cs typeface="+mj-lt"/>
               </a:rPr>
               <a:t>Method</a:t>
             </a:r>
             <a:br>
-              <a:rPr lang="en-US" sz="2600" b="1" dirty="0">
+              <a:rPr lang="en-US" sz="1400" b="1" dirty="0">
                 <a:ea typeface="+mj-lt"/>
                 <a:cs typeface="+mj-lt"/>
               </a:rPr>
             </a:br>
             <a:r>
-              <a:rPr lang="en-US" sz="2600" b="1" dirty="0">
+              <a:rPr lang="en-US" sz="1400" b="1" dirty="0">
                 <a:ea typeface="+mj-lt"/>
                 <a:cs typeface="+mj-lt"/>
               </a:rPr>
               <a:t>Property { Get; Set; }</a:t>
             </a:r>
             <a:br>
-              <a:rPr lang="en-US" sz="2600" b="1" dirty="0">
+              <a:rPr lang="en-US" sz="1400" b="1" dirty="0">
                 <a:ea typeface="+mj-lt"/>
                 <a:cs typeface="+mj-lt"/>
               </a:rPr>
             </a:br>
             <a:br>
-              <a:rPr lang="en-US" sz="2600" b="1" dirty="0">
+              <a:rPr lang="en-US" sz="1400" b="1" dirty="0">
                 <a:ea typeface="+mj-lt"/>
                 <a:cs typeface="+mj-lt"/>
               </a:rPr>
             </a:br>
             <a:r>
-              <a:rPr lang="en-US" sz="2600" b="1" dirty="0">
+              <a:rPr lang="en-US" sz="1400" b="1" dirty="0">
                 <a:ea typeface="+mj-lt"/>
                 <a:cs typeface="+mj-lt"/>
               </a:rPr>
               <a:t>https://www.w3schools.com/cs/cs_output.php</a:t>
             </a:r>
-            <a:endParaRPr lang="en-US" sz="2600" dirty="0"/>
+            <a:endParaRPr lang="en-US" sz="1400" dirty="0"/>
           </a:p>
         </p:txBody>
       </p:sp>
@@ -8284,7 +8284,7 @@
                 <a:ea typeface="+mj-lt"/>
                 <a:cs typeface="+mj-lt"/>
               </a:rPr>
-              <a:t> case)</a:t>
+              <a:t> case) – DEFINE DAYS</a:t>
             </a:r>
             <a:br>
               <a:rPr lang="en-US" sz="2600" b="1" dirty="0">

--- a/Notes/Day2_26_07_2022.pptx
+++ b/Notes/Day2_26_07_2022.pptx
@@ -314,7 +314,7 @@
           <a:p>
             <a:fld id="{4AAD347D-5ACD-4C99-B74B-A9C85AD731AF}" type="datetimeFigureOut">
               <a:rPr lang="en-US" dirty="0"/>
-              <a:t>7/28/2022</a:t>
+              <a:t>7/30/2022</a:t>
             </a:fld>
             <a:endParaRPr lang="en-US" dirty="0"/>
           </a:p>
@@ -584,7 +584,7 @@
           <a:p>
             <a:fld id="{4509A250-FF31-4206-8172-F9D3106AACB1}" type="datetimeFigureOut">
               <a:rPr lang="en-US" dirty="0"/>
-              <a:t>7/28/2022</a:t>
+              <a:t>7/30/2022</a:t>
             </a:fld>
             <a:endParaRPr lang="en-US" dirty="0"/>
           </a:p>
@@ -777,7 +777,7 @@
           <a:p>
             <a:fld id="{4509A250-FF31-4206-8172-F9D3106AACB1}" type="datetimeFigureOut">
               <a:rPr lang="en-US" dirty="0"/>
-              <a:t>7/28/2022</a:t>
+              <a:t>7/30/2022</a:t>
             </a:fld>
             <a:endParaRPr lang="en-US" dirty="0"/>
           </a:p>
@@ -1049,7 +1049,7 @@
           <a:p>
             <a:fld id="{4509A250-FF31-4206-8172-F9D3106AACB1}" type="datetimeFigureOut">
               <a:rPr lang="en-US" dirty="0"/>
-              <a:t>7/28/2022</a:t>
+              <a:t>7/30/2022</a:t>
             </a:fld>
             <a:endParaRPr lang="en-US" dirty="0"/>
           </a:p>
@@ -1389,7 +1389,7 @@
           <a:p>
             <a:fld id="{4509A250-FF31-4206-8172-F9D3106AACB1}" type="datetimeFigureOut">
               <a:rPr lang="en-US" dirty="0"/>
-              <a:t>7/28/2022</a:t>
+              <a:t>7/30/2022</a:t>
             </a:fld>
             <a:endParaRPr lang="en-US" dirty="0"/>
           </a:p>
@@ -2011,7 +2011,7 @@
           <a:p>
             <a:fld id="{4509A250-FF31-4206-8172-F9D3106AACB1}" type="datetimeFigureOut">
               <a:rPr lang="en-US" dirty="0"/>
-              <a:t>7/28/2022</a:t>
+              <a:t>7/30/2022</a:t>
             </a:fld>
             <a:endParaRPr lang="en-US" dirty="0"/>
           </a:p>
@@ -2858,7 +2858,7 @@
           <a:p>
             <a:fld id="{4509A250-FF31-4206-8172-F9D3106AACB1}" type="datetimeFigureOut">
               <a:rPr lang="en-US" dirty="0"/>
-              <a:t>7/28/2022</a:t>
+              <a:t>7/30/2022</a:t>
             </a:fld>
             <a:endParaRPr lang="en-US" dirty="0"/>
           </a:p>
@@ -3026,7 +3026,7 @@
           <a:p>
             <a:fld id="{4509A250-FF31-4206-8172-F9D3106AACB1}" type="datetimeFigureOut">
               <a:rPr lang="en-US" dirty="0"/>
-              <a:t>7/28/2022</a:t>
+              <a:t>7/30/2022</a:t>
             </a:fld>
             <a:endParaRPr lang="en-US" dirty="0"/>
           </a:p>
@@ -3204,7 +3204,7 @@
           <a:p>
             <a:fld id="{4509A250-FF31-4206-8172-F9D3106AACB1}" type="datetimeFigureOut">
               <a:rPr lang="en-US" dirty="0"/>
-              <a:t>7/28/2022</a:t>
+              <a:t>7/30/2022</a:t>
             </a:fld>
             <a:endParaRPr lang="en-US" dirty="0"/>
           </a:p>
@@ -3372,7 +3372,7 @@
           <a:p>
             <a:fld id="{4509A250-FF31-4206-8172-F9D3106AACB1}" type="datetimeFigureOut">
               <a:rPr lang="en-US" dirty="0"/>
-              <a:t>7/28/2022</a:t>
+              <a:t>7/30/2022</a:t>
             </a:fld>
             <a:endParaRPr lang="en-US" dirty="0"/>
           </a:p>
@@ -3618,7 +3618,7 @@
           <a:p>
             <a:fld id="{9796027F-7875-4030-9381-8BD8C4F21935}" type="datetimeFigureOut">
               <a:rPr lang="en-US" dirty="0"/>
-              <a:t>7/28/2022</a:t>
+              <a:t>7/30/2022</a:t>
             </a:fld>
             <a:endParaRPr lang="en-US" dirty="0"/>
           </a:p>
@@ -3907,7 +3907,7 @@
           <a:p>
             <a:fld id="{9796027F-7875-4030-9381-8BD8C4F21935}" type="datetimeFigureOut">
               <a:rPr lang="en-US" dirty="0"/>
-              <a:t>7/28/2022</a:t>
+              <a:t>7/30/2022</a:t>
             </a:fld>
             <a:endParaRPr lang="en-US" dirty="0"/>
           </a:p>
@@ -4348,7 +4348,7 @@
           <a:p>
             <a:fld id="{9796027F-7875-4030-9381-8BD8C4F21935}" type="datetimeFigureOut">
               <a:rPr lang="en-US" dirty="0"/>
-              <a:t>7/28/2022</a:t>
+              <a:t>7/30/2022</a:t>
             </a:fld>
             <a:endParaRPr lang="en-US" dirty="0"/>
           </a:p>
@@ -4465,7 +4465,7 @@
           <a:p>
             <a:fld id="{4509A250-FF31-4206-8172-F9D3106AACB1}" type="datetimeFigureOut">
               <a:rPr lang="en-US" dirty="0"/>
-              <a:t>7/28/2022</a:t>
+              <a:t>7/30/2022</a:t>
             </a:fld>
             <a:endParaRPr lang="en-US" dirty="0"/>
           </a:p>
@@ -4560,7 +4560,7 @@
           <a:p>
             <a:fld id="{4509A250-FF31-4206-8172-F9D3106AACB1}" type="datetimeFigureOut">
               <a:rPr lang="en-US" dirty="0"/>
-              <a:t>7/28/2022</a:t>
+              <a:t>7/30/2022</a:t>
             </a:fld>
             <a:endParaRPr lang="en-US" dirty="0"/>
           </a:p>
@@ -4837,7 +4837,7 @@
           <a:p>
             <a:fld id="{4509A250-FF31-4206-8172-F9D3106AACB1}" type="datetimeFigureOut">
               <a:rPr lang="en-US" dirty="0"/>
-              <a:t>7/28/2022</a:t>
+              <a:t>7/30/2022</a:t>
             </a:fld>
             <a:endParaRPr lang="en-US" dirty="0"/>
           </a:p>
@@ -5107,7 +5107,7 @@
           <a:p>
             <a:fld id="{4509A250-FF31-4206-8172-F9D3106AACB1}" type="datetimeFigureOut">
               <a:rPr lang="en-US" dirty="0"/>
-              <a:t>7/28/2022</a:t>
+              <a:t>7/30/2022</a:t>
             </a:fld>
             <a:endParaRPr lang="en-US" dirty="0"/>
           </a:p>
@@ -5534,7 +5534,7 @@
           <a:p>
             <a:fld id="{4AAD347D-5ACD-4C99-B74B-A9C85AD731AF}" type="datetimeFigureOut">
               <a:rPr lang="en-US" dirty="0"/>
-              <a:t>7/28/2022</a:t>
+              <a:t>7/30/2022</a:t>
             </a:fld>
             <a:endParaRPr lang="en-US" dirty="0"/>
           </a:p>
@@ -6147,41 +6147,6 @@
           </a:p>
         </p:txBody>
       </p:sp>
-      <p:sp>
-        <p:nvSpPr>
-          <p:cNvPr id="5" name="TextBox 4">
-            <a:extLst>
-              <a:ext uri="{FF2B5EF4-FFF2-40B4-BE49-F238E27FC236}">
-                <a16:creationId xmlns:a16="http://schemas.microsoft.com/office/drawing/2014/main" id="{AD5C0E02-1BA0-66C6-7689-EB7580923E66}"/>
-              </a:ext>
-            </a:extLst>
-          </p:cNvPr>
-          <p:cNvSpPr txBox="1"/>
-          <p:nvPr/>
-        </p:nvSpPr>
-        <p:spPr>
-          <a:xfrm>
-            <a:off x="8162223" y="500514"/>
-            <a:ext cx="1944303" cy="369332"/>
-          </a:xfrm>
-          <a:prstGeom prst="rect">
-            <a:avLst/>
-          </a:prstGeom>
-          <a:noFill/>
-        </p:spPr>
-        <p:txBody>
-          <a:bodyPr wrap="square" rtlCol="0">
-            <a:spAutoFit/>
-          </a:bodyPr>
-          <a:lstStyle/>
-          <a:p>
-            <a:r>
-              <a:rPr lang="en-IN" dirty="0"/>
-              <a:t>25-07-2022</a:t>
-            </a:r>
-          </a:p>
-        </p:txBody>
-      </p:sp>
     </p:spTree>
     <p:extLst>
       <p:ext uri="{BB962C8B-B14F-4D97-AF65-F5344CB8AC3E}">
@@ -6715,13 +6680,6 @@
                 <a:cs typeface="+mj-lt"/>
               </a:rPr>
             </a:br>
-            <a:r>
-              <a:rPr lang="en-US" sz="1400" b="1" dirty="0">
-                <a:ea typeface="+mj-lt"/>
-                <a:cs typeface="+mj-lt"/>
-              </a:rPr>
-              <a:t>https://www.w3schools.com/cs/cs_output.php</a:t>
-            </a:r>
             <a:endParaRPr lang="en-US" sz="1400" dirty="0"/>
           </a:p>
         </p:txBody>
@@ -8094,41 +8052,6 @@
           </a:p>
         </p:txBody>
       </p:sp>
-      <p:sp>
-        <p:nvSpPr>
-          <p:cNvPr id="4" name="TextBox 3">
-            <a:extLst>
-              <a:ext uri="{FF2B5EF4-FFF2-40B4-BE49-F238E27FC236}">
-                <a16:creationId xmlns:a16="http://schemas.microsoft.com/office/drawing/2014/main" id="{DC125E3C-57A5-20CE-1994-D46736E4DF7D}"/>
-              </a:ext>
-            </a:extLst>
-          </p:cNvPr>
-          <p:cNvSpPr txBox="1"/>
-          <p:nvPr/>
-        </p:nvSpPr>
-        <p:spPr>
-          <a:xfrm>
-            <a:off x="8162223" y="500514"/>
-            <a:ext cx="1944303" cy="369332"/>
-          </a:xfrm>
-          <a:prstGeom prst="rect">
-            <a:avLst/>
-          </a:prstGeom>
-          <a:noFill/>
-        </p:spPr>
-        <p:txBody>
-          <a:bodyPr wrap="square" rtlCol="0">
-            <a:spAutoFit/>
-          </a:bodyPr>
-          <a:lstStyle/>
-          <a:p>
-            <a:r>
-              <a:rPr lang="en-IN" dirty="0"/>
-              <a:t>28-07-2022</a:t>
-            </a:r>
-          </a:p>
-        </p:txBody>
-      </p:sp>
     </p:spTree>
     <p:extLst>
       <p:ext uri="{BB962C8B-B14F-4D97-AF65-F5344CB8AC3E}">
@@ -8424,41 +8347,6 @@
               <a:t>Method Overloading</a:t>
             </a:r>
             <a:endParaRPr lang="en-US" sz="2600" dirty="0"/>
-          </a:p>
-        </p:txBody>
-      </p:sp>
-      <p:sp>
-        <p:nvSpPr>
-          <p:cNvPr id="3" name="TextBox 2">
-            <a:extLst>
-              <a:ext uri="{FF2B5EF4-FFF2-40B4-BE49-F238E27FC236}">
-                <a16:creationId xmlns:a16="http://schemas.microsoft.com/office/drawing/2014/main" id="{019B760A-39CC-1E88-D764-311D08F4A4A0}"/>
-              </a:ext>
-            </a:extLst>
-          </p:cNvPr>
-          <p:cNvSpPr txBox="1"/>
-          <p:nvPr/>
-        </p:nvSpPr>
-        <p:spPr>
-          <a:xfrm>
-            <a:off x="8162223" y="500514"/>
-            <a:ext cx="1944303" cy="369332"/>
-          </a:xfrm>
-          <a:prstGeom prst="rect">
-            <a:avLst/>
-          </a:prstGeom>
-          <a:noFill/>
-        </p:spPr>
-        <p:txBody>
-          <a:bodyPr wrap="square" rtlCol="0">
-            <a:spAutoFit/>
-          </a:bodyPr>
-          <a:lstStyle/>
-          <a:p>
-            <a:r>
-              <a:rPr lang="en-IN" dirty="0"/>
-              <a:t>28-07-2022</a:t>
-            </a:r>
           </a:p>
         </p:txBody>
       </p:sp>

--- a/Notes/Day2_26_07_2022.pptx
+++ b/Notes/Day2_26_07_2022.pptx
@@ -314,7 +314,7 @@
           <a:p>
             <a:fld id="{4AAD347D-5ACD-4C99-B74B-A9C85AD731AF}" type="datetimeFigureOut">
               <a:rPr lang="en-US" dirty="0"/>
-              <a:t>7/30/2022</a:t>
+              <a:t>7/31/2022</a:t>
             </a:fld>
             <a:endParaRPr lang="en-US" dirty="0"/>
           </a:p>
@@ -584,7 +584,7 @@
           <a:p>
             <a:fld id="{4509A250-FF31-4206-8172-F9D3106AACB1}" type="datetimeFigureOut">
               <a:rPr lang="en-US" dirty="0"/>
-              <a:t>7/30/2022</a:t>
+              <a:t>7/31/2022</a:t>
             </a:fld>
             <a:endParaRPr lang="en-US" dirty="0"/>
           </a:p>
@@ -777,7 +777,7 @@
           <a:p>
             <a:fld id="{4509A250-FF31-4206-8172-F9D3106AACB1}" type="datetimeFigureOut">
               <a:rPr lang="en-US" dirty="0"/>
-              <a:t>7/30/2022</a:t>
+              <a:t>7/31/2022</a:t>
             </a:fld>
             <a:endParaRPr lang="en-US" dirty="0"/>
           </a:p>
@@ -1049,7 +1049,7 @@
           <a:p>
             <a:fld id="{4509A250-FF31-4206-8172-F9D3106AACB1}" type="datetimeFigureOut">
               <a:rPr lang="en-US" dirty="0"/>
-              <a:t>7/30/2022</a:t>
+              <a:t>7/31/2022</a:t>
             </a:fld>
             <a:endParaRPr lang="en-US" dirty="0"/>
           </a:p>
@@ -1389,7 +1389,7 @@
           <a:p>
             <a:fld id="{4509A250-FF31-4206-8172-F9D3106AACB1}" type="datetimeFigureOut">
               <a:rPr lang="en-US" dirty="0"/>
-              <a:t>7/30/2022</a:t>
+              <a:t>7/31/2022</a:t>
             </a:fld>
             <a:endParaRPr lang="en-US" dirty="0"/>
           </a:p>
@@ -2011,7 +2011,7 @@
           <a:p>
             <a:fld id="{4509A250-FF31-4206-8172-F9D3106AACB1}" type="datetimeFigureOut">
               <a:rPr lang="en-US" dirty="0"/>
-              <a:t>7/30/2022</a:t>
+              <a:t>7/31/2022</a:t>
             </a:fld>
             <a:endParaRPr lang="en-US" dirty="0"/>
           </a:p>
@@ -2858,7 +2858,7 @@
           <a:p>
             <a:fld id="{4509A250-FF31-4206-8172-F9D3106AACB1}" type="datetimeFigureOut">
               <a:rPr lang="en-US" dirty="0"/>
-              <a:t>7/30/2022</a:t>
+              <a:t>7/31/2022</a:t>
             </a:fld>
             <a:endParaRPr lang="en-US" dirty="0"/>
           </a:p>
@@ -3026,7 +3026,7 @@
           <a:p>
             <a:fld id="{4509A250-FF31-4206-8172-F9D3106AACB1}" type="datetimeFigureOut">
               <a:rPr lang="en-US" dirty="0"/>
-              <a:t>7/30/2022</a:t>
+              <a:t>7/31/2022</a:t>
             </a:fld>
             <a:endParaRPr lang="en-US" dirty="0"/>
           </a:p>
@@ -3204,7 +3204,7 @@
           <a:p>
             <a:fld id="{4509A250-FF31-4206-8172-F9D3106AACB1}" type="datetimeFigureOut">
               <a:rPr lang="en-US" dirty="0"/>
-              <a:t>7/30/2022</a:t>
+              <a:t>7/31/2022</a:t>
             </a:fld>
             <a:endParaRPr lang="en-US" dirty="0"/>
           </a:p>
@@ -3372,7 +3372,7 @@
           <a:p>
             <a:fld id="{4509A250-FF31-4206-8172-F9D3106AACB1}" type="datetimeFigureOut">
               <a:rPr lang="en-US" dirty="0"/>
-              <a:t>7/30/2022</a:t>
+              <a:t>7/31/2022</a:t>
             </a:fld>
             <a:endParaRPr lang="en-US" dirty="0"/>
           </a:p>
@@ -3618,7 +3618,7 @@
           <a:p>
             <a:fld id="{9796027F-7875-4030-9381-8BD8C4F21935}" type="datetimeFigureOut">
               <a:rPr lang="en-US" dirty="0"/>
-              <a:t>7/30/2022</a:t>
+              <a:t>7/31/2022</a:t>
             </a:fld>
             <a:endParaRPr lang="en-US" dirty="0"/>
           </a:p>
@@ -3907,7 +3907,7 @@
           <a:p>
             <a:fld id="{9796027F-7875-4030-9381-8BD8C4F21935}" type="datetimeFigureOut">
               <a:rPr lang="en-US" dirty="0"/>
-              <a:t>7/30/2022</a:t>
+              <a:t>7/31/2022</a:t>
             </a:fld>
             <a:endParaRPr lang="en-US" dirty="0"/>
           </a:p>
@@ -4348,7 +4348,7 @@
           <a:p>
             <a:fld id="{9796027F-7875-4030-9381-8BD8C4F21935}" type="datetimeFigureOut">
               <a:rPr lang="en-US" dirty="0"/>
-              <a:t>7/30/2022</a:t>
+              <a:t>7/31/2022</a:t>
             </a:fld>
             <a:endParaRPr lang="en-US" dirty="0"/>
           </a:p>
@@ -4465,7 +4465,7 @@
           <a:p>
             <a:fld id="{4509A250-FF31-4206-8172-F9D3106AACB1}" type="datetimeFigureOut">
               <a:rPr lang="en-US" dirty="0"/>
-              <a:t>7/30/2022</a:t>
+              <a:t>7/31/2022</a:t>
             </a:fld>
             <a:endParaRPr lang="en-US" dirty="0"/>
           </a:p>
@@ -4560,7 +4560,7 @@
           <a:p>
             <a:fld id="{4509A250-FF31-4206-8172-F9D3106AACB1}" type="datetimeFigureOut">
               <a:rPr lang="en-US" dirty="0"/>
-              <a:t>7/30/2022</a:t>
+              <a:t>7/31/2022</a:t>
             </a:fld>
             <a:endParaRPr lang="en-US" dirty="0"/>
           </a:p>
@@ -4837,7 +4837,7 @@
           <a:p>
             <a:fld id="{4509A250-FF31-4206-8172-F9D3106AACB1}" type="datetimeFigureOut">
               <a:rPr lang="en-US" dirty="0"/>
-              <a:t>7/30/2022</a:t>
+              <a:t>7/31/2022</a:t>
             </a:fld>
             <a:endParaRPr lang="en-US" dirty="0"/>
           </a:p>
@@ -5107,7 +5107,7 @@
           <a:p>
             <a:fld id="{4509A250-FF31-4206-8172-F9D3106AACB1}" type="datetimeFigureOut">
               <a:rPr lang="en-US" dirty="0"/>
-              <a:t>7/30/2022</a:t>
+              <a:t>7/31/2022</a:t>
             </a:fld>
             <a:endParaRPr lang="en-US" dirty="0"/>
           </a:p>
@@ -5534,7 +5534,7 @@
           <a:p>
             <a:fld id="{4AAD347D-5ACD-4C99-B74B-A9C85AD731AF}" type="datetimeFigureOut">
               <a:rPr lang="en-US" dirty="0"/>
-              <a:t>7/30/2022</a:t>
+              <a:t>7/31/2022</a:t>
             </a:fld>
             <a:endParaRPr lang="en-US" dirty="0"/>
           </a:p>
@@ -8220,16 +8220,63 @@
                 <a:ea typeface="+mj-lt"/>
                 <a:cs typeface="+mj-lt"/>
               </a:rPr>
-              <a:t>Math(Min, Max, Abs)</a:t>
-            </a:r>
-          </a:p>
-          <a:p>
+              <a:t>Arrays(string </a:t>
+            </a:r>
+            <a:r>
+              <a:rPr lang="en-US" sz="2600" b="1" dirty="0" err="1">
+                <a:ea typeface="+mj-lt"/>
+                <a:cs typeface="+mj-lt"/>
+              </a:rPr>
+              <a:t>arr</a:t>
+            </a:r>
             <a:r>
               <a:rPr lang="en-US" sz="2600" b="1" dirty="0">
                 <a:ea typeface="+mj-lt"/>
                 <a:cs typeface="+mj-lt"/>
               </a:rPr>
-              <a:t>While/Do Loop</a:t>
+              <a:t>, Int </a:t>
+            </a:r>
+            <a:r>
+              <a:rPr lang="en-US" sz="2600" b="1" dirty="0" err="1">
+                <a:ea typeface="+mj-lt"/>
+                <a:cs typeface="+mj-lt"/>
+              </a:rPr>
+              <a:t>arr</a:t>
+            </a:r>
+            <a:r>
+              <a:rPr lang="en-US" sz="2600" b="1" dirty="0">
+                <a:ea typeface="+mj-lt"/>
+                <a:cs typeface="+mj-lt"/>
+              </a:rPr>
+              <a:t>, foreach, sort, replace </a:t>
+            </a:r>
+            <a:r>
+              <a:rPr lang="en-US" sz="2600" b="1" dirty="0" err="1">
+                <a:ea typeface="+mj-lt"/>
+                <a:cs typeface="+mj-lt"/>
+              </a:rPr>
+              <a:t>arr</a:t>
+            </a:r>
+            <a:r>
+              <a:rPr lang="en-US" sz="2600" b="1" dirty="0">
+                <a:ea typeface="+mj-lt"/>
+                <a:cs typeface="+mj-lt"/>
+              </a:rPr>
+              <a:t> element, </a:t>
+            </a:r>
+            <a:r>
+              <a:rPr lang="en-US" sz="2600" b="1" dirty="0" err="1">
+                <a:ea typeface="+mj-lt"/>
+                <a:cs typeface="+mj-lt"/>
+              </a:rPr>
+              <a:t>Linq</a:t>
+            </a:r>
+            <a:r>
+              <a:rPr lang="en-US" sz="2600" b="1" dirty="0">
+                <a:ea typeface="+mj-lt"/>
+                <a:cs typeface="+mj-lt"/>
+              </a:rPr>
+              <a:t> – Min, max, sum)</a:t>
             </a:r>
             <a:br>
               <a:rPr lang="en-US" sz="2600" b="1" dirty="0">
@@ -8242,14 +8289,16 @@
                 <a:ea typeface="+mj-lt"/>
                 <a:cs typeface="+mj-lt"/>
               </a:rPr>
-              <a:t>For Loop/</a:t>
-            </a:r>
-            <a:r>
-              <a:rPr lang="en-US" sz="2600" b="1" dirty="0" err="1">
-                <a:ea typeface="+mj-lt"/>
-                <a:cs typeface="+mj-lt"/>
-              </a:rPr>
-              <a:t>ForEach</a:t>
+              <a:t>Math(Min, Max, Abs)</a:t>
+            </a:r>
+          </a:p>
+          <a:p>
+            <a:r>
+              <a:rPr lang="en-US" sz="2600" b="1" dirty="0">
+                <a:ea typeface="+mj-lt"/>
+                <a:cs typeface="+mj-lt"/>
+              </a:rPr>
+              <a:t>While/Do Loop</a:t>
             </a:r>
             <a:br>
               <a:rPr lang="en-US" sz="2600" b="1" dirty="0">
@@ -8262,7 +8311,14 @@
                 <a:ea typeface="+mj-lt"/>
                 <a:cs typeface="+mj-lt"/>
               </a:rPr>
-              <a:t>Break/Continue</a:t>
+              <a:t>For Loop/</a:t>
+            </a:r>
+            <a:r>
+              <a:rPr lang="en-US" sz="2600" b="1" dirty="0" err="1">
+                <a:ea typeface="+mj-lt"/>
+                <a:cs typeface="+mj-lt"/>
+              </a:rPr>
+              <a:t>ForEach</a:t>
             </a:r>
             <a:br>
               <a:rPr lang="en-US" sz="2600" b="1" dirty="0">
@@ -8275,63 +8331,14 @@
                 <a:ea typeface="+mj-lt"/>
                 <a:cs typeface="+mj-lt"/>
               </a:rPr>
-              <a:t>Arrays(string </a:t>
-            </a:r>
-            <a:r>
-              <a:rPr lang="en-US" sz="2600" b="1" dirty="0" err="1">
-                <a:ea typeface="+mj-lt"/>
-                <a:cs typeface="+mj-lt"/>
-              </a:rPr>
-              <a:t>arr</a:t>
-            </a:r>
-            <a:r>
-              <a:rPr lang="en-US" sz="2600" b="1" dirty="0">
-                <a:ea typeface="+mj-lt"/>
-                <a:cs typeface="+mj-lt"/>
-              </a:rPr>
-              <a:t>, Int </a:t>
-            </a:r>
-            <a:r>
-              <a:rPr lang="en-US" sz="2600" b="1" dirty="0" err="1">
-                <a:ea typeface="+mj-lt"/>
-                <a:cs typeface="+mj-lt"/>
-              </a:rPr>
-              <a:t>arr</a:t>
-            </a:r>
-            <a:r>
-              <a:rPr lang="en-US" sz="2600" b="1" dirty="0">
-                <a:ea typeface="+mj-lt"/>
-                <a:cs typeface="+mj-lt"/>
-              </a:rPr>
-              <a:t>, foreach, sort, replace </a:t>
-            </a:r>
-            <a:r>
-              <a:rPr lang="en-US" sz="2600" b="1" dirty="0" err="1">
-                <a:ea typeface="+mj-lt"/>
-                <a:cs typeface="+mj-lt"/>
-              </a:rPr>
-              <a:t>arr</a:t>
-            </a:r>
-            <a:r>
-              <a:rPr lang="en-US" sz="2600" b="1" dirty="0">
-                <a:ea typeface="+mj-lt"/>
-                <a:cs typeface="+mj-lt"/>
-              </a:rPr>
-              <a:t> element, </a:t>
-            </a:r>
-            <a:r>
-              <a:rPr lang="en-US" sz="2600" b="1" dirty="0" err="1">
-                <a:ea typeface="+mj-lt"/>
-                <a:cs typeface="+mj-lt"/>
-              </a:rPr>
-              <a:t>Linq</a:t>
-            </a:r>
-            <a:r>
-              <a:rPr lang="en-US" sz="2600" b="1" dirty="0">
-                <a:ea typeface="+mj-lt"/>
-                <a:cs typeface="+mj-lt"/>
-              </a:rPr>
-              <a:t> – Min, max, sum)</a:t>
+              <a:t>Break</a:t>
+            </a:r>
+            <a:r>
+              <a:rPr lang="en-US" sz="2600" b="1">
+                <a:ea typeface="+mj-lt"/>
+                <a:cs typeface="+mj-lt"/>
+              </a:rPr>
+              <a:t>/Continue</a:t>
             </a:r>
             <a:br>
               <a:rPr lang="en-US" sz="2600" b="1" dirty="0">

--- a/Notes/Day2_26_07_2022.pptx
+++ b/Notes/Day2_26_07_2022.pptx
@@ -15,6 +15,7 @@
     <p:sldId id="259" r:id="rId9"/>
     <p:sldId id="260" r:id="rId10"/>
     <p:sldId id="261" r:id="rId11"/>
+    <p:sldId id="266" r:id="rId12"/>
   </p:sldIdLst>
   <p:sldSz cx="12192000" cy="6858000"/>
   <p:notesSz cx="6858000" cy="9144000"/>
@@ -314,7 +315,7 @@
           <a:p>
             <a:fld id="{4AAD347D-5ACD-4C99-B74B-A9C85AD731AF}" type="datetimeFigureOut">
               <a:rPr lang="en-US" dirty="0"/>
-              <a:t>7/31/2022</a:t>
+              <a:t>8/3/2022</a:t>
             </a:fld>
             <a:endParaRPr lang="en-US" dirty="0"/>
           </a:p>
@@ -584,7 +585,7 @@
           <a:p>
             <a:fld id="{4509A250-FF31-4206-8172-F9D3106AACB1}" type="datetimeFigureOut">
               <a:rPr lang="en-US" dirty="0"/>
-              <a:t>7/31/2022</a:t>
+              <a:t>8/3/2022</a:t>
             </a:fld>
             <a:endParaRPr lang="en-US" dirty="0"/>
           </a:p>
@@ -777,7 +778,7 @@
           <a:p>
             <a:fld id="{4509A250-FF31-4206-8172-F9D3106AACB1}" type="datetimeFigureOut">
               <a:rPr lang="en-US" dirty="0"/>
-              <a:t>7/31/2022</a:t>
+              <a:t>8/3/2022</a:t>
             </a:fld>
             <a:endParaRPr lang="en-US" dirty="0"/>
           </a:p>
@@ -1049,7 +1050,7 @@
           <a:p>
             <a:fld id="{4509A250-FF31-4206-8172-F9D3106AACB1}" type="datetimeFigureOut">
               <a:rPr lang="en-US" dirty="0"/>
-              <a:t>7/31/2022</a:t>
+              <a:t>8/3/2022</a:t>
             </a:fld>
             <a:endParaRPr lang="en-US" dirty="0"/>
           </a:p>
@@ -1389,7 +1390,7 @@
           <a:p>
             <a:fld id="{4509A250-FF31-4206-8172-F9D3106AACB1}" type="datetimeFigureOut">
               <a:rPr lang="en-US" dirty="0"/>
-              <a:t>7/31/2022</a:t>
+              <a:t>8/3/2022</a:t>
             </a:fld>
             <a:endParaRPr lang="en-US" dirty="0"/>
           </a:p>
@@ -2011,7 +2012,7 @@
           <a:p>
             <a:fld id="{4509A250-FF31-4206-8172-F9D3106AACB1}" type="datetimeFigureOut">
               <a:rPr lang="en-US" dirty="0"/>
-              <a:t>7/31/2022</a:t>
+              <a:t>8/3/2022</a:t>
             </a:fld>
             <a:endParaRPr lang="en-US" dirty="0"/>
           </a:p>
@@ -2858,7 +2859,7 @@
           <a:p>
             <a:fld id="{4509A250-FF31-4206-8172-F9D3106AACB1}" type="datetimeFigureOut">
               <a:rPr lang="en-US" dirty="0"/>
-              <a:t>7/31/2022</a:t>
+              <a:t>8/3/2022</a:t>
             </a:fld>
             <a:endParaRPr lang="en-US" dirty="0"/>
           </a:p>
@@ -3026,7 +3027,7 @@
           <a:p>
             <a:fld id="{4509A250-FF31-4206-8172-F9D3106AACB1}" type="datetimeFigureOut">
               <a:rPr lang="en-US" dirty="0"/>
-              <a:t>7/31/2022</a:t>
+              <a:t>8/3/2022</a:t>
             </a:fld>
             <a:endParaRPr lang="en-US" dirty="0"/>
           </a:p>
@@ -3204,7 +3205,7 @@
           <a:p>
             <a:fld id="{4509A250-FF31-4206-8172-F9D3106AACB1}" type="datetimeFigureOut">
               <a:rPr lang="en-US" dirty="0"/>
-              <a:t>7/31/2022</a:t>
+              <a:t>8/3/2022</a:t>
             </a:fld>
             <a:endParaRPr lang="en-US" dirty="0"/>
           </a:p>
@@ -3372,7 +3373,7 @@
           <a:p>
             <a:fld id="{4509A250-FF31-4206-8172-F9D3106AACB1}" type="datetimeFigureOut">
               <a:rPr lang="en-US" dirty="0"/>
-              <a:t>7/31/2022</a:t>
+              <a:t>8/3/2022</a:t>
             </a:fld>
             <a:endParaRPr lang="en-US" dirty="0"/>
           </a:p>
@@ -3618,7 +3619,7 @@
           <a:p>
             <a:fld id="{9796027F-7875-4030-9381-8BD8C4F21935}" type="datetimeFigureOut">
               <a:rPr lang="en-US" dirty="0"/>
-              <a:t>7/31/2022</a:t>
+              <a:t>8/3/2022</a:t>
             </a:fld>
             <a:endParaRPr lang="en-US" dirty="0"/>
           </a:p>
@@ -3907,7 +3908,7 @@
           <a:p>
             <a:fld id="{9796027F-7875-4030-9381-8BD8C4F21935}" type="datetimeFigureOut">
               <a:rPr lang="en-US" dirty="0"/>
-              <a:t>7/31/2022</a:t>
+              <a:t>8/3/2022</a:t>
             </a:fld>
             <a:endParaRPr lang="en-US" dirty="0"/>
           </a:p>
@@ -4348,7 +4349,7 @@
           <a:p>
             <a:fld id="{9796027F-7875-4030-9381-8BD8C4F21935}" type="datetimeFigureOut">
               <a:rPr lang="en-US" dirty="0"/>
-              <a:t>7/31/2022</a:t>
+              <a:t>8/3/2022</a:t>
             </a:fld>
             <a:endParaRPr lang="en-US" dirty="0"/>
           </a:p>
@@ -4465,7 +4466,7 @@
           <a:p>
             <a:fld id="{4509A250-FF31-4206-8172-F9D3106AACB1}" type="datetimeFigureOut">
               <a:rPr lang="en-US" dirty="0"/>
-              <a:t>7/31/2022</a:t>
+              <a:t>8/3/2022</a:t>
             </a:fld>
             <a:endParaRPr lang="en-US" dirty="0"/>
           </a:p>
@@ -4560,7 +4561,7 @@
           <a:p>
             <a:fld id="{4509A250-FF31-4206-8172-F9D3106AACB1}" type="datetimeFigureOut">
               <a:rPr lang="en-US" dirty="0"/>
-              <a:t>7/31/2022</a:t>
+              <a:t>8/3/2022</a:t>
             </a:fld>
             <a:endParaRPr lang="en-US" dirty="0"/>
           </a:p>
@@ -4837,7 +4838,7 @@
           <a:p>
             <a:fld id="{4509A250-FF31-4206-8172-F9D3106AACB1}" type="datetimeFigureOut">
               <a:rPr lang="en-US" dirty="0"/>
-              <a:t>7/31/2022</a:t>
+              <a:t>8/3/2022</a:t>
             </a:fld>
             <a:endParaRPr lang="en-US" dirty="0"/>
           </a:p>
@@ -5107,7 +5108,7 @@
           <a:p>
             <a:fld id="{4509A250-FF31-4206-8172-F9D3106AACB1}" type="datetimeFigureOut">
               <a:rPr lang="en-US" dirty="0"/>
-              <a:t>7/31/2022</a:t>
+              <a:t>8/3/2022</a:t>
             </a:fld>
             <a:endParaRPr lang="en-US" dirty="0"/>
           </a:p>
@@ -5534,7 +5535,7 @@
           <a:p>
             <a:fld id="{4AAD347D-5ACD-4C99-B74B-A9C85AD731AF}" type="datetimeFigureOut">
               <a:rPr lang="en-US" dirty="0"/>
-              <a:t>7/31/2022</a:t>
+              <a:t>8/3/2022</a:t>
             </a:fld>
             <a:endParaRPr lang="en-US" dirty="0"/>
           </a:p>
@@ -6426,11 +6427,11 @@
               </a:rPr>
             </a:br>
             <a:r>
-              <a:rPr lang="en-US" sz="1400" b="1" dirty="0">
-                <a:ea typeface="+mj-lt"/>
-                <a:cs typeface="+mj-lt"/>
-              </a:rPr>
-              <a:t>OOP</a:t>
+              <a:rPr lang="en-US" sz="1400" b="1" u="sng" dirty="0">
+                <a:ea typeface="+mj-lt"/>
+                <a:cs typeface="+mj-lt"/>
+              </a:rPr>
+              <a:t>OOPs:</a:t>
             </a:r>
             <a:br>
               <a:rPr lang="en-US" sz="1400" b="1" dirty="0">
@@ -6482,7 +6483,7 @@
                 <a:ea typeface="+mj-lt"/>
                 <a:cs typeface="+mj-lt"/>
               </a:rPr>
-              <a:t>Access Modifiers</a:t>
+              <a:t>Access Modifiers(Private, Public, Protected, Internal - Assemblies)</a:t>
             </a:r>
             <a:br>
               <a:rPr lang="en-US" sz="1400" b="1" dirty="0">
@@ -6495,16 +6496,7 @@
                 <a:ea typeface="+mj-lt"/>
                 <a:cs typeface="+mj-lt"/>
               </a:rPr>
-              <a:t>Classes</a:t>
-            </a:r>
-          </a:p>
-          <a:p>
-            <a:r>
-              <a:rPr lang="en-US" sz="1400" b="1" dirty="0">
-                <a:ea typeface="+mj-lt"/>
-                <a:cs typeface="+mj-lt"/>
-              </a:rPr>
-              <a:t>Properties</a:t>
+              <a:t>Assemblies(Private, Public, Satellite – Resource)</a:t>
             </a:r>
             <a:br>
               <a:rPr lang="en-US" sz="1400" b="1" dirty="0">
@@ -6517,7 +6509,16 @@
                 <a:ea typeface="+mj-lt"/>
                 <a:cs typeface="+mj-lt"/>
               </a:rPr>
-              <a:t>Inheritance</a:t>
+              <a:t>Classes (abstract class, sealed class, static class, partial class)</a:t>
+            </a:r>
+          </a:p>
+          <a:p>
+            <a:r>
+              <a:rPr lang="en-US" sz="1400" b="1" dirty="0">
+                <a:ea typeface="+mj-lt"/>
+                <a:cs typeface="+mj-lt"/>
+              </a:rPr>
+              <a:t>Properties</a:t>
             </a:r>
             <a:br>
               <a:rPr lang="en-US" sz="1400" b="1" dirty="0">
@@ -6530,7 +6531,7 @@
                 <a:ea typeface="+mj-lt"/>
                 <a:cs typeface="+mj-lt"/>
               </a:rPr>
-              <a:t>Polymorphism</a:t>
+              <a:t>Inheritance</a:t>
             </a:r>
             <a:br>
               <a:rPr lang="en-US" sz="1400" b="1" dirty="0">
@@ -6543,7 +6544,7 @@
                 <a:ea typeface="+mj-lt"/>
                 <a:cs typeface="+mj-lt"/>
               </a:rPr>
-              <a:t>Abstraction</a:t>
+              <a:t>Polymorphism</a:t>
             </a:r>
             <a:br>
               <a:rPr lang="en-US" sz="1400" b="1" dirty="0">
@@ -6556,7 +6557,7 @@
                 <a:ea typeface="+mj-lt"/>
                 <a:cs typeface="+mj-lt"/>
               </a:rPr>
-              <a:t>Interface</a:t>
+              <a:t>Abstraction</a:t>
             </a:r>
             <a:br>
               <a:rPr lang="en-US" sz="1400" b="1" dirty="0">
@@ -6569,7 +6570,7 @@
                 <a:ea typeface="+mj-lt"/>
                 <a:cs typeface="+mj-lt"/>
               </a:rPr>
-              <a:t>Enums</a:t>
+              <a:t>Interface</a:t>
             </a:r>
             <a:br>
               <a:rPr lang="en-US" sz="1400" b="1" dirty="0">
@@ -6582,7 +6583,7 @@
                 <a:ea typeface="+mj-lt"/>
                 <a:cs typeface="+mj-lt"/>
               </a:rPr>
-              <a:t>Files</a:t>
+              <a:t>Enums</a:t>
             </a:r>
             <a:br>
               <a:rPr lang="en-US" sz="1400" b="1" dirty="0">
@@ -6595,7 +6596,7 @@
                 <a:ea typeface="+mj-lt"/>
                 <a:cs typeface="+mj-lt"/>
               </a:rPr>
-              <a:t>Exceptions</a:t>
+              <a:t>Files</a:t>
             </a:r>
             <a:br>
               <a:rPr lang="en-US" sz="1400" b="1" dirty="0">
@@ -6603,70 +6604,12 @@
                 <a:cs typeface="+mj-lt"/>
               </a:rPr>
             </a:br>
-            <a:br>
+            <a:r>
               <a:rPr lang="en-US" sz="1400" b="1" dirty="0">
                 <a:ea typeface="+mj-lt"/>
                 <a:cs typeface="+mj-lt"/>
               </a:rPr>
-            </a:br>
-            <a:r>
-              <a:rPr lang="en-US" sz="1400" b="1" dirty="0">
-                <a:ea typeface="+mj-lt"/>
-                <a:cs typeface="+mj-lt"/>
-              </a:rPr>
-              <a:t>Namespace</a:t>
-            </a:r>
-            <a:br>
-              <a:rPr lang="en-US" sz="1400" b="1" dirty="0">
-                <a:ea typeface="+mj-lt"/>
-                <a:cs typeface="+mj-lt"/>
-              </a:rPr>
-            </a:br>
-            <a:r>
-              <a:rPr lang="en-US" sz="1400" b="1" dirty="0">
-                <a:ea typeface="+mj-lt"/>
-                <a:cs typeface="+mj-lt"/>
-              </a:rPr>
-              <a:t>Class</a:t>
-            </a:r>
-            <a:br>
-              <a:rPr lang="en-US" sz="1400" b="1" dirty="0">
-                <a:ea typeface="+mj-lt"/>
-                <a:cs typeface="+mj-lt"/>
-              </a:rPr>
-            </a:br>
-            <a:r>
-              <a:rPr lang="en-US" sz="1400" b="1" dirty="0">
-                <a:ea typeface="+mj-lt"/>
-                <a:cs typeface="+mj-lt"/>
-              </a:rPr>
-              <a:t>Object</a:t>
-            </a:r>
-            <a:br>
-              <a:rPr lang="en-US" sz="1400" b="1" dirty="0">
-                <a:ea typeface="+mj-lt"/>
-                <a:cs typeface="+mj-lt"/>
-              </a:rPr>
-            </a:br>
-            <a:r>
-              <a:rPr lang="en-US" sz="1400" b="1" dirty="0">
-                <a:ea typeface="+mj-lt"/>
-                <a:cs typeface="+mj-lt"/>
-              </a:rPr>
-              <a:t>Method</a:t>
-            </a:r>
-            <a:br>
-              <a:rPr lang="en-US" sz="1400" b="1" dirty="0">
-                <a:ea typeface="+mj-lt"/>
-                <a:cs typeface="+mj-lt"/>
-              </a:rPr>
-            </a:br>
-            <a:r>
-              <a:rPr lang="en-US" sz="1400" b="1" dirty="0">
-                <a:ea typeface="+mj-lt"/>
-                <a:cs typeface="+mj-lt"/>
-              </a:rPr>
-              <a:t>Property { Get; Set; }</a:t>
+              <a:t>Exceptions</a:t>
             </a:r>
             <a:br>
               <a:rPr lang="en-US" sz="1400" b="1" dirty="0">
@@ -6688,6 +6631,116 @@
     <p:extLst>
       <p:ext uri="{BB962C8B-B14F-4D97-AF65-F5344CB8AC3E}">
         <p14:creationId xmlns:p14="http://schemas.microsoft.com/office/powerpoint/2010/main" val="31527211"/>
+      </p:ext>
+    </p:extLst>
+  </p:cSld>
+  <p:clrMapOvr>
+    <a:masterClrMapping/>
+  </p:clrMapOvr>
+</p:sld>
+</file>
+
+<file path=ppt/slides/slide11.xml><?xml version="1.0" encoding="utf-8"?>
+<p:sld xmlns:a="http://schemas.openxmlformats.org/drawingml/2006/main" xmlns:r="http://schemas.openxmlformats.org/officeDocument/2006/relationships" xmlns:p="http://schemas.openxmlformats.org/presentationml/2006/main">
+  <p:cSld>
+    <p:spTree>
+      <p:nvGrpSpPr>
+        <p:cNvPr id="1" name=""/>
+        <p:cNvGrpSpPr/>
+        <p:nvPr/>
+      </p:nvGrpSpPr>
+      <p:grpSpPr>
+        <a:xfrm>
+          <a:off x="0" y="0"/>
+          <a:ext cx="0" cy="0"/>
+          <a:chOff x="0" y="0"/>
+          <a:chExt cx="0" cy="0"/>
+        </a:xfrm>
+      </p:grpSpPr>
+      <p:sp>
+        <p:nvSpPr>
+          <p:cNvPr id="2" name="Title 1">
+            <a:extLst>
+              <a:ext uri="{FF2B5EF4-FFF2-40B4-BE49-F238E27FC236}">
+                <a16:creationId xmlns:a16="http://schemas.microsoft.com/office/drawing/2014/main" id="{28A10FDF-E5DA-5279-CF10-385E9C4BE85C}"/>
+              </a:ext>
+            </a:extLst>
+          </p:cNvPr>
+          <p:cNvSpPr>
+            <a:spLocks noGrp="1"/>
+          </p:cNvSpPr>
+          <p:nvPr>
+            <p:ph type="title"/>
+          </p:nvPr>
+        </p:nvSpPr>
+        <p:spPr>
+          <a:xfrm>
+            <a:off x="646111" y="452718"/>
+            <a:ext cx="10403691" cy="5245438"/>
+          </a:xfrm>
+        </p:spPr>
+        <p:txBody>
+          <a:bodyPr/>
+          <a:lstStyle/>
+          <a:p>
+            <a:r>
+              <a:rPr lang="en-US" b="1" dirty="0"/>
+              <a:t>What </a:t>
+            </a:r>
+            <a:r>
+              <a:rPr lang="en-US" dirty="0"/>
+              <a:t>– Early beginner</a:t>
+            </a:r>
+            <a:br>
+              <a:rPr lang="en-US" b="1" dirty="0"/>
+            </a:br>
+            <a:br>
+              <a:rPr lang="en-US" b="1" dirty="0"/>
+            </a:br>
+            <a:r>
+              <a:rPr lang="en-US" b="1" dirty="0"/>
+              <a:t>How</a:t>
+            </a:r>
+            <a:r>
+              <a:rPr lang="en-US" dirty="0"/>
+              <a:t> – Beginner</a:t>
+            </a:r>
+            <a:br>
+              <a:rPr lang="en-US" dirty="0"/>
+            </a:br>
+            <a:br>
+              <a:rPr lang="en-US" dirty="0"/>
+            </a:br>
+            <a:r>
+              <a:rPr lang="en-US" b="1" dirty="0"/>
+              <a:t>Why</a:t>
+            </a:r>
+            <a:r>
+              <a:rPr lang="en-US" dirty="0"/>
+              <a:t> – Intermediate - Critical because of understanding the concept</a:t>
+            </a:r>
+            <a:br>
+              <a:rPr lang="en-US" dirty="0"/>
+            </a:br>
+            <a:br>
+              <a:rPr lang="en-US" dirty="0"/>
+            </a:br>
+            <a:r>
+              <a:rPr lang="en-US" b="1" dirty="0"/>
+              <a:t>Why not</a:t>
+            </a:r>
+            <a:r>
+              <a:rPr lang="en-US" dirty="0"/>
+              <a:t> – Advance </a:t>
+            </a:r>
+            <a:endParaRPr lang="en-IN" dirty="0"/>
+          </a:p>
+        </p:txBody>
+      </p:sp>
+    </p:spTree>
+    <p:extLst>
+      <p:ext uri="{BB962C8B-B14F-4D97-AF65-F5344CB8AC3E}">
+        <p14:creationId xmlns:p14="http://schemas.microsoft.com/office/powerpoint/2010/main" val="315407829"/>
       </p:ext>
     </p:extLst>
   </p:cSld>
@@ -8289,16 +8342,14 @@
                 <a:ea typeface="+mj-lt"/>
                 <a:cs typeface="+mj-lt"/>
               </a:rPr>
-              <a:t>Math(Min, Max, Abs)</a:t>
-            </a:r>
-          </a:p>
-          <a:p>
-            <a:r>
-              <a:rPr lang="en-US" sz="2600" b="1" dirty="0">
-                <a:ea typeface="+mj-lt"/>
-                <a:cs typeface="+mj-lt"/>
-              </a:rPr>
-              <a:t>While/Do Loop</a:t>
+              <a:t>For Loop/</a:t>
+            </a:r>
+            <a:r>
+              <a:rPr lang="en-US" sz="2600" b="1" dirty="0" err="1">
+                <a:ea typeface="+mj-lt"/>
+                <a:cs typeface="+mj-lt"/>
+              </a:rPr>
+              <a:t>ForEach</a:t>
             </a:r>
             <a:br>
               <a:rPr lang="en-US" sz="2600" b="1" dirty="0">
@@ -8311,14 +8362,16 @@
                 <a:ea typeface="+mj-lt"/>
                 <a:cs typeface="+mj-lt"/>
               </a:rPr>
-              <a:t>For Loop/</a:t>
-            </a:r>
-            <a:r>
-              <a:rPr lang="en-US" sz="2600" b="1" dirty="0" err="1">
-                <a:ea typeface="+mj-lt"/>
-                <a:cs typeface="+mj-lt"/>
-              </a:rPr>
-              <a:t>ForEach</a:t>
+              <a:t>Math(Min, Max, Abs)</a:t>
+            </a:r>
+          </a:p>
+          <a:p>
+            <a:r>
+              <a:rPr lang="en-US" sz="2600" b="1" dirty="0">
+                <a:ea typeface="+mj-lt"/>
+                <a:cs typeface="+mj-lt"/>
+              </a:rPr>
+              <a:t>While/Do Loop</a:t>
             </a:r>
             <a:br>
               <a:rPr lang="en-US" sz="2600" b="1" dirty="0">
@@ -8331,14 +8384,7 @@
                 <a:ea typeface="+mj-lt"/>
                 <a:cs typeface="+mj-lt"/>
               </a:rPr>
-              <a:t>Break</a:t>
-            </a:r>
-            <a:r>
-              <a:rPr lang="en-US" sz="2600" b="1">
-                <a:ea typeface="+mj-lt"/>
-                <a:cs typeface="+mj-lt"/>
-              </a:rPr>
-              <a:t>/Continue</a:t>
+              <a:t>Break/Continue</a:t>
             </a:r>
             <a:br>
               <a:rPr lang="en-US" sz="2600" b="1" dirty="0">

--- a/Notes/Day2_26_07_2022.pptx
+++ b/Notes/Day2_26_07_2022.pptx
@@ -6453,7 +6453,7 @@
               </a:rPr>
             </a:br>
             <a:r>
-              <a:rPr lang="en-US" sz="1400" b="1" dirty="0">
+              <a:rPr lang="en-US" sz="1400" b="1">
                 <a:ea typeface="+mj-lt"/>
                 <a:cs typeface="+mj-lt"/>
               </a:rPr>
@@ -6470,7 +6470,7 @@
                 <a:ea typeface="+mj-lt"/>
                 <a:cs typeface="+mj-lt"/>
               </a:rPr>
-              <a:t>Constructors</a:t>
+              <a:t>Access Modifiers(Private, Public, Protected, Internal - Assemblies)</a:t>
             </a:r>
             <a:br>
               <a:rPr lang="en-US" sz="1400" b="1" dirty="0">
@@ -6483,7 +6483,7 @@
                 <a:ea typeface="+mj-lt"/>
                 <a:cs typeface="+mj-lt"/>
               </a:rPr>
-              <a:t>Access Modifiers(Private, Public, Protected, Internal - Assemblies)</a:t>
+              <a:t>Assemblies(Private, Public, Satellite – Resource)</a:t>
             </a:r>
             <a:br>
               <a:rPr lang="en-US" sz="1400" b="1" dirty="0">
@@ -6496,21 +6496,32 @@
                 <a:ea typeface="+mj-lt"/>
                 <a:cs typeface="+mj-lt"/>
               </a:rPr>
-              <a:t>Assemblies(Private, Public, Satellite – Resource)</a:t>
+              <a:t>Classes (abstract class, sealed class, static class, partial </a:t>
+            </a:r>
+            <a:r>
+              <a:rPr lang="en-US" sz="1400" b="1">
+                <a:ea typeface="+mj-lt"/>
+                <a:cs typeface="+mj-lt"/>
+              </a:rPr>
+              <a:t>class)</a:t>
             </a:r>
             <a:br>
-              <a:rPr lang="en-US" sz="1400" b="1" dirty="0">
+              <a:rPr lang="en-US" sz="1400" b="1">
                 <a:ea typeface="+mj-lt"/>
                 <a:cs typeface="+mj-lt"/>
               </a:rPr>
             </a:br>
             <a:r>
-              <a:rPr lang="en-US" sz="1400" b="1" dirty="0">
-                <a:ea typeface="+mj-lt"/>
-                <a:cs typeface="+mj-lt"/>
-              </a:rPr>
-              <a:t>Classes (abstract class, sealed class, static class, partial class)</a:t>
-            </a:r>
+              <a:rPr lang="en-US" sz="1400" b="1">
+                <a:ea typeface="+mj-lt"/>
+                <a:cs typeface="+mj-lt"/>
+              </a:rPr>
+              <a:t>Constructors</a:t>
+            </a:r>
+            <a:endParaRPr lang="en-US" sz="1400" b="1" dirty="0">
+              <a:ea typeface="+mj-lt"/>
+              <a:cs typeface="+mj-lt"/>
+            </a:endParaRPr>
           </a:p>
           <a:p>
             <a:r>

--- a/Notes/Day2_26_07_2022.pptx
+++ b/Notes/Day2_26_07_2022.pptx
@@ -315,7 +315,7 @@
           <a:p>
             <a:fld id="{4AAD347D-5ACD-4C99-B74B-A9C85AD731AF}" type="datetimeFigureOut">
               <a:rPr lang="en-US" dirty="0"/>
-              <a:t>8/3/2022</a:t>
+              <a:t>8/4/2022</a:t>
             </a:fld>
             <a:endParaRPr lang="en-US" dirty="0"/>
           </a:p>
@@ -585,7 +585,7 @@
           <a:p>
             <a:fld id="{4509A250-FF31-4206-8172-F9D3106AACB1}" type="datetimeFigureOut">
               <a:rPr lang="en-US" dirty="0"/>
-              <a:t>8/3/2022</a:t>
+              <a:t>8/4/2022</a:t>
             </a:fld>
             <a:endParaRPr lang="en-US" dirty="0"/>
           </a:p>
@@ -778,7 +778,7 @@
           <a:p>
             <a:fld id="{4509A250-FF31-4206-8172-F9D3106AACB1}" type="datetimeFigureOut">
               <a:rPr lang="en-US" dirty="0"/>
-              <a:t>8/3/2022</a:t>
+              <a:t>8/4/2022</a:t>
             </a:fld>
             <a:endParaRPr lang="en-US" dirty="0"/>
           </a:p>
@@ -1050,7 +1050,7 @@
           <a:p>
             <a:fld id="{4509A250-FF31-4206-8172-F9D3106AACB1}" type="datetimeFigureOut">
               <a:rPr lang="en-US" dirty="0"/>
-              <a:t>8/3/2022</a:t>
+              <a:t>8/4/2022</a:t>
             </a:fld>
             <a:endParaRPr lang="en-US" dirty="0"/>
           </a:p>
@@ -1390,7 +1390,7 @@
           <a:p>
             <a:fld id="{4509A250-FF31-4206-8172-F9D3106AACB1}" type="datetimeFigureOut">
               <a:rPr lang="en-US" dirty="0"/>
-              <a:t>8/3/2022</a:t>
+              <a:t>8/4/2022</a:t>
             </a:fld>
             <a:endParaRPr lang="en-US" dirty="0"/>
           </a:p>
@@ -2012,7 +2012,7 @@
           <a:p>
             <a:fld id="{4509A250-FF31-4206-8172-F9D3106AACB1}" type="datetimeFigureOut">
               <a:rPr lang="en-US" dirty="0"/>
-              <a:t>8/3/2022</a:t>
+              <a:t>8/4/2022</a:t>
             </a:fld>
             <a:endParaRPr lang="en-US" dirty="0"/>
           </a:p>
@@ -2859,7 +2859,7 @@
           <a:p>
             <a:fld id="{4509A250-FF31-4206-8172-F9D3106AACB1}" type="datetimeFigureOut">
               <a:rPr lang="en-US" dirty="0"/>
-              <a:t>8/3/2022</a:t>
+              <a:t>8/4/2022</a:t>
             </a:fld>
             <a:endParaRPr lang="en-US" dirty="0"/>
           </a:p>
@@ -3027,7 +3027,7 @@
           <a:p>
             <a:fld id="{4509A250-FF31-4206-8172-F9D3106AACB1}" type="datetimeFigureOut">
               <a:rPr lang="en-US" dirty="0"/>
-              <a:t>8/3/2022</a:t>
+              <a:t>8/4/2022</a:t>
             </a:fld>
             <a:endParaRPr lang="en-US" dirty="0"/>
           </a:p>
@@ -3205,7 +3205,7 @@
           <a:p>
             <a:fld id="{4509A250-FF31-4206-8172-F9D3106AACB1}" type="datetimeFigureOut">
               <a:rPr lang="en-US" dirty="0"/>
-              <a:t>8/3/2022</a:t>
+              <a:t>8/4/2022</a:t>
             </a:fld>
             <a:endParaRPr lang="en-US" dirty="0"/>
           </a:p>
@@ -3373,7 +3373,7 @@
           <a:p>
             <a:fld id="{4509A250-FF31-4206-8172-F9D3106AACB1}" type="datetimeFigureOut">
               <a:rPr lang="en-US" dirty="0"/>
-              <a:t>8/3/2022</a:t>
+              <a:t>8/4/2022</a:t>
             </a:fld>
             <a:endParaRPr lang="en-US" dirty="0"/>
           </a:p>
@@ -3619,7 +3619,7 @@
           <a:p>
             <a:fld id="{9796027F-7875-4030-9381-8BD8C4F21935}" type="datetimeFigureOut">
               <a:rPr lang="en-US" dirty="0"/>
-              <a:t>8/3/2022</a:t>
+              <a:t>8/4/2022</a:t>
             </a:fld>
             <a:endParaRPr lang="en-US" dirty="0"/>
           </a:p>
@@ -3908,7 +3908,7 @@
           <a:p>
             <a:fld id="{9796027F-7875-4030-9381-8BD8C4F21935}" type="datetimeFigureOut">
               <a:rPr lang="en-US" dirty="0"/>
-              <a:t>8/3/2022</a:t>
+              <a:t>8/4/2022</a:t>
             </a:fld>
             <a:endParaRPr lang="en-US" dirty="0"/>
           </a:p>
@@ -4349,7 +4349,7 @@
           <a:p>
             <a:fld id="{9796027F-7875-4030-9381-8BD8C4F21935}" type="datetimeFigureOut">
               <a:rPr lang="en-US" dirty="0"/>
-              <a:t>8/3/2022</a:t>
+              <a:t>8/4/2022</a:t>
             </a:fld>
             <a:endParaRPr lang="en-US" dirty="0"/>
           </a:p>
@@ -4466,7 +4466,7 @@
           <a:p>
             <a:fld id="{4509A250-FF31-4206-8172-F9D3106AACB1}" type="datetimeFigureOut">
               <a:rPr lang="en-US" dirty="0"/>
-              <a:t>8/3/2022</a:t>
+              <a:t>8/4/2022</a:t>
             </a:fld>
             <a:endParaRPr lang="en-US" dirty="0"/>
           </a:p>
@@ -4561,7 +4561,7 @@
           <a:p>
             <a:fld id="{4509A250-FF31-4206-8172-F9D3106AACB1}" type="datetimeFigureOut">
               <a:rPr lang="en-US" dirty="0"/>
-              <a:t>8/3/2022</a:t>
+              <a:t>8/4/2022</a:t>
             </a:fld>
             <a:endParaRPr lang="en-US" dirty="0"/>
           </a:p>
@@ -4838,7 +4838,7 @@
           <a:p>
             <a:fld id="{4509A250-FF31-4206-8172-F9D3106AACB1}" type="datetimeFigureOut">
               <a:rPr lang="en-US" dirty="0"/>
-              <a:t>8/3/2022</a:t>
+              <a:t>8/4/2022</a:t>
             </a:fld>
             <a:endParaRPr lang="en-US" dirty="0"/>
           </a:p>
@@ -5108,7 +5108,7 @@
           <a:p>
             <a:fld id="{4509A250-FF31-4206-8172-F9D3106AACB1}" type="datetimeFigureOut">
               <a:rPr lang="en-US" dirty="0"/>
-              <a:t>8/3/2022</a:t>
+              <a:t>8/4/2022</a:t>
             </a:fld>
             <a:endParaRPr lang="en-US" dirty="0"/>
           </a:p>
@@ -5535,7 +5535,7 @@
           <a:p>
             <a:fld id="{4AAD347D-5ACD-4C99-B74B-A9C85AD731AF}" type="datetimeFigureOut">
               <a:rPr lang="en-US" dirty="0"/>
-              <a:t>8/3/2022</a:t>
+              <a:t>8/4/2022</a:t>
             </a:fld>
             <a:endParaRPr lang="en-US" dirty="0"/>
           </a:p>
@@ -6132,7 +6132,7 @@
                 <a:ea typeface="+mj-lt"/>
                 <a:cs typeface="+mj-lt"/>
               </a:rPr>
-              <a:t> and Java</a:t>
+              <a:t>, Angular and Java</a:t>
             </a:r>
             <a:endParaRPr lang="en-US" dirty="0"/>
           </a:p>
@@ -6440,11 +6440,76 @@
               </a:rPr>
             </a:br>
             <a:r>
+              <a:rPr lang="en-US" sz="1800" b="1" dirty="0">
+                <a:ea typeface="+mj-lt"/>
+                <a:cs typeface="+mj-lt"/>
+              </a:rPr>
+              <a:t>Classes/Objects</a:t>
+            </a:r>
+            <a:br>
+              <a:rPr lang="en-US" sz="1800" b="1" dirty="0">
+                <a:ea typeface="+mj-lt"/>
+                <a:cs typeface="+mj-lt"/>
+              </a:rPr>
+            </a:br>
+            <a:r>
+              <a:rPr lang="en-US" sz="1800" b="1" dirty="0">
+                <a:ea typeface="+mj-lt"/>
+                <a:cs typeface="+mj-lt"/>
+              </a:rPr>
+              <a:t>Class Members</a:t>
+            </a:r>
+            <a:br>
+              <a:rPr lang="en-US" sz="1800" b="1" dirty="0">
+                <a:ea typeface="+mj-lt"/>
+                <a:cs typeface="+mj-lt"/>
+              </a:rPr>
+            </a:br>
+            <a:r>
+              <a:rPr lang="en-US" sz="1800" b="1" dirty="0">
+                <a:ea typeface="+mj-lt"/>
+                <a:cs typeface="+mj-lt"/>
+              </a:rPr>
+              <a:t>Access Modifiers(Private, Public, Protected, Internal - Assemblies)</a:t>
+            </a:r>
+            <a:br>
+              <a:rPr lang="en-US" sz="1800" b="1" dirty="0">
+                <a:ea typeface="+mj-lt"/>
+                <a:cs typeface="+mj-lt"/>
+              </a:rPr>
+            </a:br>
+            <a:r>
+              <a:rPr lang="en-US" sz="1800" b="1" dirty="0">
+                <a:ea typeface="+mj-lt"/>
+                <a:cs typeface="+mj-lt"/>
+              </a:rPr>
+              <a:t>Count char in an array</a:t>
+            </a:r>
+            <a:br>
+              <a:rPr lang="en-US" sz="1800" b="1" dirty="0">
+                <a:ea typeface="+mj-lt"/>
+                <a:cs typeface="+mj-lt"/>
+              </a:rPr>
+            </a:br>
+            <a:r>
+              <a:rPr lang="en-US" sz="1800" b="1" dirty="0" err="1">
+                <a:ea typeface="+mj-lt"/>
+                <a:cs typeface="+mj-lt"/>
+              </a:rPr>
+              <a:t>Inheritence</a:t>
+            </a:r>
+            <a:br>
+              <a:rPr lang="en-US" sz="1800" b="1" dirty="0">
+                <a:ea typeface="+mj-lt"/>
+                <a:cs typeface="+mj-lt"/>
+              </a:rPr>
+            </a:br>
+            <a:r>
               <a:rPr lang="en-US" sz="1400" b="1" dirty="0">
                 <a:ea typeface="+mj-lt"/>
                 <a:cs typeface="+mj-lt"/>
               </a:rPr>
-              <a:t>Classes/Objects</a:t>
+              <a:t>Single</a:t>
             </a:r>
             <a:br>
               <a:rPr lang="en-US" sz="1400" b="1" dirty="0">
@@ -6453,11 +6518,18 @@
               </a:rPr>
             </a:br>
             <a:r>
-              <a:rPr lang="en-US" sz="1400" b="1">
-                <a:ea typeface="+mj-lt"/>
-                <a:cs typeface="+mj-lt"/>
-              </a:rPr>
-              <a:t>Class Members</a:t>
+              <a:rPr lang="en-US" sz="1400" b="1" dirty="0" err="1">
+                <a:ea typeface="+mj-lt"/>
+                <a:cs typeface="+mj-lt"/>
+              </a:rPr>
+              <a:t>MultiLevel</a:t>
+            </a:r>
+            <a:r>
+              <a:rPr lang="en-US" sz="1400" b="1" dirty="0">
+                <a:ea typeface="+mj-lt"/>
+                <a:cs typeface="+mj-lt"/>
+              </a:rPr>
+              <a:t> A, B, C </a:t>
             </a:r>
             <a:br>
               <a:rPr lang="en-US" sz="1400" b="1" dirty="0">
@@ -6470,7 +6542,7 @@
                 <a:ea typeface="+mj-lt"/>
                 <a:cs typeface="+mj-lt"/>
               </a:rPr>
-              <a:t>Access Modifiers(Private, Public, Protected, Internal - Assemblies)</a:t>
+              <a:t>Hierarchical Inheritance - A, AB, AC</a:t>
             </a:r>
             <a:br>
               <a:rPr lang="en-US" sz="1400" b="1" dirty="0">
@@ -6483,7 +6555,7 @@
                 <a:ea typeface="+mj-lt"/>
                 <a:cs typeface="+mj-lt"/>
               </a:rPr>
-              <a:t>Assemblies(Private, Public, Satellite – Resource)</a:t>
+              <a:t>Multiple derived class</a:t>
             </a:r>
             <a:br>
               <a:rPr lang="en-US" sz="1400" b="1" dirty="0">
@@ -6496,40 +6568,14 @@
                 <a:ea typeface="+mj-lt"/>
                 <a:cs typeface="+mj-lt"/>
               </a:rPr>
-              <a:t>Classes (abstract class, sealed class, static class, partial </a:t>
-            </a:r>
-            <a:r>
-              <a:rPr lang="en-US" sz="1400" b="1">
-                <a:ea typeface="+mj-lt"/>
-                <a:cs typeface="+mj-lt"/>
-              </a:rPr>
-              <a:t>class)</a:t>
-            </a:r>
-            <a:br>
-              <a:rPr lang="en-US" sz="1400" b="1">
-                <a:ea typeface="+mj-lt"/>
-                <a:cs typeface="+mj-lt"/>
-              </a:rPr>
-            </a:br>
-            <a:r>
-              <a:rPr lang="en-US" sz="1400" b="1">
-                <a:ea typeface="+mj-lt"/>
-                <a:cs typeface="+mj-lt"/>
-              </a:rPr>
-              <a:t>Constructors</a:t>
-            </a:r>
-            <a:endParaRPr lang="en-US" sz="1400" b="1" dirty="0">
-              <a:ea typeface="+mj-lt"/>
-              <a:cs typeface="+mj-lt"/>
-            </a:endParaRPr>
-          </a:p>
-          <a:p>
-            <a:r>
-              <a:rPr lang="en-US" sz="1400" b="1" dirty="0">
-                <a:ea typeface="+mj-lt"/>
-                <a:cs typeface="+mj-lt"/>
-              </a:rPr>
-              <a:t>Properties</a:t>
+              <a:t>Multiple </a:t>
+            </a:r>
+            <a:r>
+              <a:rPr lang="en-US" sz="1400" b="1" dirty="0" err="1">
+                <a:ea typeface="+mj-lt"/>
+                <a:cs typeface="+mj-lt"/>
+              </a:rPr>
+              <a:t>Inheritence</a:t>
             </a:r>
             <a:br>
               <a:rPr lang="en-US" sz="1400" b="1" dirty="0">
@@ -6542,7 +6588,21 @@
                 <a:ea typeface="+mj-lt"/>
                 <a:cs typeface="+mj-lt"/>
               </a:rPr>
-              <a:t>Inheritance</a:t>
+              <a:t>Hybrid </a:t>
+            </a:r>
+            <a:r>
+              <a:rPr lang="en-US" sz="1400" b="1" dirty="0" err="1">
+                <a:ea typeface="+mj-lt"/>
+                <a:cs typeface="+mj-lt"/>
+              </a:rPr>
+              <a:t>Inheritence</a:t>
+            </a:r>
+            <a:r>
+              <a:rPr lang="en-US" sz="1400" b="1" dirty="0">
+                <a:ea typeface="+mj-lt"/>
+                <a:cs typeface="+mj-lt"/>
+              </a:rPr>
+              <a:t> A, B, ABC, ABD</a:t>
             </a:r>
             <a:br>
               <a:rPr lang="en-US" sz="1400" b="1" dirty="0">
@@ -6555,7 +6615,7 @@
                 <a:ea typeface="+mj-lt"/>
                 <a:cs typeface="+mj-lt"/>
               </a:rPr>
-              <a:t>Polymorphism</a:t>
+              <a:t>Method overriding vs Method overloading</a:t>
             </a:r>
             <a:br>
               <a:rPr lang="en-US" sz="1400" b="1" dirty="0">
@@ -6568,73 +6628,134 @@
                 <a:ea typeface="+mj-lt"/>
                 <a:cs typeface="+mj-lt"/>
               </a:rPr>
+              <a:t>Base keyword</a:t>
+            </a:r>
+            <a:br>
+              <a:rPr lang="en-US" sz="1800" b="1" dirty="0">
+                <a:ea typeface="+mj-lt"/>
+                <a:cs typeface="+mj-lt"/>
+              </a:rPr>
+            </a:br>
+            <a:r>
+              <a:rPr lang="en-US" sz="1800" b="1" dirty="0">
+                <a:ea typeface="+mj-lt"/>
+                <a:cs typeface="+mj-lt"/>
+              </a:rPr>
+              <a:t>Assemblies(Private, Public, Satellite – Resource)</a:t>
+            </a:r>
+            <a:br>
+              <a:rPr lang="en-US" sz="1800" b="1" dirty="0">
+                <a:ea typeface="+mj-lt"/>
+                <a:cs typeface="+mj-lt"/>
+              </a:rPr>
+            </a:br>
+            <a:r>
+              <a:rPr lang="en-US" sz="1800" b="1" dirty="0">
+                <a:ea typeface="+mj-lt"/>
+                <a:cs typeface="+mj-lt"/>
+              </a:rPr>
+              <a:t>Classes (abstract class, sealed class, static class, partial class)</a:t>
+            </a:r>
+            <a:br>
+              <a:rPr lang="en-US" sz="1800" b="1" dirty="0">
+                <a:ea typeface="+mj-lt"/>
+                <a:cs typeface="+mj-lt"/>
+              </a:rPr>
+            </a:br>
+            <a:r>
+              <a:rPr lang="en-US" sz="1800" b="1" dirty="0">
+                <a:ea typeface="+mj-lt"/>
+                <a:cs typeface="+mj-lt"/>
+              </a:rPr>
+              <a:t>Constructors</a:t>
+            </a:r>
+            <a:br>
+              <a:rPr lang="en-US" sz="1800" b="1" dirty="0">
+                <a:ea typeface="+mj-lt"/>
+                <a:cs typeface="+mj-lt"/>
+              </a:rPr>
+            </a:br>
+            <a:r>
+              <a:rPr lang="en-US" sz="1800" b="1" dirty="0">
+                <a:ea typeface="+mj-lt"/>
+                <a:cs typeface="+mj-lt"/>
+              </a:rPr>
+              <a:t>Collections</a:t>
+            </a:r>
+          </a:p>
+          <a:p>
+            <a:r>
+              <a:rPr lang="en-US" sz="1800" b="1" dirty="0">
+                <a:ea typeface="+mj-lt"/>
+                <a:cs typeface="+mj-lt"/>
+              </a:rPr>
+              <a:t>Properties</a:t>
+            </a:r>
+            <a:br>
+              <a:rPr lang="en-US" sz="1800" b="1" dirty="0">
+                <a:ea typeface="+mj-lt"/>
+                <a:cs typeface="+mj-lt"/>
+              </a:rPr>
+            </a:br>
+            <a:r>
+              <a:rPr lang="en-US" sz="1800" b="1" dirty="0">
+                <a:ea typeface="+mj-lt"/>
+                <a:cs typeface="+mj-lt"/>
+              </a:rPr>
+              <a:t>Polymorphism</a:t>
+            </a:r>
+            <a:br>
+              <a:rPr lang="en-US" sz="1800" b="1" dirty="0">
+                <a:ea typeface="+mj-lt"/>
+                <a:cs typeface="+mj-lt"/>
+              </a:rPr>
+            </a:br>
+            <a:r>
+              <a:rPr lang="en-US" sz="1800" b="1" dirty="0">
+                <a:ea typeface="+mj-lt"/>
+                <a:cs typeface="+mj-lt"/>
+              </a:rPr>
               <a:t>Abstraction</a:t>
             </a:r>
             <a:br>
-              <a:rPr lang="en-US" sz="1400" b="1" dirty="0">
+              <a:rPr lang="en-US" sz="1800" b="1" dirty="0">
                 <a:ea typeface="+mj-lt"/>
                 <a:cs typeface="+mj-lt"/>
               </a:rPr>
             </a:br>
             <a:r>
-              <a:rPr lang="en-US" sz="1400" b="1" dirty="0">
+              <a:rPr lang="en-US" sz="1800" b="1" dirty="0">
                 <a:ea typeface="+mj-lt"/>
                 <a:cs typeface="+mj-lt"/>
               </a:rPr>
               <a:t>Interface</a:t>
             </a:r>
             <a:br>
-              <a:rPr lang="en-US" sz="1400" b="1" dirty="0">
+              <a:rPr lang="en-US" sz="1800" b="1" dirty="0">
                 <a:ea typeface="+mj-lt"/>
                 <a:cs typeface="+mj-lt"/>
               </a:rPr>
             </a:br>
             <a:r>
-              <a:rPr lang="en-US" sz="1400" b="1" dirty="0">
-                <a:ea typeface="+mj-lt"/>
-                <a:cs typeface="+mj-lt"/>
-              </a:rPr>
-              <a:t>Enums</a:t>
+              <a:rPr lang="en-US" sz="1800" b="1" dirty="0">
+                <a:ea typeface="+mj-lt"/>
+                <a:cs typeface="+mj-lt"/>
+              </a:rPr>
+              <a:t>Enums, Files, Exceptions</a:t>
             </a:r>
             <a:br>
-              <a:rPr lang="en-US" sz="1400" b="1" dirty="0">
-                <a:ea typeface="+mj-lt"/>
-                <a:cs typeface="+mj-lt"/>
-              </a:rPr>
-            </a:br>
-            <a:r>
-              <a:rPr lang="en-US" sz="1400" b="1" dirty="0">
-                <a:ea typeface="+mj-lt"/>
-                <a:cs typeface="+mj-lt"/>
-              </a:rPr>
-              <a:t>Files</a:t>
-            </a:r>
-            <a:br>
-              <a:rPr lang="en-US" sz="1400" b="1" dirty="0">
-                <a:ea typeface="+mj-lt"/>
-                <a:cs typeface="+mj-lt"/>
-              </a:rPr>
-            </a:br>
-            <a:r>
-              <a:rPr lang="en-US" sz="1400" b="1" dirty="0">
-                <a:ea typeface="+mj-lt"/>
-                <a:cs typeface="+mj-lt"/>
-              </a:rPr>
-              <a:t>Exceptions</a:t>
-            </a:r>
-            <a:br>
-              <a:rPr lang="en-US" sz="1400" b="1" dirty="0">
+              <a:rPr lang="en-US" sz="1800" b="1" dirty="0">
                 <a:ea typeface="+mj-lt"/>
                 <a:cs typeface="+mj-lt"/>
               </a:rPr>
             </a:br>
             <a:br>
-              <a:rPr lang="en-US" sz="1400" b="1" dirty="0">
+              <a:rPr lang="en-US" sz="1800" b="1" dirty="0">
                 <a:ea typeface="+mj-lt"/>
                 <a:cs typeface="+mj-lt"/>
               </a:rPr>
             </a:br>
-            <a:endParaRPr lang="en-US" sz="1400" dirty="0"/>
+            <a:endParaRPr lang="en-US" sz="1800" dirty="0"/>
           </a:p>
         </p:txBody>
       </p:sp>

--- a/Notes/Day2_26_07_2022.pptx
+++ b/Notes/Day2_26_07_2022.pptx
@@ -6542,7 +6542,14 @@
                 <a:ea typeface="+mj-lt"/>
                 <a:cs typeface="+mj-lt"/>
               </a:rPr>
-              <a:t>Hierarchical Inheritance - A, AB, AC</a:t>
+              <a:t>Multiple </a:t>
+            </a:r>
+            <a:r>
+              <a:rPr lang="en-US" sz="1400" b="1" dirty="0" err="1">
+                <a:ea typeface="+mj-lt"/>
+                <a:cs typeface="+mj-lt"/>
+              </a:rPr>
+              <a:t>Inheritence</a:t>
             </a:r>
             <a:br>
               <a:rPr lang="en-US" sz="1400" b="1" dirty="0">
@@ -6555,54 +6562,54 @@
                 <a:ea typeface="+mj-lt"/>
                 <a:cs typeface="+mj-lt"/>
               </a:rPr>
+              <a:t>Hybrid </a:t>
+            </a:r>
+            <a:r>
+              <a:rPr lang="en-US" sz="1400" b="1" dirty="0" err="1">
+                <a:ea typeface="+mj-lt"/>
+                <a:cs typeface="+mj-lt"/>
+              </a:rPr>
+              <a:t>Inheritence</a:t>
+            </a:r>
+            <a:r>
+              <a:rPr lang="en-US" sz="1400" b="1" dirty="0">
+                <a:ea typeface="+mj-lt"/>
+                <a:cs typeface="+mj-lt"/>
+              </a:rPr>
+              <a:t> A, B, ABC</a:t>
+            </a:r>
+            <a:r>
+              <a:rPr lang="en-US" sz="1400" b="1">
+                <a:ea typeface="+mj-lt"/>
+                <a:cs typeface="+mj-lt"/>
+              </a:rPr>
+              <a:t>, ABD</a:t>
+            </a:r>
+            <a:br>
+              <a:rPr lang="en-US" sz="1400" b="1">
+                <a:ea typeface="+mj-lt"/>
+                <a:cs typeface="+mj-lt"/>
+              </a:rPr>
+            </a:br>
+            <a:r>
+              <a:rPr lang="en-US" sz="1400" b="1">
+                <a:ea typeface="+mj-lt"/>
+                <a:cs typeface="+mj-lt"/>
+              </a:rPr>
+              <a:t>Hierarchical Inheritance - A, AB, AC</a:t>
+            </a:r>
+            <a:br>
+              <a:rPr lang="en-US" sz="1400" b="1">
+                <a:ea typeface="+mj-lt"/>
+                <a:cs typeface="+mj-lt"/>
+              </a:rPr>
+            </a:br>
+            <a:r>
+              <a:rPr lang="en-US" sz="1400" b="1">
+                <a:ea typeface="+mj-lt"/>
+                <a:cs typeface="+mj-lt"/>
+              </a:rPr>
               <a:t>Multiple derived class</a:t>
-            </a:r>
-            <a:br>
-              <a:rPr lang="en-US" sz="1400" b="1" dirty="0">
-                <a:ea typeface="+mj-lt"/>
-                <a:cs typeface="+mj-lt"/>
-              </a:rPr>
-            </a:br>
-            <a:r>
-              <a:rPr lang="en-US" sz="1400" b="1" dirty="0">
-                <a:ea typeface="+mj-lt"/>
-                <a:cs typeface="+mj-lt"/>
-              </a:rPr>
-              <a:t>Multiple </a:t>
-            </a:r>
-            <a:r>
-              <a:rPr lang="en-US" sz="1400" b="1" dirty="0" err="1">
-                <a:ea typeface="+mj-lt"/>
-                <a:cs typeface="+mj-lt"/>
-              </a:rPr>
-              <a:t>Inheritence</a:t>
-            </a:r>
-            <a:br>
-              <a:rPr lang="en-US" sz="1400" b="1" dirty="0">
-                <a:ea typeface="+mj-lt"/>
-                <a:cs typeface="+mj-lt"/>
-              </a:rPr>
-            </a:br>
-            <a:r>
-              <a:rPr lang="en-US" sz="1400" b="1" dirty="0">
-                <a:ea typeface="+mj-lt"/>
-                <a:cs typeface="+mj-lt"/>
-              </a:rPr>
-              <a:t>Hybrid </a:t>
-            </a:r>
-            <a:r>
-              <a:rPr lang="en-US" sz="1400" b="1" dirty="0" err="1">
-                <a:ea typeface="+mj-lt"/>
-                <a:cs typeface="+mj-lt"/>
-              </a:rPr>
-              <a:t>Inheritence</a:t>
-            </a:r>
-            <a:r>
-              <a:rPr lang="en-US" sz="1400" b="1" dirty="0">
-                <a:ea typeface="+mj-lt"/>
-                <a:cs typeface="+mj-lt"/>
-              </a:rPr>
-              <a:t> A, B, ABC, ABD</a:t>
             </a:r>
             <a:br>
               <a:rPr lang="en-US" sz="1400" b="1" dirty="0">

--- a/Notes/Day2_26_07_2022.pptx
+++ b/Notes/Day2_26_07_2022.pptx
@@ -315,7 +315,7 @@
           <a:p>
             <a:fld id="{4AAD347D-5ACD-4C99-B74B-A9C85AD731AF}" type="datetimeFigureOut">
               <a:rPr lang="en-US" dirty="0"/>
-              <a:t>8/4/2022</a:t>
+              <a:t>8/5/2022</a:t>
             </a:fld>
             <a:endParaRPr lang="en-US" dirty="0"/>
           </a:p>
@@ -585,7 +585,7 @@
           <a:p>
             <a:fld id="{4509A250-FF31-4206-8172-F9D3106AACB1}" type="datetimeFigureOut">
               <a:rPr lang="en-US" dirty="0"/>
-              <a:t>8/4/2022</a:t>
+              <a:t>8/5/2022</a:t>
             </a:fld>
             <a:endParaRPr lang="en-US" dirty="0"/>
           </a:p>
@@ -778,7 +778,7 @@
           <a:p>
             <a:fld id="{4509A250-FF31-4206-8172-F9D3106AACB1}" type="datetimeFigureOut">
               <a:rPr lang="en-US" dirty="0"/>
-              <a:t>8/4/2022</a:t>
+              <a:t>8/5/2022</a:t>
             </a:fld>
             <a:endParaRPr lang="en-US" dirty="0"/>
           </a:p>
@@ -1050,7 +1050,7 @@
           <a:p>
             <a:fld id="{4509A250-FF31-4206-8172-F9D3106AACB1}" type="datetimeFigureOut">
               <a:rPr lang="en-US" dirty="0"/>
-              <a:t>8/4/2022</a:t>
+              <a:t>8/5/2022</a:t>
             </a:fld>
             <a:endParaRPr lang="en-US" dirty="0"/>
           </a:p>
@@ -1390,7 +1390,7 @@
           <a:p>
             <a:fld id="{4509A250-FF31-4206-8172-F9D3106AACB1}" type="datetimeFigureOut">
               <a:rPr lang="en-US" dirty="0"/>
-              <a:t>8/4/2022</a:t>
+              <a:t>8/5/2022</a:t>
             </a:fld>
             <a:endParaRPr lang="en-US" dirty="0"/>
           </a:p>
@@ -2012,7 +2012,7 @@
           <a:p>
             <a:fld id="{4509A250-FF31-4206-8172-F9D3106AACB1}" type="datetimeFigureOut">
               <a:rPr lang="en-US" dirty="0"/>
-              <a:t>8/4/2022</a:t>
+              <a:t>8/5/2022</a:t>
             </a:fld>
             <a:endParaRPr lang="en-US" dirty="0"/>
           </a:p>
@@ -2859,7 +2859,7 @@
           <a:p>
             <a:fld id="{4509A250-FF31-4206-8172-F9D3106AACB1}" type="datetimeFigureOut">
               <a:rPr lang="en-US" dirty="0"/>
-              <a:t>8/4/2022</a:t>
+              <a:t>8/5/2022</a:t>
             </a:fld>
             <a:endParaRPr lang="en-US" dirty="0"/>
           </a:p>
@@ -3027,7 +3027,7 @@
           <a:p>
             <a:fld id="{4509A250-FF31-4206-8172-F9D3106AACB1}" type="datetimeFigureOut">
               <a:rPr lang="en-US" dirty="0"/>
-              <a:t>8/4/2022</a:t>
+              <a:t>8/5/2022</a:t>
             </a:fld>
             <a:endParaRPr lang="en-US" dirty="0"/>
           </a:p>
@@ -3205,7 +3205,7 @@
           <a:p>
             <a:fld id="{4509A250-FF31-4206-8172-F9D3106AACB1}" type="datetimeFigureOut">
               <a:rPr lang="en-US" dirty="0"/>
-              <a:t>8/4/2022</a:t>
+              <a:t>8/5/2022</a:t>
             </a:fld>
             <a:endParaRPr lang="en-US" dirty="0"/>
           </a:p>
@@ -3373,7 +3373,7 @@
           <a:p>
             <a:fld id="{4509A250-FF31-4206-8172-F9D3106AACB1}" type="datetimeFigureOut">
               <a:rPr lang="en-US" dirty="0"/>
-              <a:t>8/4/2022</a:t>
+              <a:t>8/5/2022</a:t>
             </a:fld>
             <a:endParaRPr lang="en-US" dirty="0"/>
           </a:p>
@@ -3619,7 +3619,7 @@
           <a:p>
             <a:fld id="{9796027F-7875-4030-9381-8BD8C4F21935}" type="datetimeFigureOut">
               <a:rPr lang="en-US" dirty="0"/>
-              <a:t>8/4/2022</a:t>
+              <a:t>8/5/2022</a:t>
             </a:fld>
             <a:endParaRPr lang="en-US" dirty="0"/>
           </a:p>
@@ -3908,7 +3908,7 @@
           <a:p>
             <a:fld id="{9796027F-7875-4030-9381-8BD8C4F21935}" type="datetimeFigureOut">
               <a:rPr lang="en-US" dirty="0"/>
-              <a:t>8/4/2022</a:t>
+              <a:t>8/5/2022</a:t>
             </a:fld>
             <a:endParaRPr lang="en-US" dirty="0"/>
           </a:p>
@@ -4349,7 +4349,7 @@
           <a:p>
             <a:fld id="{9796027F-7875-4030-9381-8BD8C4F21935}" type="datetimeFigureOut">
               <a:rPr lang="en-US" dirty="0"/>
-              <a:t>8/4/2022</a:t>
+              <a:t>8/5/2022</a:t>
             </a:fld>
             <a:endParaRPr lang="en-US" dirty="0"/>
           </a:p>
@@ -4466,7 +4466,7 @@
           <a:p>
             <a:fld id="{4509A250-FF31-4206-8172-F9D3106AACB1}" type="datetimeFigureOut">
               <a:rPr lang="en-US" dirty="0"/>
-              <a:t>8/4/2022</a:t>
+              <a:t>8/5/2022</a:t>
             </a:fld>
             <a:endParaRPr lang="en-US" dirty="0"/>
           </a:p>
@@ -4561,7 +4561,7 @@
           <a:p>
             <a:fld id="{4509A250-FF31-4206-8172-F9D3106AACB1}" type="datetimeFigureOut">
               <a:rPr lang="en-US" dirty="0"/>
-              <a:t>8/4/2022</a:t>
+              <a:t>8/5/2022</a:t>
             </a:fld>
             <a:endParaRPr lang="en-US" dirty="0"/>
           </a:p>
@@ -4838,7 +4838,7 @@
           <a:p>
             <a:fld id="{4509A250-FF31-4206-8172-F9D3106AACB1}" type="datetimeFigureOut">
               <a:rPr lang="en-US" dirty="0"/>
-              <a:t>8/4/2022</a:t>
+              <a:t>8/5/2022</a:t>
             </a:fld>
             <a:endParaRPr lang="en-US" dirty="0"/>
           </a:p>
@@ -5108,7 +5108,7 @@
           <a:p>
             <a:fld id="{4509A250-FF31-4206-8172-F9D3106AACB1}" type="datetimeFigureOut">
               <a:rPr lang="en-US" dirty="0"/>
-              <a:t>8/4/2022</a:t>
+              <a:t>8/5/2022</a:t>
             </a:fld>
             <a:endParaRPr lang="en-US" dirty="0"/>
           </a:p>
@@ -5535,7 +5535,7 @@
           <a:p>
             <a:fld id="{4AAD347D-5ACD-4C99-B74B-A9C85AD731AF}" type="datetimeFigureOut">
               <a:rPr lang="en-US" dirty="0"/>
-              <a:t>8/4/2022</a:t>
+              <a:t>8/5/2022</a:t>
             </a:fld>
             <a:endParaRPr lang="en-US" dirty="0"/>
           </a:p>
@@ -6400,7 +6400,7 @@
         <p:spPr>
           <a:xfrm>
             <a:off x="646111" y="452718"/>
-            <a:ext cx="9404723" cy="5803703"/>
+            <a:ext cx="9404723" cy="6554474"/>
           </a:xfrm>
         </p:spPr>
         <p:txBody>
@@ -6576,40 +6576,7 @@
                 <a:ea typeface="+mj-lt"/>
                 <a:cs typeface="+mj-lt"/>
               </a:rPr>
-              <a:t> A, B, ABC</a:t>
-            </a:r>
-            <a:r>
-              <a:rPr lang="en-US" sz="1400" b="1">
-                <a:ea typeface="+mj-lt"/>
-                <a:cs typeface="+mj-lt"/>
-              </a:rPr>
-              <a:t>, ABD</a:t>
-            </a:r>
-            <a:br>
-              <a:rPr lang="en-US" sz="1400" b="1">
-                <a:ea typeface="+mj-lt"/>
-                <a:cs typeface="+mj-lt"/>
-              </a:rPr>
-            </a:br>
-            <a:r>
-              <a:rPr lang="en-US" sz="1400" b="1">
-                <a:ea typeface="+mj-lt"/>
-                <a:cs typeface="+mj-lt"/>
-              </a:rPr>
-              <a:t>Hierarchical Inheritance - A, AB, AC</a:t>
-            </a:r>
-            <a:br>
-              <a:rPr lang="en-US" sz="1400" b="1">
-                <a:ea typeface="+mj-lt"/>
-                <a:cs typeface="+mj-lt"/>
-              </a:rPr>
-            </a:br>
-            <a:r>
-              <a:rPr lang="en-US" sz="1400" b="1">
-                <a:ea typeface="+mj-lt"/>
-                <a:cs typeface="+mj-lt"/>
-              </a:rPr>
-              <a:t>Multiple derived class</a:t>
+              <a:t> A, B, ABC, ABD</a:t>
             </a:r>
             <a:br>
               <a:rPr lang="en-US" sz="1400" b="1" dirty="0">
@@ -6622,7 +6589,7 @@
                 <a:ea typeface="+mj-lt"/>
                 <a:cs typeface="+mj-lt"/>
               </a:rPr>
-              <a:t>Method overriding vs Method overloading</a:t>
+              <a:t>Hierarchical Inheritance - A, AB, AC</a:t>
             </a:r>
             <a:br>
               <a:rPr lang="en-US" sz="1400" b="1" dirty="0">
@@ -6635,6 +6602,32 @@
                 <a:ea typeface="+mj-lt"/>
                 <a:cs typeface="+mj-lt"/>
               </a:rPr>
+              <a:t>Multiple derived class</a:t>
+            </a:r>
+            <a:br>
+              <a:rPr lang="en-US" sz="1400" b="1" dirty="0">
+                <a:ea typeface="+mj-lt"/>
+                <a:cs typeface="+mj-lt"/>
+              </a:rPr>
+            </a:br>
+            <a:r>
+              <a:rPr lang="en-US" sz="1400" b="1" dirty="0">
+                <a:ea typeface="+mj-lt"/>
+                <a:cs typeface="+mj-lt"/>
+              </a:rPr>
+              <a:t>Method overriding vs Method overloading</a:t>
+            </a:r>
+            <a:br>
+              <a:rPr lang="en-US" sz="1400" b="1" dirty="0">
+                <a:ea typeface="+mj-lt"/>
+                <a:cs typeface="+mj-lt"/>
+              </a:rPr>
+            </a:br>
+            <a:r>
+              <a:rPr lang="en-US" sz="1400" b="1" dirty="0">
+                <a:ea typeface="+mj-lt"/>
+                <a:cs typeface="+mj-lt"/>
+              </a:rPr>
               <a:t>Base keyword</a:t>
             </a:r>
             <a:br>
@@ -6651,17 +6644,17 @@
               <a:t>Assemblies(Private, Public, Satellite – Resource)</a:t>
             </a:r>
             <a:br>
-              <a:rPr lang="en-US" sz="1800" b="1" dirty="0">
+              <a:rPr lang="en-US" sz="1800" b="1">
                 <a:ea typeface="+mj-lt"/>
                 <a:cs typeface="+mj-lt"/>
               </a:rPr>
             </a:br>
             <a:r>
-              <a:rPr lang="en-US" sz="1800" b="1" dirty="0">
-                <a:ea typeface="+mj-lt"/>
-                <a:cs typeface="+mj-lt"/>
-              </a:rPr>
-              <a:t>Classes (abstract class, sealed class, static class, partial class)</a:t>
+              <a:rPr lang="en-US" sz="1800" b="1">
+                <a:ea typeface="+mj-lt"/>
+                <a:cs typeface="+mj-lt"/>
+              </a:rPr>
+              <a:t>Classes:</a:t>
             </a:r>
             <a:br>
               <a:rPr lang="en-US" sz="1800" b="1" dirty="0">
@@ -6670,11 +6663,11 @@
               </a:rPr>
             </a:br>
             <a:r>
-              <a:rPr lang="en-US" sz="1800" b="1" dirty="0">
-                <a:ea typeface="+mj-lt"/>
-                <a:cs typeface="+mj-lt"/>
-              </a:rPr>
-              <a:t>Constructors</a:t>
+              <a:rPr lang="en-US" sz="1800" b="1">
+                <a:ea typeface="+mj-lt"/>
+                <a:cs typeface="+mj-lt"/>
+              </a:rPr>
+              <a:t>abstract class</a:t>
             </a:r>
             <a:br>
               <a:rPr lang="en-US" sz="1800" b="1" dirty="0">
@@ -6687,16 +6680,7 @@
                 <a:ea typeface="+mj-lt"/>
                 <a:cs typeface="+mj-lt"/>
               </a:rPr>
-              <a:t>Collections</a:t>
-            </a:r>
-          </a:p>
-          <a:p>
-            <a:r>
-              <a:rPr lang="en-US" sz="1800" b="1" dirty="0">
-                <a:ea typeface="+mj-lt"/>
-                <a:cs typeface="+mj-lt"/>
-              </a:rPr>
-              <a:t>Properties</a:t>
+              <a:t>sealed class – Can’t inherit for security purpose, </a:t>
             </a:r>
             <a:br>
               <a:rPr lang="en-US" sz="1800" b="1" dirty="0">
@@ -6709,7 +6693,7 @@
                 <a:ea typeface="+mj-lt"/>
                 <a:cs typeface="+mj-lt"/>
               </a:rPr>
-              <a:t>Polymorphism</a:t>
+              <a:t>static class – This, can have static and non-static methods, </a:t>
             </a:r>
             <a:br>
               <a:rPr lang="en-US" sz="1800" b="1" dirty="0">
@@ -6722,7 +6706,21 @@
                 <a:ea typeface="+mj-lt"/>
                 <a:cs typeface="+mj-lt"/>
               </a:rPr>
-              <a:t>Abstraction</a:t>
+              <a:t>partial class – Logic can be </a:t>
+            </a:r>
+            <a:r>
+              <a:rPr lang="en-US" sz="1800" b="1" dirty="0" err="1">
+                <a:ea typeface="+mj-lt"/>
+                <a:cs typeface="+mj-lt"/>
+              </a:rPr>
+              <a:t>splitted</a:t>
+            </a:r>
+            <a:r>
+              <a:rPr lang="en-US" sz="1800" b="1" dirty="0">
+                <a:ea typeface="+mj-lt"/>
+                <a:cs typeface="+mj-lt"/>
+              </a:rPr>
+              <a:t> then can be added as a single class</a:t>
             </a:r>
             <a:br>
               <a:rPr lang="en-US" sz="1800" b="1" dirty="0">
@@ -6735,7 +6733,7 @@
                 <a:ea typeface="+mj-lt"/>
                 <a:cs typeface="+mj-lt"/>
               </a:rPr>
-              <a:t>Interface</a:t>
+              <a:t>Constructors</a:t>
             </a:r>
             <a:br>
               <a:rPr lang="en-US" sz="1800" b="1" dirty="0">
@@ -6748,7 +6746,42 @@
                 <a:ea typeface="+mj-lt"/>
                 <a:cs typeface="+mj-lt"/>
               </a:rPr>
-              <a:t>Enums, Files, Exceptions</a:t>
+              <a:t>Collections</a:t>
+            </a:r>
+          </a:p>
+          <a:p>
+            <a:r>
+              <a:rPr lang="en-US" sz="1800" b="1" dirty="0">
+                <a:ea typeface="+mj-lt"/>
+                <a:cs typeface="+mj-lt"/>
+              </a:rPr>
+              <a:t>Properties</a:t>
+            </a:r>
+            <a:br>
+              <a:rPr lang="en-US" sz="1800" b="1" dirty="0">
+                <a:ea typeface="+mj-lt"/>
+                <a:cs typeface="+mj-lt"/>
+              </a:rPr>
+            </a:br>
+            <a:r>
+              <a:rPr lang="en-US" sz="1800" b="1" dirty="0">
+                <a:ea typeface="+mj-lt"/>
+                <a:cs typeface="+mj-lt"/>
+              </a:rPr>
+              <a:t>Polymorphism</a:t>
+            </a:r>
+            <a:br>
+              <a:rPr lang="en-US" sz="1800" b="1" dirty="0">
+                <a:ea typeface="+mj-lt"/>
+                <a:cs typeface="+mj-lt"/>
+              </a:rPr>
+            </a:br>
+            <a:r>
+              <a:rPr lang="en-US" sz="1800" b="1" dirty="0">
+                <a:ea typeface="+mj-lt"/>
+                <a:cs typeface="+mj-lt"/>
+              </a:rPr>
+              <a:t>Abstraction, Interface, Enums, Files, Exceptions</a:t>
             </a:r>
             <a:br>
               <a:rPr lang="en-US" sz="1800" b="1" dirty="0">

--- a/Notes/Day2_26_07_2022.pptx
+++ b/Notes/Day2_26_07_2022.pptx
@@ -15,7 +15,9 @@
     <p:sldId id="259" r:id="rId9"/>
     <p:sldId id="260" r:id="rId10"/>
     <p:sldId id="261" r:id="rId11"/>
-    <p:sldId id="266" r:id="rId12"/>
+    <p:sldId id="267" r:id="rId12"/>
+    <p:sldId id="268" r:id="rId13"/>
+    <p:sldId id="266" r:id="rId14"/>
   </p:sldIdLst>
   <p:sldSz cx="12192000" cy="6858000"/>
   <p:notesSz cx="6858000" cy="9144000"/>
@@ -315,7 +317,7 @@
           <a:p>
             <a:fld id="{4AAD347D-5ACD-4C99-B74B-A9C85AD731AF}" type="datetimeFigureOut">
               <a:rPr lang="en-US" dirty="0"/>
-              <a:t>8/5/2022</a:t>
+              <a:t>8/7/2022</a:t>
             </a:fld>
             <a:endParaRPr lang="en-US" dirty="0"/>
           </a:p>
@@ -585,7 +587,7 @@
           <a:p>
             <a:fld id="{4509A250-FF31-4206-8172-F9D3106AACB1}" type="datetimeFigureOut">
               <a:rPr lang="en-US" dirty="0"/>
-              <a:t>8/5/2022</a:t>
+              <a:t>8/7/2022</a:t>
             </a:fld>
             <a:endParaRPr lang="en-US" dirty="0"/>
           </a:p>
@@ -778,7 +780,7 @@
           <a:p>
             <a:fld id="{4509A250-FF31-4206-8172-F9D3106AACB1}" type="datetimeFigureOut">
               <a:rPr lang="en-US" dirty="0"/>
-              <a:t>8/5/2022</a:t>
+              <a:t>8/7/2022</a:t>
             </a:fld>
             <a:endParaRPr lang="en-US" dirty="0"/>
           </a:p>
@@ -1050,7 +1052,7 @@
           <a:p>
             <a:fld id="{4509A250-FF31-4206-8172-F9D3106AACB1}" type="datetimeFigureOut">
               <a:rPr lang="en-US" dirty="0"/>
-              <a:t>8/5/2022</a:t>
+              <a:t>8/7/2022</a:t>
             </a:fld>
             <a:endParaRPr lang="en-US" dirty="0"/>
           </a:p>
@@ -1390,7 +1392,7 @@
           <a:p>
             <a:fld id="{4509A250-FF31-4206-8172-F9D3106AACB1}" type="datetimeFigureOut">
               <a:rPr lang="en-US" dirty="0"/>
-              <a:t>8/5/2022</a:t>
+              <a:t>8/7/2022</a:t>
             </a:fld>
             <a:endParaRPr lang="en-US" dirty="0"/>
           </a:p>
@@ -2012,7 +2014,7 @@
           <a:p>
             <a:fld id="{4509A250-FF31-4206-8172-F9D3106AACB1}" type="datetimeFigureOut">
               <a:rPr lang="en-US" dirty="0"/>
-              <a:t>8/5/2022</a:t>
+              <a:t>8/7/2022</a:t>
             </a:fld>
             <a:endParaRPr lang="en-US" dirty="0"/>
           </a:p>
@@ -2859,7 +2861,7 @@
           <a:p>
             <a:fld id="{4509A250-FF31-4206-8172-F9D3106AACB1}" type="datetimeFigureOut">
               <a:rPr lang="en-US" dirty="0"/>
-              <a:t>8/5/2022</a:t>
+              <a:t>8/7/2022</a:t>
             </a:fld>
             <a:endParaRPr lang="en-US" dirty="0"/>
           </a:p>
@@ -3027,7 +3029,7 @@
           <a:p>
             <a:fld id="{4509A250-FF31-4206-8172-F9D3106AACB1}" type="datetimeFigureOut">
               <a:rPr lang="en-US" dirty="0"/>
-              <a:t>8/5/2022</a:t>
+              <a:t>8/7/2022</a:t>
             </a:fld>
             <a:endParaRPr lang="en-US" dirty="0"/>
           </a:p>
@@ -3205,7 +3207,7 @@
           <a:p>
             <a:fld id="{4509A250-FF31-4206-8172-F9D3106AACB1}" type="datetimeFigureOut">
               <a:rPr lang="en-US" dirty="0"/>
-              <a:t>8/5/2022</a:t>
+              <a:t>8/7/2022</a:t>
             </a:fld>
             <a:endParaRPr lang="en-US" dirty="0"/>
           </a:p>
@@ -3373,7 +3375,7 @@
           <a:p>
             <a:fld id="{4509A250-FF31-4206-8172-F9D3106AACB1}" type="datetimeFigureOut">
               <a:rPr lang="en-US" dirty="0"/>
-              <a:t>8/5/2022</a:t>
+              <a:t>8/7/2022</a:t>
             </a:fld>
             <a:endParaRPr lang="en-US" dirty="0"/>
           </a:p>
@@ -3619,7 +3621,7 @@
           <a:p>
             <a:fld id="{9796027F-7875-4030-9381-8BD8C4F21935}" type="datetimeFigureOut">
               <a:rPr lang="en-US" dirty="0"/>
-              <a:t>8/5/2022</a:t>
+              <a:t>8/7/2022</a:t>
             </a:fld>
             <a:endParaRPr lang="en-US" dirty="0"/>
           </a:p>
@@ -3908,7 +3910,7 @@
           <a:p>
             <a:fld id="{9796027F-7875-4030-9381-8BD8C4F21935}" type="datetimeFigureOut">
               <a:rPr lang="en-US" dirty="0"/>
-              <a:t>8/5/2022</a:t>
+              <a:t>8/7/2022</a:t>
             </a:fld>
             <a:endParaRPr lang="en-US" dirty="0"/>
           </a:p>
@@ -4349,7 +4351,7 @@
           <a:p>
             <a:fld id="{9796027F-7875-4030-9381-8BD8C4F21935}" type="datetimeFigureOut">
               <a:rPr lang="en-US" dirty="0"/>
-              <a:t>8/5/2022</a:t>
+              <a:t>8/7/2022</a:t>
             </a:fld>
             <a:endParaRPr lang="en-US" dirty="0"/>
           </a:p>
@@ -4466,7 +4468,7 @@
           <a:p>
             <a:fld id="{4509A250-FF31-4206-8172-F9D3106AACB1}" type="datetimeFigureOut">
               <a:rPr lang="en-US" dirty="0"/>
-              <a:t>8/5/2022</a:t>
+              <a:t>8/7/2022</a:t>
             </a:fld>
             <a:endParaRPr lang="en-US" dirty="0"/>
           </a:p>
@@ -4561,7 +4563,7 @@
           <a:p>
             <a:fld id="{4509A250-FF31-4206-8172-F9D3106AACB1}" type="datetimeFigureOut">
               <a:rPr lang="en-US" dirty="0"/>
-              <a:t>8/5/2022</a:t>
+              <a:t>8/7/2022</a:t>
             </a:fld>
             <a:endParaRPr lang="en-US" dirty="0"/>
           </a:p>
@@ -4838,7 +4840,7 @@
           <a:p>
             <a:fld id="{4509A250-FF31-4206-8172-F9D3106AACB1}" type="datetimeFigureOut">
               <a:rPr lang="en-US" dirty="0"/>
-              <a:t>8/5/2022</a:t>
+              <a:t>8/7/2022</a:t>
             </a:fld>
             <a:endParaRPr lang="en-US" dirty="0"/>
           </a:p>
@@ -5108,7 +5110,7 @@
           <a:p>
             <a:fld id="{4509A250-FF31-4206-8172-F9D3106AACB1}" type="datetimeFigureOut">
               <a:rPr lang="en-US" dirty="0"/>
-              <a:t>8/5/2022</a:t>
+              <a:t>8/7/2022</a:t>
             </a:fld>
             <a:endParaRPr lang="en-US" dirty="0"/>
           </a:p>
@@ -5535,7 +5537,7 @@
           <a:p>
             <a:fld id="{4AAD347D-5ACD-4C99-B74B-A9C85AD731AF}" type="datetimeFigureOut">
               <a:rPr lang="en-US" dirty="0"/>
-              <a:t>8/5/2022</a:t>
+              <a:t>8/7/2022</a:t>
             </a:fld>
             <a:endParaRPr lang="en-US" dirty="0"/>
           </a:p>
@@ -6644,13 +6646,13 @@
               <a:t>Assemblies(Private, Public, Satellite – Resource)</a:t>
             </a:r>
             <a:br>
-              <a:rPr lang="en-US" sz="1800" b="1">
+              <a:rPr lang="en-US" sz="1800" b="1" dirty="0">
                 <a:ea typeface="+mj-lt"/>
                 <a:cs typeface="+mj-lt"/>
               </a:rPr>
             </a:br>
             <a:r>
-              <a:rPr lang="en-US" sz="1800" b="1">
+              <a:rPr lang="en-US" sz="1800" b="1" dirty="0">
                 <a:ea typeface="+mj-lt"/>
                 <a:cs typeface="+mj-lt"/>
               </a:rPr>
@@ -6663,7 +6665,7 @@
               </a:rPr>
             </a:br>
             <a:r>
-              <a:rPr lang="en-US" sz="1800" b="1">
+              <a:rPr lang="en-US" sz="1800" b="1" dirty="0">
                 <a:ea typeface="+mj-lt"/>
                 <a:cs typeface="+mj-lt"/>
               </a:rPr>
@@ -6722,73 +6724,6 @@
               </a:rPr>
               <a:t> then can be added as a single class</a:t>
             </a:r>
-            <a:br>
-              <a:rPr lang="en-US" sz="1800" b="1" dirty="0">
-                <a:ea typeface="+mj-lt"/>
-                <a:cs typeface="+mj-lt"/>
-              </a:rPr>
-            </a:br>
-            <a:r>
-              <a:rPr lang="en-US" sz="1800" b="1" dirty="0">
-                <a:ea typeface="+mj-lt"/>
-                <a:cs typeface="+mj-lt"/>
-              </a:rPr>
-              <a:t>Constructors</a:t>
-            </a:r>
-            <a:br>
-              <a:rPr lang="en-US" sz="1800" b="1" dirty="0">
-                <a:ea typeface="+mj-lt"/>
-                <a:cs typeface="+mj-lt"/>
-              </a:rPr>
-            </a:br>
-            <a:r>
-              <a:rPr lang="en-US" sz="1800" b="1" dirty="0">
-                <a:ea typeface="+mj-lt"/>
-                <a:cs typeface="+mj-lt"/>
-              </a:rPr>
-              <a:t>Collections</a:t>
-            </a:r>
-          </a:p>
-          <a:p>
-            <a:r>
-              <a:rPr lang="en-US" sz="1800" b="1" dirty="0">
-                <a:ea typeface="+mj-lt"/>
-                <a:cs typeface="+mj-lt"/>
-              </a:rPr>
-              <a:t>Properties</a:t>
-            </a:r>
-            <a:br>
-              <a:rPr lang="en-US" sz="1800" b="1" dirty="0">
-                <a:ea typeface="+mj-lt"/>
-                <a:cs typeface="+mj-lt"/>
-              </a:rPr>
-            </a:br>
-            <a:r>
-              <a:rPr lang="en-US" sz="1800" b="1" dirty="0">
-                <a:ea typeface="+mj-lt"/>
-                <a:cs typeface="+mj-lt"/>
-              </a:rPr>
-              <a:t>Polymorphism</a:t>
-            </a:r>
-            <a:br>
-              <a:rPr lang="en-US" sz="1800" b="1" dirty="0">
-                <a:ea typeface="+mj-lt"/>
-                <a:cs typeface="+mj-lt"/>
-              </a:rPr>
-            </a:br>
-            <a:r>
-              <a:rPr lang="en-US" sz="1800" b="1" dirty="0">
-                <a:ea typeface="+mj-lt"/>
-                <a:cs typeface="+mj-lt"/>
-              </a:rPr>
-              <a:t>Abstraction, Interface, Enums, Files, Exceptions</a:t>
-            </a:r>
-            <a:br>
-              <a:rPr lang="en-US" sz="1800" b="1" dirty="0">
-                <a:ea typeface="+mj-lt"/>
-                <a:cs typeface="+mj-lt"/>
-              </a:rPr>
-            </a:br>
             <a:br>
               <a:rPr lang="en-US" sz="1800" b="1" dirty="0">
                 <a:ea typeface="+mj-lt"/>
@@ -6813,6 +6748,400 @@
 </file>
 
 <file path=ppt/slides/slide11.xml><?xml version="1.0" encoding="utf-8"?>
+<p:sld xmlns:a="http://schemas.openxmlformats.org/drawingml/2006/main" xmlns:r="http://schemas.openxmlformats.org/officeDocument/2006/relationships" xmlns:p="http://schemas.openxmlformats.org/presentationml/2006/main">
+  <p:cSld>
+    <p:spTree>
+      <p:nvGrpSpPr>
+        <p:cNvPr id="1" name=""/>
+        <p:cNvGrpSpPr/>
+        <p:nvPr/>
+      </p:nvGrpSpPr>
+      <p:grpSpPr>
+        <a:xfrm>
+          <a:off x="0" y="0"/>
+          <a:ext cx="0" cy="0"/>
+          <a:chOff x="0" y="0"/>
+          <a:chExt cx="0" cy="0"/>
+        </a:xfrm>
+      </p:grpSpPr>
+      <p:sp>
+        <p:nvSpPr>
+          <p:cNvPr id="2" name="Title 1">
+            <a:extLst>
+              <a:ext uri="{FF2B5EF4-FFF2-40B4-BE49-F238E27FC236}">
+                <a16:creationId xmlns:a16="http://schemas.microsoft.com/office/drawing/2014/main" id="{4F2DE4E9-8E29-D743-8019-8A28664C13B8}"/>
+              </a:ext>
+            </a:extLst>
+          </p:cNvPr>
+          <p:cNvSpPr>
+            <a:spLocks noGrp="1"/>
+          </p:cNvSpPr>
+          <p:nvPr>
+            <p:ph type="title"/>
+          </p:nvPr>
+        </p:nvSpPr>
+        <p:spPr>
+          <a:xfrm>
+            <a:off x="646111" y="452717"/>
+            <a:ext cx="9404723" cy="6246465"/>
+          </a:xfrm>
+        </p:spPr>
+        <p:txBody>
+          <a:bodyPr/>
+          <a:lstStyle/>
+          <a:p>
+            <a:pPr algn="l" fontAlgn="base">
+              <a:buFont typeface="Arial" panose="020B0604020202020204" pitchFamily="34" charset="0"/>
+              <a:buChar char="•"/>
+            </a:pPr>
+            <a:r>
+              <a:rPr lang="en-US" sz="2200" b="1" dirty="0">
+                <a:ea typeface="+mj-lt"/>
+                <a:cs typeface="+mj-lt"/>
+              </a:rPr>
+              <a:t>Abstraction – Hiding the implementation. It has private variable</a:t>
+            </a:r>
+            <a:br>
+              <a:rPr lang="en-US" sz="2200" b="1" dirty="0">
+                <a:ea typeface="+mj-lt"/>
+                <a:cs typeface="+mj-lt"/>
+              </a:rPr>
+            </a:br>
+            <a:r>
+              <a:rPr lang="en-US" sz="2200" b="1" dirty="0">
+                <a:ea typeface="+mj-lt"/>
+                <a:cs typeface="+mj-lt"/>
+              </a:rPr>
+              <a:t>Encapsulation – Encapsulation is data hiding(information hiding) while Abstraction is detail hiding(implementation hiding).</a:t>
+            </a:r>
+            <a:br>
+              <a:rPr lang="en-US" sz="2200" b="1" dirty="0">
+                <a:ea typeface="+mj-lt"/>
+                <a:cs typeface="+mj-lt"/>
+              </a:rPr>
+            </a:br>
+            <a:r>
+              <a:rPr lang="en-US" sz="2200" b="1" dirty="0">
+                <a:ea typeface="+mj-lt"/>
+                <a:cs typeface="+mj-lt"/>
+              </a:rPr>
+              <a:t>While encapsulation groups together data and methods that act upon the data, data abstraction deal with exposing to the user and hiding the details of implementation.</a:t>
+            </a:r>
+            <a:br>
+              <a:rPr lang="en-US" sz="2200" b="1" dirty="0">
+                <a:ea typeface="+mj-lt"/>
+                <a:cs typeface="+mj-lt"/>
+              </a:rPr>
+            </a:br>
+            <a:r>
+              <a:rPr lang="en-US" sz="2200" b="1" dirty="0">
+                <a:ea typeface="+mj-lt"/>
+                <a:cs typeface="+mj-lt"/>
+              </a:rPr>
+              <a:t>Properties { get; set; }</a:t>
+            </a:r>
+            <a:br>
+              <a:rPr lang="en-US" sz="2200" b="0" i="0" dirty="0">
+                <a:solidFill>
+                  <a:srgbClr val="273239"/>
+                </a:solidFill>
+                <a:effectLst/>
+                <a:latin typeface="urw-din"/>
+              </a:rPr>
+            </a:br>
+            <a:r>
+              <a:rPr lang="en-US" sz="2200" b="1" dirty="0">
+                <a:ea typeface="+mj-lt"/>
+                <a:cs typeface="+mj-lt"/>
+              </a:rPr>
+              <a:t>Polymorphism – provide a unique interface for different implementations of methods. Early binding(Compile - Overloading), late binding(Run - Overriding)</a:t>
+            </a:r>
+            <a:br>
+              <a:rPr lang="en-US" sz="2200" b="1" dirty="0">
+                <a:ea typeface="+mj-lt"/>
+                <a:cs typeface="+mj-lt"/>
+              </a:rPr>
+            </a:br>
+            <a:r>
+              <a:rPr lang="en-US" sz="2200" b="1" dirty="0">
+                <a:ea typeface="+mj-lt"/>
+                <a:cs typeface="+mj-lt"/>
+              </a:rPr>
+              <a:t>Interface</a:t>
+            </a:r>
+            <a:br>
+              <a:rPr lang="en-US" sz="2200" b="1" dirty="0">
+                <a:ea typeface="+mj-lt"/>
+                <a:cs typeface="+mj-lt"/>
+              </a:rPr>
+            </a:br>
+            <a:r>
+              <a:rPr lang="en-US" sz="2200" b="1" dirty="0">
+                <a:ea typeface="+mj-lt"/>
+                <a:cs typeface="+mj-lt"/>
+              </a:rPr>
+              <a:t>Constructors</a:t>
+            </a:r>
+            <a:br>
+              <a:rPr lang="en-US" sz="2200" b="1" dirty="0">
+                <a:ea typeface="+mj-lt"/>
+                <a:cs typeface="+mj-lt"/>
+              </a:rPr>
+            </a:br>
+            <a:r>
+              <a:rPr lang="en-US" sz="2200" b="1" dirty="0">
+                <a:ea typeface="+mj-lt"/>
+                <a:cs typeface="+mj-lt"/>
+              </a:rPr>
+              <a:t>1.Default Constructor</a:t>
+            </a:r>
+            <a:br>
+              <a:rPr lang="en-US" sz="2200" b="1" dirty="0">
+                <a:ea typeface="+mj-lt"/>
+                <a:cs typeface="+mj-lt"/>
+              </a:rPr>
+            </a:br>
+            <a:r>
+              <a:rPr lang="en-US" sz="2200" b="1" dirty="0">
+                <a:ea typeface="+mj-lt"/>
+                <a:cs typeface="+mj-lt"/>
+              </a:rPr>
+              <a:t>2.Parameterized Constructor</a:t>
+            </a:r>
+            <a:br>
+              <a:rPr lang="en-US" sz="2200" b="1" dirty="0">
+                <a:ea typeface="+mj-lt"/>
+                <a:cs typeface="+mj-lt"/>
+              </a:rPr>
+            </a:br>
+            <a:r>
+              <a:rPr lang="en-US" sz="2200" b="1" dirty="0">
+                <a:ea typeface="+mj-lt"/>
+                <a:cs typeface="+mj-lt"/>
+              </a:rPr>
+              <a:t>3.Copy Constructor - To initialize the members of a newly created object by copying the members of an already existing object.</a:t>
+            </a:r>
+            <a:br>
+              <a:rPr lang="en-US" sz="2200" b="1" dirty="0">
+                <a:ea typeface="+mj-lt"/>
+                <a:cs typeface="+mj-lt"/>
+              </a:rPr>
+            </a:br>
+            <a:r>
+              <a:rPr lang="en-US" sz="2200" b="1" dirty="0">
+                <a:ea typeface="+mj-lt"/>
+                <a:cs typeface="+mj-lt"/>
+              </a:rPr>
+              <a:t>4.Private Constructor</a:t>
+            </a:r>
+            <a:br>
+              <a:rPr lang="en-US" sz="2200" b="1" dirty="0">
+                <a:ea typeface="+mj-lt"/>
+                <a:cs typeface="+mj-lt"/>
+              </a:rPr>
+            </a:br>
+            <a:r>
+              <a:rPr lang="en-US" sz="2200" b="1" dirty="0">
+                <a:ea typeface="+mj-lt"/>
+                <a:cs typeface="+mj-lt"/>
+              </a:rPr>
+              <a:t>5.Static Constructor</a:t>
+            </a:r>
+            <a:br>
+              <a:rPr lang="en-US" sz="2200" b="1" dirty="0">
+                <a:ea typeface="+mj-lt"/>
+                <a:cs typeface="+mj-lt"/>
+              </a:rPr>
+            </a:br>
+            <a:r>
+              <a:rPr lang="en-US" sz="1800" b="1" dirty="0">
+                <a:ea typeface="+mj-lt"/>
+                <a:cs typeface="+mj-lt"/>
+              </a:rPr>
+              <a:t>https://www.geeksforgeeks.org/c-sharp-constructors/</a:t>
+            </a:r>
+            <a:br>
+              <a:rPr lang="en-US" sz="2200" b="1" dirty="0">
+                <a:ea typeface="+mj-lt"/>
+                <a:cs typeface="+mj-lt"/>
+              </a:rPr>
+            </a:br>
+            <a:endParaRPr lang="en-IN" sz="2200" dirty="0"/>
+          </a:p>
+        </p:txBody>
+      </p:sp>
+    </p:spTree>
+    <p:extLst>
+      <p:ext uri="{BB962C8B-B14F-4D97-AF65-F5344CB8AC3E}">
+        <p14:creationId xmlns:p14="http://schemas.microsoft.com/office/powerpoint/2010/main" val="1159309155"/>
+      </p:ext>
+    </p:extLst>
+  </p:cSld>
+  <p:clrMapOvr>
+    <a:masterClrMapping/>
+  </p:clrMapOvr>
+</p:sld>
+</file>
+
+<file path=ppt/slides/slide12.xml><?xml version="1.0" encoding="utf-8"?>
+<p:sld xmlns:a="http://schemas.openxmlformats.org/drawingml/2006/main" xmlns:r="http://schemas.openxmlformats.org/officeDocument/2006/relationships" xmlns:p="http://schemas.openxmlformats.org/presentationml/2006/main">
+  <p:cSld>
+    <p:spTree>
+      <p:nvGrpSpPr>
+        <p:cNvPr id="1" name=""/>
+        <p:cNvGrpSpPr/>
+        <p:nvPr/>
+      </p:nvGrpSpPr>
+      <p:grpSpPr>
+        <a:xfrm>
+          <a:off x="0" y="0"/>
+          <a:ext cx="0" cy="0"/>
+          <a:chOff x="0" y="0"/>
+          <a:chExt cx="0" cy="0"/>
+        </a:xfrm>
+      </p:grpSpPr>
+      <p:sp>
+        <p:nvSpPr>
+          <p:cNvPr id="2" name="Title 1">
+            <a:extLst>
+              <a:ext uri="{FF2B5EF4-FFF2-40B4-BE49-F238E27FC236}">
+                <a16:creationId xmlns:a16="http://schemas.microsoft.com/office/drawing/2014/main" id="{D4A76005-795E-DEE8-7B1C-ECFC140632E8}"/>
+              </a:ext>
+            </a:extLst>
+          </p:cNvPr>
+          <p:cNvSpPr>
+            <a:spLocks noGrp="1"/>
+          </p:cNvSpPr>
+          <p:nvPr>
+            <p:ph type="title"/>
+          </p:nvPr>
+        </p:nvSpPr>
+        <p:spPr>
+          <a:xfrm>
+            <a:off x="646111" y="452717"/>
+            <a:ext cx="9404723" cy="5226187"/>
+          </a:xfrm>
+        </p:spPr>
+        <p:txBody>
+          <a:bodyPr/>
+          <a:lstStyle/>
+          <a:p>
+            <a:br>
+              <a:rPr lang="en-US" sz="2200" b="1" dirty="0">
+                <a:ea typeface="+mj-lt"/>
+                <a:cs typeface="+mj-lt"/>
+              </a:rPr>
+            </a:br>
+            <a:r>
+              <a:rPr lang="en-US" sz="2200" b="1" dirty="0">
+                <a:ea typeface="+mj-lt"/>
+                <a:cs typeface="+mj-lt"/>
+              </a:rPr>
+              <a:t>Model POCO(</a:t>
+            </a:r>
+            <a:r>
+              <a:rPr lang="en-IN" sz="2200" b="1" dirty="0">
+                <a:ea typeface="+mj-lt"/>
+                <a:cs typeface="+mj-lt"/>
+              </a:rPr>
+              <a:t>Plain Old CLR Objects)</a:t>
+            </a:r>
+            <a:r>
+              <a:rPr lang="en-US" sz="2200" b="1" dirty="0">
+                <a:ea typeface="+mj-lt"/>
+                <a:cs typeface="+mj-lt"/>
+              </a:rPr>
+              <a:t> class</a:t>
+            </a:r>
+            <a:br>
+              <a:rPr lang="en-US" sz="2200" b="1" dirty="0">
+                <a:ea typeface="+mj-lt"/>
+                <a:cs typeface="+mj-lt"/>
+              </a:rPr>
+            </a:br>
+            <a:r>
+              <a:rPr lang="en-US" sz="2200" b="1" dirty="0">
+                <a:ea typeface="+mj-lt"/>
+                <a:cs typeface="+mj-lt"/>
+              </a:rPr>
+              <a:t>Value type – Value stores directly vs Reference type – Address stores and value will be retrieved based on the address</a:t>
+            </a:r>
+            <a:br>
+              <a:rPr lang="en-US" sz="2200" b="1" dirty="0">
+                <a:ea typeface="+mj-lt"/>
+                <a:cs typeface="+mj-lt"/>
+              </a:rPr>
+            </a:br>
+            <a:r>
+              <a:rPr lang="en-US" sz="2200" b="1" dirty="0">
+                <a:ea typeface="+mj-lt"/>
+                <a:cs typeface="+mj-lt"/>
+              </a:rPr>
+              <a:t>Collections</a:t>
+            </a:r>
+            <a:br>
+              <a:rPr lang="en-US" sz="2200" b="1" dirty="0">
+                <a:ea typeface="+mj-lt"/>
+                <a:cs typeface="+mj-lt"/>
+              </a:rPr>
+            </a:br>
+            <a:r>
+              <a:rPr lang="en-US" sz="2200" b="1" dirty="0">
+                <a:ea typeface="+mj-lt"/>
+                <a:cs typeface="+mj-lt"/>
+              </a:rPr>
+              <a:t>Enums</a:t>
+            </a:r>
+            <a:br>
+              <a:rPr lang="en-US" sz="2200" b="1" dirty="0">
+                <a:ea typeface="+mj-lt"/>
+                <a:cs typeface="+mj-lt"/>
+              </a:rPr>
+            </a:br>
+            <a:r>
+              <a:rPr lang="en-US" sz="2200" b="1" dirty="0">
+                <a:ea typeface="+mj-lt"/>
+                <a:cs typeface="+mj-lt"/>
+              </a:rPr>
+              <a:t>Files</a:t>
+            </a:r>
+            <a:br>
+              <a:rPr lang="en-US" sz="2200" b="1" dirty="0">
+                <a:ea typeface="+mj-lt"/>
+                <a:cs typeface="+mj-lt"/>
+              </a:rPr>
+            </a:br>
+            <a:r>
+              <a:rPr lang="en-US" sz="2200" b="1" dirty="0">
+                <a:ea typeface="+mj-lt"/>
+                <a:cs typeface="+mj-lt"/>
+              </a:rPr>
+              <a:t>Exceptions</a:t>
+            </a:r>
+            <a:br>
+              <a:rPr lang="en-US" sz="7200" b="1" dirty="0">
+                <a:ea typeface="+mj-lt"/>
+                <a:cs typeface="+mj-lt"/>
+              </a:rPr>
+            </a:br>
+            <a:endParaRPr lang="en-IN" dirty="0"/>
+          </a:p>
+        </p:txBody>
+      </p:sp>
+    </p:spTree>
+    <p:extLst>
+      <p:ext uri="{BB962C8B-B14F-4D97-AF65-F5344CB8AC3E}">
+        <p14:creationId xmlns:p14="http://schemas.microsoft.com/office/powerpoint/2010/main" val="3419369393"/>
+      </p:ext>
+    </p:extLst>
+  </p:cSld>
+  <p:clrMapOvr>
+    <a:masterClrMapping/>
+  </p:clrMapOvr>
+</p:sld>
+</file>
+
+<file path=ppt/slides/slide13.xml><?xml version="1.0" encoding="utf-8"?>
 <p:sld xmlns:a="http://schemas.openxmlformats.org/drawingml/2006/main" xmlns:r="http://schemas.openxmlformats.org/officeDocument/2006/relationships" xmlns:p="http://schemas.openxmlformats.org/presentationml/2006/main">
   <p:cSld>
     <p:spTree>

--- a/Notes/Day2_26_07_2022.pptx
+++ b/Notes/Day2_26_07_2022.pptx
@@ -317,7 +317,7 @@
           <a:p>
             <a:fld id="{4AAD347D-5ACD-4C99-B74B-A9C85AD731AF}" type="datetimeFigureOut">
               <a:rPr lang="en-US" dirty="0"/>
-              <a:t>8/7/2022</a:t>
+              <a:t>8/9/2022</a:t>
             </a:fld>
             <a:endParaRPr lang="en-US" dirty="0"/>
           </a:p>
@@ -587,7 +587,7 @@
           <a:p>
             <a:fld id="{4509A250-FF31-4206-8172-F9D3106AACB1}" type="datetimeFigureOut">
               <a:rPr lang="en-US" dirty="0"/>
-              <a:t>8/7/2022</a:t>
+              <a:t>8/9/2022</a:t>
             </a:fld>
             <a:endParaRPr lang="en-US" dirty="0"/>
           </a:p>
@@ -780,7 +780,7 @@
           <a:p>
             <a:fld id="{4509A250-FF31-4206-8172-F9D3106AACB1}" type="datetimeFigureOut">
               <a:rPr lang="en-US" dirty="0"/>
-              <a:t>8/7/2022</a:t>
+              <a:t>8/9/2022</a:t>
             </a:fld>
             <a:endParaRPr lang="en-US" dirty="0"/>
           </a:p>
@@ -1052,7 +1052,7 @@
           <a:p>
             <a:fld id="{4509A250-FF31-4206-8172-F9D3106AACB1}" type="datetimeFigureOut">
               <a:rPr lang="en-US" dirty="0"/>
-              <a:t>8/7/2022</a:t>
+              <a:t>8/9/2022</a:t>
             </a:fld>
             <a:endParaRPr lang="en-US" dirty="0"/>
           </a:p>
@@ -1392,7 +1392,7 @@
           <a:p>
             <a:fld id="{4509A250-FF31-4206-8172-F9D3106AACB1}" type="datetimeFigureOut">
               <a:rPr lang="en-US" dirty="0"/>
-              <a:t>8/7/2022</a:t>
+              <a:t>8/9/2022</a:t>
             </a:fld>
             <a:endParaRPr lang="en-US" dirty="0"/>
           </a:p>
@@ -2014,7 +2014,7 @@
           <a:p>
             <a:fld id="{4509A250-FF31-4206-8172-F9D3106AACB1}" type="datetimeFigureOut">
               <a:rPr lang="en-US" dirty="0"/>
-              <a:t>8/7/2022</a:t>
+              <a:t>8/9/2022</a:t>
             </a:fld>
             <a:endParaRPr lang="en-US" dirty="0"/>
           </a:p>
@@ -2861,7 +2861,7 @@
           <a:p>
             <a:fld id="{4509A250-FF31-4206-8172-F9D3106AACB1}" type="datetimeFigureOut">
               <a:rPr lang="en-US" dirty="0"/>
-              <a:t>8/7/2022</a:t>
+              <a:t>8/9/2022</a:t>
             </a:fld>
             <a:endParaRPr lang="en-US" dirty="0"/>
           </a:p>
@@ -3029,7 +3029,7 @@
           <a:p>
             <a:fld id="{4509A250-FF31-4206-8172-F9D3106AACB1}" type="datetimeFigureOut">
               <a:rPr lang="en-US" dirty="0"/>
-              <a:t>8/7/2022</a:t>
+              <a:t>8/9/2022</a:t>
             </a:fld>
             <a:endParaRPr lang="en-US" dirty="0"/>
           </a:p>
@@ -3207,7 +3207,7 @@
           <a:p>
             <a:fld id="{4509A250-FF31-4206-8172-F9D3106AACB1}" type="datetimeFigureOut">
               <a:rPr lang="en-US" dirty="0"/>
-              <a:t>8/7/2022</a:t>
+              <a:t>8/9/2022</a:t>
             </a:fld>
             <a:endParaRPr lang="en-US" dirty="0"/>
           </a:p>
@@ -3375,7 +3375,7 @@
           <a:p>
             <a:fld id="{4509A250-FF31-4206-8172-F9D3106AACB1}" type="datetimeFigureOut">
               <a:rPr lang="en-US" dirty="0"/>
-              <a:t>8/7/2022</a:t>
+              <a:t>8/9/2022</a:t>
             </a:fld>
             <a:endParaRPr lang="en-US" dirty="0"/>
           </a:p>
@@ -3621,7 +3621,7 @@
           <a:p>
             <a:fld id="{9796027F-7875-4030-9381-8BD8C4F21935}" type="datetimeFigureOut">
               <a:rPr lang="en-US" dirty="0"/>
-              <a:t>8/7/2022</a:t>
+              <a:t>8/9/2022</a:t>
             </a:fld>
             <a:endParaRPr lang="en-US" dirty="0"/>
           </a:p>
@@ -3910,7 +3910,7 @@
           <a:p>
             <a:fld id="{9796027F-7875-4030-9381-8BD8C4F21935}" type="datetimeFigureOut">
               <a:rPr lang="en-US" dirty="0"/>
-              <a:t>8/7/2022</a:t>
+              <a:t>8/9/2022</a:t>
             </a:fld>
             <a:endParaRPr lang="en-US" dirty="0"/>
           </a:p>
@@ -4351,7 +4351,7 @@
           <a:p>
             <a:fld id="{9796027F-7875-4030-9381-8BD8C4F21935}" type="datetimeFigureOut">
               <a:rPr lang="en-US" dirty="0"/>
-              <a:t>8/7/2022</a:t>
+              <a:t>8/9/2022</a:t>
             </a:fld>
             <a:endParaRPr lang="en-US" dirty="0"/>
           </a:p>
@@ -4468,7 +4468,7 @@
           <a:p>
             <a:fld id="{4509A250-FF31-4206-8172-F9D3106AACB1}" type="datetimeFigureOut">
               <a:rPr lang="en-US" dirty="0"/>
-              <a:t>8/7/2022</a:t>
+              <a:t>8/9/2022</a:t>
             </a:fld>
             <a:endParaRPr lang="en-US" dirty="0"/>
           </a:p>
@@ -4563,7 +4563,7 @@
           <a:p>
             <a:fld id="{4509A250-FF31-4206-8172-F9D3106AACB1}" type="datetimeFigureOut">
               <a:rPr lang="en-US" dirty="0"/>
-              <a:t>8/7/2022</a:t>
+              <a:t>8/9/2022</a:t>
             </a:fld>
             <a:endParaRPr lang="en-US" dirty="0"/>
           </a:p>
@@ -4840,7 +4840,7 @@
           <a:p>
             <a:fld id="{4509A250-FF31-4206-8172-F9D3106AACB1}" type="datetimeFigureOut">
               <a:rPr lang="en-US" dirty="0"/>
-              <a:t>8/7/2022</a:t>
+              <a:t>8/9/2022</a:t>
             </a:fld>
             <a:endParaRPr lang="en-US" dirty="0"/>
           </a:p>
@@ -5110,7 +5110,7 @@
           <a:p>
             <a:fld id="{4509A250-FF31-4206-8172-F9D3106AACB1}" type="datetimeFigureOut">
               <a:rPr lang="en-US" dirty="0"/>
-              <a:t>8/7/2022</a:t>
+              <a:t>8/9/2022</a:t>
             </a:fld>
             <a:endParaRPr lang="en-US" dirty="0"/>
           </a:p>
@@ -5537,7 +5537,7 @@
           <a:p>
             <a:fld id="{4AAD347D-5ACD-4C99-B74B-A9C85AD731AF}" type="datetimeFigureOut">
               <a:rPr lang="en-US" dirty="0"/>
-              <a:t>8/7/2022</a:t>
+              <a:t>8/9/2022</a:t>
             </a:fld>
             <a:endParaRPr lang="en-US" dirty="0"/>
           </a:p>
@@ -7077,7 +7077,14 @@
                 <a:ea typeface="+mj-lt"/>
                 <a:cs typeface="+mj-lt"/>
               </a:rPr>
-              <a:t>Collections</a:t>
+              <a:t>Collections – Array, Dictionary, List, </a:t>
+            </a:r>
+            <a:r>
+              <a:rPr lang="en-US" sz="2200" b="1" dirty="0" err="1">
+                <a:ea typeface="+mj-lt"/>
+                <a:cs typeface="+mj-lt"/>
+              </a:rPr>
+              <a:t>SortedList</a:t>
             </a:r>
             <a:br>
               <a:rPr lang="en-US" sz="2200" b="1" dirty="0">
@@ -7090,7 +7097,7 @@
                 <a:ea typeface="+mj-lt"/>
                 <a:cs typeface="+mj-lt"/>
               </a:rPr>
-              <a:t>Enums</a:t>
+              <a:t>Enums – To maintain the constant values</a:t>
             </a:r>
             <a:br>
               <a:rPr lang="en-US" sz="2200" b="1" dirty="0">

--- a/Notes/Day2_26_07_2022.pptx
+++ b/Notes/Day2_26_07_2022.pptx
@@ -317,7 +317,7 @@
           <a:p>
             <a:fld id="{4AAD347D-5ACD-4C99-B74B-A9C85AD731AF}" type="datetimeFigureOut">
               <a:rPr lang="en-US" dirty="0"/>
-              <a:t>8/9/2022</a:t>
+              <a:t>8/10/2022</a:t>
             </a:fld>
             <a:endParaRPr lang="en-US" dirty="0"/>
           </a:p>
@@ -587,7 +587,7 @@
           <a:p>
             <a:fld id="{4509A250-FF31-4206-8172-F9D3106AACB1}" type="datetimeFigureOut">
               <a:rPr lang="en-US" dirty="0"/>
-              <a:t>8/9/2022</a:t>
+              <a:t>8/10/2022</a:t>
             </a:fld>
             <a:endParaRPr lang="en-US" dirty="0"/>
           </a:p>
@@ -780,7 +780,7 @@
           <a:p>
             <a:fld id="{4509A250-FF31-4206-8172-F9D3106AACB1}" type="datetimeFigureOut">
               <a:rPr lang="en-US" dirty="0"/>
-              <a:t>8/9/2022</a:t>
+              <a:t>8/10/2022</a:t>
             </a:fld>
             <a:endParaRPr lang="en-US" dirty="0"/>
           </a:p>
@@ -1052,7 +1052,7 @@
           <a:p>
             <a:fld id="{4509A250-FF31-4206-8172-F9D3106AACB1}" type="datetimeFigureOut">
               <a:rPr lang="en-US" dirty="0"/>
-              <a:t>8/9/2022</a:t>
+              <a:t>8/10/2022</a:t>
             </a:fld>
             <a:endParaRPr lang="en-US" dirty="0"/>
           </a:p>
@@ -1392,7 +1392,7 @@
           <a:p>
             <a:fld id="{4509A250-FF31-4206-8172-F9D3106AACB1}" type="datetimeFigureOut">
               <a:rPr lang="en-US" dirty="0"/>
-              <a:t>8/9/2022</a:t>
+              <a:t>8/10/2022</a:t>
             </a:fld>
             <a:endParaRPr lang="en-US" dirty="0"/>
           </a:p>
@@ -2014,7 +2014,7 @@
           <a:p>
             <a:fld id="{4509A250-FF31-4206-8172-F9D3106AACB1}" type="datetimeFigureOut">
               <a:rPr lang="en-US" dirty="0"/>
-              <a:t>8/9/2022</a:t>
+              <a:t>8/10/2022</a:t>
             </a:fld>
             <a:endParaRPr lang="en-US" dirty="0"/>
           </a:p>
@@ -2861,7 +2861,7 @@
           <a:p>
             <a:fld id="{4509A250-FF31-4206-8172-F9D3106AACB1}" type="datetimeFigureOut">
               <a:rPr lang="en-US" dirty="0"/>
-              <a:t>8/9/2022</a:t>
+              <a:t>8/10/2022</a:t>
             </a:fld>
             <a:endParaRPr lang="en-US" dirty="0"/>
           </a:p>
@@ -3029,7 +3029,7 @@
           <a:p>
             <a:fld id="{4509A250-FF31-4206-8172-F9D3106AACB1}" type="datetimeFigureOut">
               <a:rPr lang="en-US" dirty="0"/>
-              <a:t>8/9/2022</a:t>
+              <a:t>8/10/2022</a:t>
             </a:fld>
             <a:endParaRPr lang="en-US" dirty="0"/>
           </a:p>
@@ -3207,7 +3207,7 @@
           <a:p>
             <a:fld id="{4509A250-FF31-4206-8172-F9D3106AACB1}" type="datetimeFigureOut">
               <a:rPr lang="en-US" dirty="0"/>
-              <a:t>8/9/2022</a:t>
+              <a:t>8/10/2022</a:t>
             </a:fld>
             <a:endParaRPr lang="en-US" dirty="0"/>
           </a:p>
@@ -3375,7 +3375,7 @@
           <a:p>
             <a:fld id="{4509A250-FF31-4206-8172-F9D3106AACB1}" type="datetimeFigureOut">
               <a:rPr lang="en-US" dirty="0"/>
-              <a:t>8/9/2022</a:t>
+              <a:t>8/10/2022</a:t>
             </a:fld>
             <a:endParaRPr lang="en-US" dirty="0"/>
           </a:p>
@@ -3621,7 +3621,7 @@
           <a:p>
             <a:fld id="{9796027F-7875-4030-9381-8BD8C4F21935}" type="datetimeFigureOut">
               <a:rPr lang="en-US" dirty="0"/>
-              <a:t>8/9/2022</a:t>
+              <a:t>8/10/2022</a:t>
             </a:fld>
             <a:endParaRPr lang="en-US" dirty="0"/>
           </a:p>
@@ -3910,7 +3910,7 @@
           <a:p>
             <a:fld id="{9796027F-7875-4030-9381-8BD8C4F21935}" type="datetimeFigureOut">
               <a:rPr lang="en-US" dirty="0"/>
-              <a:t>8/9/2022</a:t>
+              <a:t>8/10/2022</a:t>
             </a:fld>
             <a:endParaRPr lang="en-US" dirty="0"/>
           </a:p>
@@ -4351,7 +4351,7 @@
           <a:p>
             <a:fld id="{9796027F-7875-4030-9381-8BD8C4F21935}" type="datetimeFigureOut">
               <a:rPr lang="en-US" dirty="0"/>
-              <a:t>8/9/2022</a:t>
+              <a:t>8/10/2022</a:t>
             </a:fld>
             <a:endParaRPr lang="en-US" dirty="0"/>
           </a:p>
@@ -4468,7 +4468,7 @@
           <a:p>
             <a:fld id="{4509A250-FF31-4206-8172-F9D3106AACB1}" type="datetimeFigureOut">
               <a:rPr lang="en-US" dirty="0"/>
-              <a:t>8/9/2022</a:t>
+              <a:t>8/10/2022</a:t>
             </a:fld>
             <a:endParaRPr lang="en-US" dirty="0"/>
           </a:p>
@@ -4563,7 +4563,7 @@
           <a:p>
             <a:fld id="{4509A250-FF31-4206-8172-F9D3106AACB1}" type="datetimeFigureOut">
               <a:rPr lang="en-US" dirty="0"/>
-              <a:t>8/9/2022</a:t>
+              <a:t>8/10/2022</a:t>
             </a:fld>
             <a:endParaRPr lang="en-US" dirty="0"/>
           </a:p>
@@ -4840,7 +4840,7 @@
           <a:p>
             <a:fld id="{4509A250-FF31-4206-8172-F9D3106AACB1}" type="datetimeFigureOut">
               <a:rPr lang="en-US" dirty="0"/>
-              <a:t>8/9/2022</a:t>
+              <a:t>8/10/2022</a:t>
             </a:fld>
             <a:endParaRPr lang="en-US" dirty="0"/>
           </a:p>
@@ -5110,7 +5110,7 @@
           <a:p>
             <a:fld id="{4509A250-FF31-4206-8172-F9D3106AACB1}" type="datetimeFigureOut">
               <a:rPr lang="en-US" dirty="0"/>
-              <a:t>8/9/2022</a:t>
+              <a:t>8/10/2022</a:t>
             </a:fld>
             <a:endParaRPr lang="en-US" dirty="0"/>
           </a:p>
@@ -5537,7 +5537,7 @@
           <a:p>
             <a:fld id="{4AAD347D-5ACD-4C99-B74B-A9C85AD731AF}" type="datetimeFigureOut">
               <a:rPr lang="en-US" dirty="0"/>
-              <a:t>8/9/2022</a:t>
+              <a:t>8/10/2022</a:t>
             </a:fld>
             <a:endParaRPr lang="en-US" dirty="0"/>
           </a:p>
@@ -7110,7 +7110,7 @@
                 <a:ea typeface="+mj-lt"/>
                 <a:cs typeface="+mj-lt"/>
               </a:rPr>
-              <a:t>Files</a:t>
+              <a:t>Files – Create, Write, Delete</a:t>
             </a:r>
             <a:br>
               <a:rPr lang="en-US" sz="2200" b="1" dirty="0">
@@ -7123,7 +7123,7 @@
                 <a:ea typeface="+mj-lt"/>
                 <a:cs typeface="+mj-lt"/>
               </a:rPr>
-              <a:t>Exceptions</a:t>
+              <a:t>Exceptions – throw new exception </a:t>
             </a:r>
             <a:br>
               <a:rPr lang="en-US" sz="7200" b="1" dirty="0">
